--- a/images/images.pptx
+++ b/images/images.pptx
@@ -7,6 +7,8 @@
   <p:sldIdLst>
     <p:sldId id="256" r:id="rId2"/>
     <p:sldId id="257" r:id="rId3"/>
+    <p:sldId id="258" r:id="rId4"/>
+    <p:sldId id="259" r:id="rId5"/>
   </p:sldIdLst>
   <p:sldSz cx="12192000" cy="6858000"/>
   <p:notesSz cx="6858000" cy="9144000"/>
@@ -105,6 +107,11 @@
       </a:defRPr>
     </a:lvl9pPr>
   </p:defaultTextStyle>
+  <p:extLst>
+    <p:ext uri="{EFAFB233-063F-42B5-8137-9DF3F51BA10A}">
+      <p15:sldGuideLst xmlns:p15="http://schemas.microsoft.com/office/powerpoint/2012/main"/>
+    </p:ext>
+  </p:extLst>
 </p:presentation>
 </file>
 
@@ -239,7 +246,7 @@
           <a:p>
             <a:fld id="{BC01E4B0-63A6-4851-B76D-9F6DA112B708}" type="datetimeFigureOut">
               <a:rPr lang="ko-KR" altLang="en-US" smtClean="0"/>
-              <a:t>2021-04-22</a:t>
+              <a:t>2021-05-13</a:t>
             </a:fld>
             <a:endParaRPr lang="ko-KR" altLang="en-US"/>
           </a:p>
@@ -409,7 +416,7 @@
           <a:p>
             <a:fld id="{BC01E4B0-63A6-4851-B76D-9F6DA112B708}" type="datetimeFigureOut">
               <a:rPr lang="ko-KR" altLang="en-US" smtClean="0"/>
-              <a:t>2021-04-22</a:t>
+              <a:t>2021-05-13</a:t>
             </a:fld>
             <a:endParaRPr lang="ko-KR" altLang="en-US"/>
           </a:p>
@@ -589,7 +596,7 @@
           <a:p>
             <a:fld id="{BC01E4B0-63A6-4851-B76D-9F6DA112B708}" type="datetimeFigureOut">
               <a:rPr lang="ko-KR" altLang="en-US" smtClean="0"/>
-              <a:t>2021-04-22</a:t>
+              <a:t>2021-05-13</a:t>
             </a:fld>
             <a:endParaRPr lang="ko-KR" altLang="en-US"/>
           </a:p>
@@ -759,7 +766,7 @@
           <a:p>
             <a:fld id="{BC01E4B0-63A6-4851-B76D-9F6DA112B708}" type="datetimeFigureOut">
               <a:rPr lang="ko-KR" altLang="en-US" smtClean="0"/>
-              <a:t>2021-04-22</a:t>
+              <a:t>2021-05-13</a:t>
             </a:fld>
             <a:endParaRPr lang="ko-KR" altLang="en-US"/>
           </a:p>
@@ -1005,7 +1012,7 @@
           <a:p>
             <a:fld id="{BC01E4B0-63A6-4851-B76D-9F6DA112B708}" type="datetimeFigureOut">
               <a:rPr lang="ko-KR" altLang="en-US" smtClean="0"/>
-              <a:t>2021-04-22</a:t>
+              <a:t>2021-05-13</a:t>
             </a:fld>
             <a:endParaRPr lang="ko-KR" altLang="en-US"/>
           </a:p>
@@ -1237,7 +1244,7 @@
           <a:p>
             <a:fld id="{BC01E4B0-63A6-4851-B76D-9F6DA112B708}" type="datetimeFigureOut">
               <a:rPr lang="ko-KR" altLang="en-US" smtClean="0"/>
-              <a:t>2021-04-22</a:t>
+              <a:t>2021-05-13</a:t>
             </a:fld>
             <a:endParaRPr lang="ko-KR" altLang="en-US"/>
           </a:p>
@@ -1604,7 +1611,7 @@
           <a:p>
             <a:fld id="{BC01E4B0-63A6-4851-B76D-9F6DA112B708}" type="datetimeFigureOut">
               <a:rPr lang="ko-KR" altLang="en-US" smtClean="0"/>
-              <a:t>2021-04-22</a:t>
+              <a:t>2021-05-13</a:t>
             </a:fld>
             <a:endParaRPr lang="ko-KR" altLang="en-US"/>
           </a:p>
@@ -1722,7 +1729,7 @@
           <a:p>
             <a:fld id="{BC01E4B0-63A6-4851-B76D-9F6DA112B708}" type="datetimeFigureOut">
               <a:rPr lang="ko-KR" altLang="en-US" smtClean="0"/>
-              <a:t>2021-04-22</a:t>
+              <a:t>2021-05-13</a:t>
             </a:fld>
             <a:endParaRPr lang="ko-KR" altLang="en-US"/>
           </a:p>
@@ -1817,7 +1824,7 @@
           <a:p>
             <a:fld id="{BC01E4B0-63A6-4851-B76D-9F6DA112B708}" type="datetimeFigureOut">
               <a:rPr lang="ko-KR" altLang="en-US" smtClean="0"/>
-              <a:t>2021-04-22</a:t>
+              <a:t>2021-05-13</a:t>
             </a:fld>
             <a:endParaRPr lang="ko-KR" altLang="en-US"/>
           </a:p>
@@ -2094,7 +2101,7 @@
           <a:p>
             <a:fld id="{BC01E4B0-63A6-4851-B76D-9F6DA112B708}" type="datetimeFigureOut">
               <a:rPr lang="ko-KR" altLang="en-US" smtClean="0"/>
-              <a:t>2021-04-22</a:t>
+              <a:t>2021-05-13</a:t>
             </a:fld>
             <a:endParaRPr lang="ko-KR" altLang="en-US"/>
           </a:p>
@@ -2347,7 +2354,7 @@
           <a:p>
             <a:fld id="{BC01E4B0-63A6-4851-B76D-9F6DA112B708}" type="datetimeFigureOut">
               <a:rPr lang="ko-KR" altLang="en-US" smtClean="0"/>
-              <a:t>2021-04-22</a:t>
+              <a:t>2021-05-13</a:t>
             </a:fld>
             <a:endParaRPr lang="ko-KR" altLang="en-US"/>
           </a:p>
@@ -2560,7 +2567,7 @@
           <a:p>
             <a:fld id="{BC01E4B0-63A6-4851-B76D-9F6DA112B708}" type="datetimeFigureOut">
               <a:rPr lang="ko-KR" altLang="en-US" smtClean="0"/>
-              <a:t>2021-04-22</a:t>
+              <a:t>2021-05-13</a:t>
             </a:fld>
             <a:endParaRPr lang="ko-KR" altLang="en-US"/>
           </a:p>
@@ -5669,6 +5676,1873 @@
 </p:sld>
 </file>
 
+<file path=ppt/slides/slide3.xml><?xml version="1.0" encoding="utf-8"?>
+<p:sld xmlns:a="http://schemas.openxmlformats.org/drawingml/2006/main" xmlns:r="http://schemas.openxmlformats.org/officeDocument/2006/relationships" xmlns:p="http://schemas.openxmlformats.org/presentationml/2006/main">
+  <p:cSld>
+    <p:spTree>
+      <p:nvGrpSpPr>
+        <p:cNvPr id="1" name=""/>
+        <p:cNvGrpSpPr/>
+        <p:nvPr/>
+      </p:nvGrpSpPr>
+      <p:grpSpPr>
+        <a:xfrm>
+          <a:off x="0" y="0"/>
+          <a:ext cx="0" cy="0"/>
+          <a:chOff x="0" y="0"/>
+          <a:chExt cx="0" cy="0"/>
+        </a:xfrm>
+      </p:grpSpPr>
+      <p:graphicFrame>
+        <p:nvGraphicFramePr>
+          <p:cNvPr id="4" name="표 3"/>
+          <p:cNvGraphicFramePr>
+            <a:graphicFrameLocks noGrp="1"/>
+          </p:cNvGraphicFramePr>
+          <p:nvPr/>
+        </p:nvGraphicFramePr>
+        <p:xfrm>
+          <a:off x="902366" y="156291"/>
+          <a:ext cx="2538661" cy="2225040"/>
+        </p:xfrm>
+        <a:graphic>
+          <a:graphicData uri="http://schemas.openxmlformats.org/drawingml/2006/table">
+            <a:tbl>
+              <a:tblPr firstRow="1" bandRow="1">
+                <a:tableStyleId>{7E9639D4-E3E2-4D34-9284-5A2195B3D0D7}</a:tableStyleId>
+              </a:tblPr>
+              <a:tblGrid>
+                <a:gridCol w="2538661"/>
+              </a:tblGrid>
+              <a:tr h="370840">
+                <a:tc>
+                  <a:txBody>
+                    <a:bodyPr/>
+                    <a:lstStyle/>
+                    <a:p>
+                      <a:pPr latinLnBrk="1"/>
+                      <a:r>
+                        <a:rPr lang="en-US" altLang="ko-KR" dirty="0" err="1" smtClean="0"/>
+                        <a:t>igem_team</a:t>
+                      </a:r>
+                      <a:endParaRPr lang="ko-KR" altLang="en-US" dirty="0"/>
+                    </a:p>
+                  </a:txBody>
+                  <a:tcPr/>
+                </a:tc>
+              </a:tr>
+              <a:tr h="370840">
+                <a:tc>
+                  <a:txBody>
+                    <a:bodyPr/>
+                    <a:lstStyle/>
+                    <a:p>
+                      <a:pPr marL="0" marR="0" lvl="0" indent="0" algn="l" defTabSz="914400" rtl="0" eaLnBrk="1" fontAlgn="auto" latinLnBrk="1" hangingPunct="1">
+                        <a:lnSpc>
+                          <a:spcPct val="100000"/>
+                        </a:lnSpc>
+                        <a:spcBef>
+                          <a:spcPts val="0"/>
+                        </a:spcBef>
+                        <a:spcAft>
+                          <a:spcPts val="0"/>
+                        </a:spcAft>
+                        <a:buClrTx/>
+                        <a:buSzTx/>
+                        <a:buFontTx/>
+                        <a:buNone/>
+                        <a:tabLst/>
+                        <a:defRPr/>
+                      </a:pPr>
+                      <a:r>
+                        <a:rPr lang="en-US" altLang="ko-KR" dirty="0" smtClean="0"/>
+                        <a:t>id (character)</a:t>
+                      </a:r>
+                    </a:p>
+                  </a:txBody>
+                  <a:tcPr/>
+                </a:tc>
+              </a:tr>
+              <a:tr h="370840">
+                <a:tc>
+                  <a:txBody>
+                    <a:bodyPr/>
+                    <a:lstStyle/>
+                    <a:p>
+                      <a:pPr marL="0" marR="0" lvl="0" indent="0" algn="l" defTabSz="914400" rtl="0" eaLnBrk="1" fontAlgn="auto" latinLnBrk="1" hangingPunct="1">
+                        <a:lnSpc>
+                          <a:spcPct val="100000"/>
+                        </a:lnSpc>
+                        <a:spcBef>
+                          <a:spcPts val="0"/>
+                        </a:spcBef>
+                        <a:spcAft>
+                          <a:spcPts val="0"/>
+                        </a:spcAft>
+                        <a:buClrTx/>
+                        <a:buSzTx/>
+                        <a:buFontTx/>
+                        <a:buNone/>
+                        <a:tabLst/>
+                        <a:defRPr/>
+                      </a:pPr>
+                      <a:r>
+                        <a:rPr lang="en-US" altLang="ko-KR" dirty="0" err="1" smtClean="0"/>
+                        <a:t>team_name</a:t>
+                      </a:r>
+                      <a:r>
+                        <a:rPr lang="en-US" altLang="ko-KR" dirty="0" smtClean="0"/>
+                        <a:t> (character)</a:t>
+                      </a:r>
+                    </a:p>
+                  </a:txBody>
+                  <a:tcPr/>
+                </a:tc>
+              </a:tr>
+              <a:tr h="370840">
+                <a:tc>
+                  <a:txBody>
+                    <a:bodyPr/>
+                    <a:lstStyle/>
+                    <a:p>
+                      <a:pPr marL="0" marR="0" lvl="0" indent="0" algn="l" defTabSz="914400" rtl="0" eaLnBrk="1" fontAlgn="auto" latinLnBrk="1" hangingPunct="1">
+                        <a:lnSpc>
+                          <a:spcPct val="100000"/>
+                        </a:lnSpc>
+                        <a:spcBef>
+                          <a:spcPts val="0"/>
+                        </a:spcBef>
+                        <a:spcAft>
+                          <a:spcPts val="0"/>
+                        </a:spcAft>
+                        <a:buClrTx/>
+                        <a:buSzTx/>
+                        <a:buFontTx/>
+                        <a:buNone/>
+                        <a:tabLst/>
+                        <a:defRPr/>
+                      </a:pPr>
+                      <a:r>
+                        <a:rPr lang="en-US" altLang="ko-KR" dirty="0" smtClean="0"/>
+                        <a:t>project (character)</a:t>
+                      </a:r>
+                    </a:p>
+                  </a:txBody>
+                  <a:tcPr/>
+                </a:tc>
+              </a:tr>
+              <a:tr h="370840">
+                <a:tc>
+                  <a:txBody>
+                    <a:bodyPr/>
+                    <a:lstStyle/>
+                    <a:p>
+                      <a:pPr marL="0" marR="0" lvl="0" indent="0" algn="l" defTabSz="914400" rtl="0" eaLnBrk="1" fontAlgn="auto" latinLnBrk="1" hangingPunct="1">
+                        <a:lnSpc>
+                          <a:spcPct val="100000"/>
+                        </a:lnSpc>
+                        <a:spcBef>
+                          <a:spcPts val="0"/>
+                        </a:spcBef>
+                        <a:spcAft>
+                          <a:spcPts val="0"/>
+                        </a:spcAft>
+                        <a:buClrTx/>
+                        <a:buSzTx/>
+                        <a:buFontTx/>
+                        <a:buNone/>
+                        <a:tabLst/>
+                        <a:defRPr/>
+                      </a:pPr>
+                      <a:r>
+                        <a:rPr lang="en-US" altLang="ko-KR" dirty="0" smtClean="0"/>
+                        <a:t>year (character)</a:t>
+                      </a:r>
+                    </a:p>
+                  </a:txBody>
+                  <a:tcPr/>
+                </a:tc>
+              </a:tr>
+              <a:tr h="370840">
+                <a:tc>
+                  <a:txBody>
+                    <a:bodyPr/>
+                    <a:lstStyle/>
+                    <a:p>
+                      <a:pPr marL="0" marR="0" lvl="0" indent="0" algn="l" defTabSz="914400" rtl="0" eaLnBrk="1" fontAlgn="auto" latinLnBrk="1" hangingPunct="1">
+                        <a:lnSpc>
+                          <a:spcPct val="100000"/>
+                        </a:lnSpc>
+                        <a:spcBef>
+                          <a:spcPts val="0"/>
+                        </a:spcBef>
+                        <a:spcAft>
+                          <a:spcPts val="0"/>
+                        </a:spcAft>
+                        <a:buClrTx/>
+                        <a:buSzTx/>
+                        <a:buFontTx/>
+                        <a:buNone/>
+                        <a:tabLst/>
+                        <a:defRPr/>
+                      </a:pPr>
+                      <a:r>
+                        <a:rPr lang="en-US" altLang="ko-KR" dirty="0" smtClean="0"/>
+                        <a:t>wiki (character)</a:t>
+                      </a:r>
+                    </a:p>
+                  </a:txBody>
+                  <a:tcPr/>
+                </a:tc>
+              </a:tr>
+            </a:tbl>
+          </a:graphicData>
+        </a:graphic>
+      </p:graphicFrame>
+      <p:graphicFrame>
+        <p:nvGraphicFramePr>
+          <p:cNvPr id="5" name="표 4"/>
+          <p:cNvGraphicFramePr>
+            <a:graphicFrameLocks noGrp="1"/>
+          </p:cNvGraphicFramePr>
+          <p:nvPr>
+            <p:extLst>
+              <p:ext uri="{D42A27DB-BD31-4B8C-83A1-F6EECF244321}">
+                <p14:modId xmlns:p14="http://schemas.microsoft.com/office/powerpoint/2010/main" val="2399861511"/>
+              </p:ext>
+            </p:extLst>
+          </p:nvPr>
+        </p:nvGraphicFramePr>
+        <p:xfrm>
+          <a:off x="811240" y="3112449"/>
+          <a:ext cx="3013914" cy="3337560"/>
+        </p:xfrm>
+        <a:graphic>
+          <a:graphicData uri="http://schemas.openxmlformats.org/drawingml/2006/table">
+            <a:tbl>
+              <a:tblPr firstRow="1" bandRow="1">
+                <a:tableStyleId>{7E9639D4-E3E2-4D34-9284-5A2195B3D0D7}</a:tableStyleId>
+              </a:tblPr>
+              <a:tblGrid>
+                <a:gridCol w="3013914"/>
+              </a:tblGrid>
+              <a:tr h="370840">
+                <a:tc>
+                  <a:txBody>
+                    <a:bodyPr/>
+                    <a:lstStyle/>
+                    <a:p>
+                      <a:pPr latinLnBrk="1"/>
+                      <a:r>
+                        <a:rPr lang="en-US" altLang="ko-KR" sz="1800" b="0" i="0" kern="1200" dirty="0" err="1" smtClean="0">
+                          <a:solidFill>
+                            <a:schemeClr val="bg1"/>
+                          </a:solidFill>
+                          <a:effectLst/>
+                          <a:latin typeface="+mn-lt"/>
+                          <a:ea typeface="+mn-ea"/>
+                          <a:cs typeface="+mn-cs"/>
+                        </a:rPr>
+                        <a:t>igem_part</a:t>
+                      </a:r>
+                      <a:endParaRPr lang="ko-KR" altLang="en-US" dirty="0"/>
+                    </a:p>
+                  </a:txBody>
+                  <a:tcPr/>
+                </a:tc>
+              </a:tr>
+              <a:tr h="370840">
+                <a:tc>
+                  <a:txBody>
+                    <a:bodyPr/>
+                    <a:lstStyle/>
+                    <a:p>
+                      <a:pPr marL="0" marR="0" lvl="0" indent="0" algn="l" defTabSz="914400" rtl="0" eaLnBrk="1" fontAlgn="auto" latinLnBrk="1" hangingPunct="1">
+                        <a:lnSpc>
+                          <a:spcPct val="100000"/>
+                        </a:lnSpc>
+                        <a:spcBef>
+                          <a:spcPts val="0"/>
+                        </a:spcBef>
+                        <a:spcAft>
+                          <a:spcPts val="0"/>
+                        </a:spcAft>
+                        <a:buClrTx/>
+                        <a:buSzTx/>
+                        <a:buFontTx/>
+                        <a:buNone/>
+                        <a:tabLst/>
+                        <a:defRPr/>
+                      </a:pPr>
+                      <a:r>
+                        <a:rPr lang="en-US" altLang="ko-KR" dirty="0" smtClean="0"/>
+                        <a:t>id (character)</a:t>
+                      </a:r>
+                    </a:p>
+                  </a:txBody>
+                  <a:tcPr/>
+                </a:tc>
+              </a:tr>
+              <a:tr h="370840">
+                <a:tc>
+                  <a:txBody>
+                    <a:bodyPr/>
+                    <a:lstStyle/>
+                    <a:p>
+                      <a:r>
+                        <a:rPr lang="en-US" altLang="ko-KR" sz="1800" b="0" i="0" kern="1200" dirty="0" err="1" smtClean="0">
+                          <a:solidFill>
+                            <a:schemeClr val="tx1"/>
+                          </a:solidFill>
+                          <a:effectLst/>
+                          <a:latin typeface="+mn-lt"/>
+                          <a:ea typeface="+mn-ea"/>
+                          <a:cs typeface="+mn-cs"/>
+                        </a:rPr>
+                        <a:t>BBid</a:t>
+                      </a:r>
+                      <a:r>
+                        <a:rPr lang="en-US" altLang="ko-KR" sz="1800" b="0" i="0" kern="1200" dirty="0" smtClean="0">
+                          <a:solidFill>
+                            <a:schemeClr val="tx1"/>
+                          </a:solidFill>
+                          <a:effectLst/>
+                          <a:latin typeface="+mn-lt"/>
+                          <a:ea typeface="+mn-ea"/>
+                          <a:cs typeface="+mn-cs"/>
+                        </a:rPr>
+                        <a:t> (character)</a:t>
+                      </a:r>
+                    </a:p>
+                  </a:txBody>
+                  <a:tcPr/>
+                </a:tc>
+              </a:tr>
+              <a:tr h="370840">
+                <a:tc>
+                  <a:txBody>
+                    <a:bodyPr/>
+                    <a:lstStyle/>
+                    <a:p>
+                      <a:r>
+                        <a:rPr lang="en-US" altLang="ko-KR" sz="1800" b="0" i="0" kern="1200" dirty="0" smtClean="0">
+                          <a:solidFill>
+                            <a:schemeClr val="tx1"/>
+                          </a:solidFill>
+                          <a:effectLst/>
+                          <a:latin typeface="+mn-lt"/>
+                          <a:ea typeface="+mn-ea"/>
+                          <a:cs typeface="+mn-cs"/>
+                        </a:rPr>
+                        <a:t>type (character)</a:t>
+                      </a:r>
+                      <a:endParaRPr lang="en-US" altLang="ko-KR" sz="1800" b="0" i="0" kern="1200" dirty="0">
+                        <a:solidFill>
+                          <a:schemeClr val="tx1"/>
+                        </a:solidFill>
+                        <a:effectLst/>
+                        <a:latin typeface="+mn-lt"/>
+                        <a:ea typeface="+mn-ea"/>
+                        <a:cs typeface="+mn-cs"/>
+                      </a:endParaRPr>
+                    </a:p>
+                  </a:txBody>
+                  <a:tcPr/>
+                </a:tc>
+              </a:tr>
+              <a:tr h="370840">
+                <a:tc>
+                  <a:txBody>
+                    <a:bodyPr/>
+                    <a:lstStyle/>
+                    <a:p>
+                      <a:r>
+                        <a:rPr lang="en-US" altLang="ko-KR" sz="1800" b="0" i="0" kern="1200" dirty="0" smtClean="0">
+                          <a:solidFill>
+                            <a:schemeClr val="tx1"/>
+                          </a:solidFill>
+                          <a:effectLst/>
+                          <a:latin typeface="+mn-lt"/>
+                          <a:ea typeface="+mn-ea"/>
+                          <a:cs typeface="+mn-cs"/>
+                        </a:rPr>
+                        <a:t>link (character)</a:t>
+                      </a:r>
+                      <a:endParaRPr lang="en-US" altLang="ko-KR" sz="1800" b="0" i="0" kern="1200" dirty="0">
+                        <a:solidFill>
+                          <a:schemeClr val="tx1"/>
+                        </a:solidFill>
+                        <a:effectLst/>
+                        <a:latin typeface="+mn-lt"/>
+                        <a:ea typeface="+mn-ea"/>
+                        <a:cs typeface="+mn-cs"/>
+                      </a:endParaRPr>
+                    </a:p>
+                  </a:txBody>
+                  <a:tcPr/>
+                </a:tc>
+              </a:tr>
+              <a:tr h="370840">
+                <a:tc>
+                  <a:txBody>
+                    <a:bodyPr/>
+                    <a:lstStyle/>
+                    <a:p>
+                      <a:r>
+                        <a:rPr lang="en-US" altLang="ko-KR" sz="1800" b="0" i="0" kern="1200" dirty="0" smtClean="0">
+                          <a:solidFill>
+                            <a:schemeClr val="tx1"/>
+                          </a:solidFill>
+                          <a:effectLst/>
+                          <a:latin typeface="+mn-lt"/>
+                          <a:ea typeface="+mn-ea"/>
+                          <a:cs typeface="+mn-cs"/>
+                        </a:rPr>
+                        <a:t>backbone (character)</a:t>
+                      </a:r>
+                      <a:endParaRPr lang="en-US" altLang="ko-KR" sz="1800" b="0" i="0" kern="1200" dirty="0">
+                        <a:solidFill>
+                          <a:schemeClr val="tx1"/>
+                        </a:solidFill>
+                        <a:effectLst/>
+                        <a:latin typeface="+mn-lt"/>
+                        <a:ea typeface="+mn-ea"/>
+                        <a:cs typeface="+mn-cs"/>
+                      </a:endParaRPr>
+                    </a:p>
+                  </a:txBody>
+                  <a:tcPr/>
+                </a:tc>
+              </a:tr>
+              <a:tr h="370840">
+                <a:tc>
+                  <a:txBody>
+                    <a:bodyPr/>
+                    <a:lstStyle/>
+                    <a:p>
+                      <a:r>
+                        <a:rPr lang="en-US" altLang="ko-KR" sz="1800" b="0" i="0" strike="sngStrike" kern="1200" dirty="0" err="1" smtClean="0">
+                          <a:solidFill>
+                            <a:schemeClr val="tx1"/>
+                          </a:solidFill>
+                          <a:effectLst/>
+                          <a:latin typeface="+mn-lt"/>
+                          <a:ea typeface="+mn-ea"/>
+                          <a:cs typeface="+mn-cs"/>
+                        </a:rPr>
+                        <a:t>device_name</a:t>
+                      </a:r>
+                      <a:r>
+                        <a:rPr lang="en-US" altLang="ko-KR" sz="1800" b="0" i="0" strike="sngStrike" kern="1200" dirty="0" smtClean="0">
+                          <a:solidFill>
+                            <a:schemeClr val="tx1"/>
+                          </a:solidFill>
+                          <a:effectLst/>
+                          <a:latin typeface="+mn-lt"/>
+                          <a:ea typeface="+mn-ea"/>
+                          <a:cs typeface="+mn-cs"/>
+                        </a:rPr>
+                        <a:t> (character)</a:t>
+                      </a:r>
+                      <a:endParaRPr lang="en-US" altLang="ko-KR" sz="1800" b="0" i="0" strike="sngStrike" kern="1200" dirty="0">
+                        <a:solidFill>
+                          <a:schemeClr val="tx1"/>
+                        </a:solidFill>
+                        <a:effectLst/>
+                        <a:latin typeface="+mn-lt"/>
+                        <a:ea typeface="+mn-ea"/>
+                        <a:cs typeface="+mn-cs"/>
+                      </a:endParaRPr>
+                    </a:p>
+                  </a:txBody>
+                  <a:tcPr/>
+                </a:tc>
+              </a:tr>
+              <a:tr h="370840">
+                <a:tc>
+                  <a:txBody>
+                    <a:bodyPr/>
+                    <a:lstStyle/>
+                    <a:p>
+                      <a:pPr marL="0" marR="0" lvl="0" indent="0" algn="l" defTabSz="914400" rtl="0" eaLnBrk="1" fontAlgn="auto" latinLnBrk="1" hangingPunct="1">
+                        <a:lnSpc>
+                          <a:spcPct val="100000"/>
+                        </a:lnSpc>
+                        <a:spcBef>
+                          <a:spcPts val="0"/>
+                        </a:spcBef>
+                        <a:spcAft>
+                          <a:spcPts val="0"/>
+                        </a:spcAft>
+                        <a:buClrTx/>
+                        <a:buSzTx/>
+                        <a:buFontTx/>
+                        <a:buNone/>
+                        <a:tabLst/>
+                        <a:defRPr/>
+                      </a:pPr>
+                      <a:r>
+                        <a:rPr lang="en-US" altLang="ko-KR" sz="1800" b="0" i="0" kern="1200" dirty="0" err="1" smtClean="0">
+                          <a:solidFill>
+                            <a:schemeClr val="tx1"/>
+                          </a:solidFill>
+                          <a:effectLst/>
+                          <a:latin typeface="+mn-lt"/>
+                          <a:ea typeface="+mn-ea"/>
+                          <a:cs typeface="+mn-cs"/>
+                        </a:rPr>
+                        <a:t>team_name</a:t>
+                      </a:r>
+                      <a:r>
+                        <a:rPr lang="en-US" altLang="ko-KR" sz="1800" b="0" i="0" kern="1200" dirty="0" smtClean="0">
+                          <a:solidFill>
+                            <a:schemeClr val="tx1"/>
+                          </a:solidFill>
+                          <a:effectLst/>
+                          <a:latin typeface="+mn-lt"/>
+                          <a:ea typeface="+mn-ea"/>
+                          <a:cs typeface="+mn-cs"/>
+                        </a:rPr>
+                        <a:t> (character)</a:t>
+                      </a:r>
+                    </a:p>
+                  </a:txBody>
+                  <a:tcPr/>
+                </a:tc>
+              </a:tr>
+              <a:tr h="370840">
+                <a:tc>
+                  <a:txBody>
+                    <a:bodyPr/>
+                    <a:lstStyle/>
+                    <a:p>
+                      <a:pPr marL="0" marR="0" lvl="0" indent="0" algn="l" defTabSz="914400" rtl="0" eaLnBrk="1" fontAlgn="auto" latinLnBrk="1" hangingPunct="1">
+                        <a:lnSpc>
+                          <a:spcPct val="100000"/>
+                        </a:lnSpc>
+                        <a:spcBef>
+                          <a:spcPts val="0"/>
+                        </a:spcBef>
+                        <a:spcAft>
+                          <a:spcPts val="0"/>
+                        </a:spcAft>
+                        <a:buClrTx/>
+                        <a:buSzTx/>
+                        <a:buFontTx/>
+                        <a:buNone/>
+                        <a:tabLst/>
+                        <a:defRPr/>
+                      </a:pPr>
+                      <a:r>
+                        <a:rPr lang="en-US" altLang="ko-KR" sz="1800" b="0" i="0" kern="1200" dirty="0" smtClean="0">
+                          <a:solidFill>
+                            <a:schemeClr val="tx1"/>
+                          </a:solidFill>
+                          <a:effectLst/>
+                          <a:latin typeface="+mn-lt"/>
+                          <a:ea typeface="+mn-ea"/>
+                          <a:cs typeface="+mn-cs"/>
+                        </a:rPr>
+                        <a:t>user (character)</a:t>
+                      </a:r>
+                    </a:p>
+                  </a:txBody>
+                  <a:tcPr/>
+                </a:tc>
+              </a:tr>
+            </a:tbl>
+          </a:graphicData>
+        </a:graphic>
+      </p:graphicFrame>
+      <p:graphicFrame>
+        <p:nvGraphicFramePr>
+          <p:cNvPr id="6" name="표 5"/>
+          <p:cNvGraphicFramePr>
+            <a:graphicFrameLocks noGrp="1"/>
+          </p:cNvGraphicFramePr>
+          <p:nvPr>
+            <p:extLst>
+              <p:ext uri="{D42A27DB-BD31-4B8C-83A1-F6EECF244321}">
+                <p14:modId xmlns:p14="http://schemas.microsoft.com/office/powerpoint/2010/main" val="3481946094"/>
+              </p:ext>
+            </p:extLst>
+          </p:nvPr>
+        </p:nvGraphicFramePr>
+        <p:xfrm>
+          <a:off x="9336506" y="1455761"/>
+          <a:ext cx="2767264" cy="4450080"/>
+        </p:xfrm>
+        <a:graphic>
+          <a:graphicData uri="http://schemas.openxmlformats.org/drawingml/2006/table">
+            <a:tbl>
+              <a:tblPr firstRow="1" bandRow="1">
+                <a:tableStyleId>{7E9639D4-E3E2-4D34-9284-5A2195B3D0D7}</a:tableStyleId>
+              </a:tblPr>
+              <a:tblGrid>
+                <a:gridCol w="2767264"/>
+              </a:tblGrid>
+              <a:tr h="370840">
+                <a:tc>
+                  <a:txBody>
+                    <a:bodyPr/>
+                    <a:lstStyle/>
+                    <a:p>
+                      <a:pPr latinLnBrk="1"/>
+                      <a:r>
+                        <a:rPr lang="en-US" altLang="ko-KR" sz="1800" b="0" i="0" kern="1200" dirty="0" err="1" smtClean="0">
+                          <a:solidFill>
+                            <a:schemeClr val="bg1"/>
+                          </a:solidFill>
+                          <a:effectLst/>
+                          <a:latin typeface="+mn-lt"/>
+                          <a:ea typeface="+mn-ea"/>
+                          <a:cs typeface="+mn-cs"/>
+                        </a:rPr>
+                        <a:t>igem_obs</a:t>
+                      </a:r>
+                      <a:endParaRPr lang="ko-KR" altLang="en-US" dirty="0"/>
+                    </a:p>
+                  </a:txBody>
+                  <a:tcPr/>
+                </a:tc>
+              </a:tr>
+              <a:tr h="370840">
+                <a:tc>
+                  <a:txBody>
+                    <a:bodyPr/>
+                    <a:lstStyle/>
+                    <a:p>
+                      <a:pPr marL="0" marR="0" lvl="0" indent="0" algn="l" defTabSz="914400" rtl="0" eaLnBrk="1" fontAlgn="auto" latinLnBrk="1" hangingPunct="1">
+                        <a:lnSpc>
+                          <a:spcPct val="100000"/>
+                        </a:lnSpc>
+                        <a:spcBef>
+                          <a:spcPts val="0"/>
+                        </a:spcBef>
+                        <a:spcAft>
+                          <a:spcPts val="0"/>
+                        </a:spcAft>
+                        <a:buClrTx/>
+                        <a:buSzTx/>
+                        <a:buFontTx/>
+                        <a:buNone/>
+                        <a:tabLst/>
+                        <a:defRPr/>
+                      </a:pPr>
+                      <a:r>
+                        <a:rPr lang="en-US" altLang="ko-KR" dirty="0" smtClean="0"/>
+                        <a:t>id (character)</a:t>
+                      </a:r>
+                    </a:p>
+                  </a:txBody>
+                  <a:tcPr/>
+                </a:tc>
+              </a:tr>
+              <a:tr h="370840">
+                <a:tc>
+                  <a:txBody>
+                    <a:bodyPr/>
+                    <a:lstStyle/>
+                    <a:p>
+                      <a:r>
+                        <a:rPr lang="en-US" altLang="ko-KR" sz="1800" b="0" i="0" kern="1200" dirty="0" smtClean="0">
+                          <a:solidFill>
+                            <a:schemeClr val="tx1"/>
+                          </a:solidFill>
+                          <a:effectLst/>
+                          <a:latin typeface="+mn-lt"/>
+                          <a:ea typeface="+mn-ea"/>
+                          <a:cs typeface="+mn-cs"/>
+                        </a:rPr>
+                        <a:t>strain (character)</a:t>
+                      </a:r>
+                      <a:endParaRPr lang="en-US" altLang="ko-KR" sz="1800" b="0" i="0" kern="1200" dirty="0">
+                        <a:solidFill>
+                          <a:schemeClr val="tx1"/>
+                        </a:solidFill>
+                        <a:effectLst/>
+                        <a:latin typeface="+mn-lt"/>
+                        <a:ea typeface="+mn-ea"/>
+                        <a:cs typeface="+mn-cs"/>
+                      </a:endParaRPr>
+                    </a:p>
+                  </a:txBody>
+                  <a:tcPr/>
+                </a:tc>
+              </a:tr>
+              <a:tr h="370840">
+                <a:tc>
+                  <a:txBody>
+                    <a:bodyPr/>
+                    <a:lstStyle/>
+                    <a:p>
+                      <a:r>
+                        <a:rPr lang="en-US" altLang="ko-KR" sz="1800" b="0" i="0" kern="1200" dirty="0" err="1" smtClean="0">
+                          <a:solidFill>
+                            <a:schemeClr val="tx1"/>
+                          </a:solidFill>
+                          <a:effectLst/>
+                          <a:latin typeface="+mn-lt"/>
+                          <a:ea typeface="+mn-ea"/>
+                          <a:cs typeface="+mn-cs"/>
+                        </a:rPr>
+                        <a:t>indc</a:t>
+                      </a:r>
+                      <a:r>
+                        <a:rPr lang="en-US" altLang="ko-KR" sz="1800" b="0" i="0" kern="1200" dirty="0" smtClean="0">
+                          <a:solidFill>
+                            <a:schemeClr val="tx1"/>
+                          </a:solidFill>
+                          <a:effectLst/>
+                          <a:latin typeface="+mn-lt"/>
+                          <a:ea typeface="+mn-ea"/>
+                          <a:cs typeface="+mn-cs"/>
+                        </a:rPr>
+                        <a:t> (character)</a:t>
+                      </a:r>
+                      <a:endParaRPr lang="en-US" altLang="ko-KR" sz="1800" b="0" i="0" kern="1200" dirty="0">
+                        <a:solidFill>
+                          <a:schemeClr val="tx1"/>
+                        </a:solidFill>
+                        <a:effectLst/>
+                        <a:latin typeface="+mn-lt"/>
+                        <a:ea typeface="+mn-ea"/>
+                        <a:cs typeface="+mn-cs"/>
+                      </a:endParaRPr>
+                    </a:p>
+                  </a:txBody>
+                  <a:tcPr/>
+                </a:tc>
+              </a:tr>
+              <a:tr h="370840">
+                <a:tc>
+                  <a:txBody>
+                    <a:bodyPr/>
+                    <a:lstStyle/>
+                    <a:p>
+                      <a:r>
+                        <a:rPr lang="en-US" altLang="ko-KR" sz="1800" b="0" i="0" kern="1200" dirty="0" err="1" smtClean="0">
+                          <a:solidFill>
+                            <a:schemeClr val="tx1"/>
+                          </a:solidFill>
+                          <a:effectLst/>
+                          <a:latin typeface="+mn-lt"/>
+                          <a:ea typeface="+mn-ea"/>
+                          <a:cs typeface="+mn-cs"/>
+                        </a:rPr>
+                        <a:t>conc</a:t>
+                      </a:r>
+                      <a:r>
+                        <a:rPr lang="en-US" altLang="ko-KR" sz="1800" b="0" i="0" kern="1200" dirty="0" smtClean="0">
+                          <a:solidFill>
+                            <a:schemeClr val="tx1"/>
+                          </a:solidFill>
+                          <a:effectLst/>
+                          <a:latin typeface="+mn-lt"/>
+                          <a:ea typeface="+mn-ea"/>
+                          <a:cs typeface="+mn-cs"/>
+                        </a:rPr>
+                        <a:t> (numeric)</a:t>
+                      </a:r>
+                      <a:endParaRPr lang="en-US" altLang="ko-KR" sz="1800" b="0" i="0" kern="1200" dirty="0">
+                        <a:solidFill>
+                          <a:schemeClr val="tx1"/>
+                        </a:solidFill>
+                        <a:effectLst/>
+                        <a:latin typeface="+mn-lt"/>
+                        <a:ea typeface="+mn-ea"/>
+                        <a:cs typeface="+mn-cs"/>
+                      </a:endParaRPr>
+                    </a:p>
+                  </a:txBody>
+                  <a:tcPr/>
+                </a:tc>
+              </a:tr>
+              <a:tr h="370840">
+                <a:tc>
+                  <a:txBody>
+                    <a:bodyPr/>
+                    <a:lstStyle/>
+                    <a:p>
+                      <a:r>
+                        <a:rPr lang="en-US" altLang="ko-KR" sz="1800" b="0" i="0" kern="1200" dirty="0" err="1" smtClean="0">
+                          <a:solidFill>
+                            <a:schemeClr val="tx1"/>
+                          </a:solidFill>
+                          <a:effectLst/>
+                          <a:latin typeface="+mn-lt"/>
+                          <a:ea typeface="+mn-ea"/>
+                          <a:cs typeface="+mn-cs"/>
+                        </a:rPr>
+                        <a:t>concunit</a:t>
+                      </a:r>
+                      <a:r>
+                        <a:rPr lang="en-US" altLang="ko-KR" sz="1800" b="0" i="0" kern="1200" dirty="0" smtClean="0">
+                          <a:solidFill>
+                            <a:schemeClr val="tx1"/>
+                          </a:solidFill>
+                          <a:effectLst/>
+                          <a:latin typeface="+mn-lt"/>
+                          <a:ea typeface="+mn-ea"/>
+                          <a:cs typeface="+mn-cs"/>
+                        </a:rPr>
+                        <a:t> (character)</a:t>
+                      </a:r>
+                      <a:endParaRPr lang="en-US" altLang="ko-KR" sz="1800" b="0" i="0" kern="1200" dirty="0">
+                        <a:solidFill>
+                          <a:schemeClr val="tx1"/>
+                        </a:solidFill>
+                        <a:effectLst/>
+                        <a:latin typeface="+mn-lt"/>
+                        <a:ea typeface="+mn-ea"/>
+                        <a:cs typeface="+mn-cs"/>
+                      </a:endParaRPr>
+                    </a:p>
+                  </a:txBody>
+                  <a:tcPr/>
+                </a:tc>
+              </a:tr>
+              <a:tr h="370840">
+                <a:tc>
+                  <a:txBody>
+                    <a:bodyPr/>
+                    <a:lstStyle/>
+                    <a:p>
+                      <a:r>
+                        <a:rPr lang="en-US" altLang="ko-KR" sz="1800" b="0" i="0" kern="1200" dirty="0" smtClean="0">
+                          <a:solidFill>
+                            <a:schemeClr val="tx1"/>
+                          </a:solidFill>
+                          <a:effectLst/>
+                          <a:latin typeface="+mn-lt"/>
+                          <a:ea typeface="+mn-ea"/>
+                          <a:cs typeface="+mn-cs"/>
+                        </a:rPr>
+                        <a:t>value (numeric)</a:t>
+                      </a:r>
+                      <a:endParaRPr lang="en-US" altLang="ko-KR" sz="1800" b="0" i="0" kern="1200" dirty="0">
+                        <a:solidFill>
+                          <a:schemeClr val="tx1"/>
+                        </a:solidFill>
+                        <a:effectLst/>
+                        <a:latin typeface="+mn-lt"/>
+                        <a:ea typeface="+mn-ea"/>
+                        <a:cs typeface="+mn-cs"/>
+                      </a:endParaRPr>
+                    </a:p>
+                  </a:txBody>
+                  <a:tcPr/>
+                </a:tc>
+              </a:tr>
+              <a:tr h="370840">
+                <a:tc>
+                  <a:txBody>
+                    <a:bodyPr/>
+                    <a:lstStyle/>
+                    <a:p>
+                      <a:r>
+                        <a:rPr lang="en-US" altLang="ko-KR" sz="1800" b="0" i="0" kern="1200" dirty="0" err="1" smtClean="0">
+                          <a:solidFill>
+                            <a:schemeClr val="tx1"/>
+                          </a:solidFill>
+                          <a:effectLst/>
+                          <a:latin typeface="+mn-lt"/>
+                          <a:ea typeface="+mn-ea"/>
+                          <a:cs typeface="+mn-cs"/>
+                        </a:rPr>
+                        <a:t>valunit</a:t>
+                      </a:r>
+                      <a:r>
+                        <a:rPr lang="en-US" altLang="ko-KR" sz="1800" b="0" i="0" kern="1200" dirty="0" smtClean="0">
+                          <a:solidFill>
+                            <a:schemeClr val="tx1"/>
+                          </a:solidFill>
+                          <a:effectLst/>
+                          <a:latin typeface="+mn-lt"/>
+                          <a:ea typeface="+mn-ea"/>
+                          <a:cs typeface="+mn-cs"/>
+                        </a:rPr>
+                        <a:t> (character)</a:t>
+                      </a:r>
+                      <a:endParaRPr lang="en-US" altLang="ko-KR" sz="1800" b="0" i="0" kern="1200" dirty="0">
+                        <a:solidFill>
+                          <a:schemeClr val="tx1"/>
+                        </a:solidFill>
+                        <a:effectLst/>
+                        <a:latin typeface="+mn-lt"/>
+                        <a:ea typeface="+mn-ea"/>
+                        <a:cs typeface="+mn-cs"/>
+                      </a:endParaRPr>
+                    </a:p>
+                  </a:txBody>
+                  <a:tcPr/>
+                </a:tc>
+              </a:tr>
+              <a:tr h="370840">
+                <a:tc>
+                  <a:txBody>
+                    <a:bodyPr/>
+                    <a:lstStyle/>
+                    <a:p>
+                      <a:r>
+                        <a:rPr lang="en-US" altLang="ko-KR" sz="1800" b="0" i="0" kern="1200" dirty="0" err="1" smtClean="0">
+                          <a:solidFill>
+                            <a:schemeClr val="tx1"/>
+                          </a:solidFill>
+                          <a:effectLst/>
+                          <a:latin typeface="+mn-lt"/>
+                          <a:ea typeface="+mn-ea"/>
+                          <a:cs typeface="+mn-cs"/>
+                        </a:rPr>
+                        <a:t>incubhr</a:t>
+                      </a:r>
+                      <a:r>
+                        <a:rPr lang="en-US" altLang="ko-KR" sz="1800" b="0" i="0" kern="1200" dirty="0" smtClean="0">
+                          <a:solidFill>
+                            <a:schemeClr val="tx1"/>
+                          </a:solidFill>
+                          <a:effectLst/>
+                          <a:latin typeface="+mn-lt"/>
+                          <a:ea typeface="+mn-ea"/>
+                          <a:cs typeface="+mn-cs"/>
+                        </a:rPr>
+                        <a:t> (numeric)</a:t>
+                      </a:r>
+                      <a:endParaRPr lang="en-US" altLang="ko-KR" sz="1800" b="0" i="0" kern="1200" dirty="0">
+                        <a:solidFill>
+                          <a:schemeClr val="tx1"/>
+                        </a:solidFill>
+                        <a:effectLst/>
+                        <a:latin typeface="+mn-lt"/>
+                        <a:ea typeface="+mn-ea"/>
+                        <a:cs typeface="+mn-cs"/>
+                      </a:endParaRPr>
+                    </a:p>
+                  </a:txBody>
+                  <a:tcPr/>
+                </a:tc>
+              </a:tr>
+              <a:tr h="370840">
+                <a:tc>
+                  <a:txBody>
+                    <a:bodyPr/>
+                    <a:lstStyle/>
+                    <a:p>
+                      <a:r>
+                        <a:rPr lang="en-US" altLang="ko-KR" sz="1800" b="0" i="0" kern="1200" dirty="0" err="1" smtClean="0">
+                          <a:solidFill>
+                            <a:schemeClr val="tx1"/>
+                          </a:solidFill>
+                          <a:effectLst/>
+                          <a:latin typeface="+mn-lt"/>
+                          <a:ea typeface="+mn-ea"/>
+                          <a:cs typeface="+mn-cs"/>
+                        </a:rPr>
+                        <a:t>incubtemps</a:t>
+                      </a:r>
+                      <a:r>
+                        <a:rPr lang="en-US" altLang="ko-KR" sz="1800" b="0" i="0" kern="1200" dirty="0" smtClean="0">
+                          <a:solidFill>
+                            <a:schemeClr val="tx1"/>
+                          </a:solidFill>
+                          <a:effectLst/>
+                          <a:latin typeface="+mn-lt"/>
+                          <a:ea typeface="+mn-ea"/>
+                          <a:cs typeface="+mn-cs"/>
+                        </a:rPr>
+                        <a:t> (character)</a:t>
+                      </a:r>
+                    </a:p>
+                  </a:txBody>
+                  <a:tcPr/>
+                </a:tc>
+              </a:tr>
+              <a:tr h="370840">
+                <a:tc>
+                  <a:txBody>
+                    <a:bodyPr/>
+                    <a:lstStyle/>
+                    <a:p>
+                      <a:r>
+                        <a:rPr lang="en-US" altLang="ko-KR" sz="1800" b="0" i="0" kern="1200" dirty="0" err="1" smtClean="0">
+                          <a:solidFill>
+                            <a:schemeClr val="tx1"/>
+                          </a:solidFill>
+                          <a:effectLst/>
+                          <a:latin typeface="+mn-lt"/>
+                          <a:ea typeface="+mn-ea"/>
+                          <a:cs typeface="+mn-cs"/>
+                        </a:rPr>
+                        <a:t>device_name</a:t>
+                      </a:r>
+                      <a:r>
+                        <a:rPr lang="en-US" altLang="ko-KR" sz="1800" b="0" i="0" kern="1200" dirty="0" smtClean="0">
+                          <a:solidFill>
+                            <a:schemeClr val="tx1"/>
+                          </a:solidFill>
+                          <a:effectLst/>
+                          <a:latin typeface="+mn-lt"/>
+                          <a:ea typeface="+mn-ea"/>
+                          <a:cs typeface="+mn-cs"/>
+                        </a:rPr>
+                        <a:t> (character)</a:t>
+                      </a:r>
+                    </a:p>
+                  </a:txBody>
+                  <a:tcPr/>
+                </a:tc>
+              </a:tr>
+              <a:tr h="370840">
+                <a:tc>
+                  <a:txBody>
+                    <a:bodyPr/>
+                    <a:lstStyle/>
+                    <a:p>
+                      <a:pPr marL="0" marR="0" lvl="0" indent="0" algn="l" defTabSz="914400" rtl="0" eaLnBrk="1" fontAlgn="auto" latinLnBrk="1" hangingPunct="1">
+                        <a:lnSpc>
+                          <a:spcPct val="100000"/>
+                        </a:lnSpc>
+                        <a:spcBef>
+                          <a:spcPts val="0"/>
+                        </a:spcBef>
+                        <a:spcAft>
+                          <a:spcPts val="0"/>
+                        </a:spcAft>
+                        <a:buClrTx/>
+                        <a:buSzTx/>
+                        <a:buFontTx/>
+                        <a:buNone/>
+                        <a:tabLst/>
+                        <a:defRPr/>
+                      </a:pPr>
+                      <a:r>
+                        <a:rPr lang="en-US" altLang="ko-KR" sz="1800" b="0" i="0" kern="1200" dirty="0" smtClean="0">
+                          <a:solidFill>
+                            <a:schemeClr val="tx1"/>
+                          </a:solidFill>
+                          <a:effectLst/>
+                          <a:latin typeface="+mn-lt"/>
+                          <a:ea typeface="+mn-ea"/>
+                          <a:cs typeface="+mn-cs"/>
+                        </a:rPr>
+                        <a:t>link (character)</a:t>
+                      </a:r>
+                    </a:p>
+                  </a:txBody>
+                  <a:tcPr/>
+                </a:tc>
+              </a:tr>
+            </a:tbl>
+          </a:graphicData>
+        </a:graphic>
+      </p:graphicFrame>
+      <p:graphicFrame>
+        <p:nvGraphicFramePr>
+          <p:cNvPr id="7" name="표 6"/>
+          <p:cNvGraphicFramePr>
+            <a:graphicFrameLocks noGrp="1"/>
+          </p:cNvGraphicFramePr>
+          <p:nvPr>
+            <p:extLst>
+              <p:ext uri="{D42A27DB-BD31-4B8C-83A1-F6EECF244321}">
+                <p14:modId xmlns:p14="http://schemas.microsoft.com/office/powerpoint/2010/main" val="1691023858"/>
+              </p:ext>
+            </p:extLst>
+          </p:nvPr>
+        </p:nvGraphicFramePr>
+        <p:xfrm>
+          <a:off x="5354051" y="3112449"/>
+          <a:ext cx="2872539" cy="3337560"/>
+        </p:xfrm>
+        <a:graphic>
+          <a:graphicData uri="http://schemas.openxmlformats.org/drawingml/2006/table">
+            <a:tbl>
+              <a:tblPr firstRow="1" bandRow="1">
+                <a:tableStyleId>{7E9639D4-E3E2-4D34-9284-5A2195B3D0D7}</a:tableStyleId>
+              </a:tblPr>
+              <a:tblGrid>
+                <a:gridCol w="2872539"/>
+              </a:tblGrid>
+              <a:tr h="370840">
+                <a:tc>
+                  <a:txBody>
+                    <a:bodyPr/>
+                    <a:lstStyle/>
+                    <a:p>
+                      <a:pPr latinLnBrk="1"/>
+                      <a:r>
+                        <a:rPr lang="en-US" altLang="ko-KR" sz="1800" b="0" i="0" kern="1200" dirty="0" err="1" smtClean="0">
+                          <a:solidFill>
+                            <a:schemeClr val="bg1"/>
+                          </a:solidFill>
+                          <a:effectLst/>
+                          <a:latin typeface="+mn-lt"/>
+                          <a:ea typeface="+mn-ea"/>
+                          <a:cs typeface="+mn-cs"/>
+                        </a:rPr>
+                        <a:t>igem_device</a:t>
+                      </a:r>
+                      <a:endParaRPr lang="ko-KR" altLang="en-US" dirty="0"/>
+                    </a:p>
+                  </a:txBody>
+                  <a:tcPr/>
+                </a:tc>
+              </a:tr>
+              <a:tr h="370840">
+                <a:tc>
+                  <a:txBody>
+                    <a:bodyPr/>
+                    <a:lstStyle/>
+                    <a:p>
+                      <a:pPr marL="0" marR="0" lvl="0" indent="0" algn="l" defTabSz="914400" rtl="0" eaLnBrk="1" fontAlgn="auto" latinLnBrk="1" hangingPunct="1">
+                        <a:lnSpc>
+                          <a:spcPct val="100000"/>
+                        </a:lnSpc>
+                        <a:spcBef>
+                          <a:spcPts val="0"/>
+                        </a:spcBef>
+                        <a:spcAft>
+                          <a:spcPts val="0"/>
+                        </a:spcAft>
+                        <a:buClrTx/>
+                        <a:buSzTx/>
+                        <a:buFontTx/>
+                        <a:buNone/>
+                        <a:tabLst/>
+                        <a:defRPr/>
+                      </a:pPr>
+                      <a:r>
+                        <a:rPr lang="en-US" altLang="ko-KR" dirty="0" smtClean="0"/>
+                        <a:t>id (character)</a:t>
+                      </a:r>
+                    </a:p>
+                  </a:txBody>
+                  <a:tcPr/>
+                </a:tc>
+              </a:tr>
+              <a:tr h="370840">
+                <a:tc>
+                  <a:txBody>
+                    <a:bodyPr/>
+                    <a:lstStyle/>
+                    <a:p>
+                      <a:r>
+                        <a:rPr lang="en-US" altLang="ko-KR" sz="1800" b="0" i="0" kern="1200" dirty="0" err="1" smtClean="0">
+                          <a:solidFill>
+                            <a:schemeClr val="tx1"/>
+                          </a:solidFill>
+                          <a:effectLst/>
+                          <a:latin typeface="+mn-lt"/>
+                          <a:ea typeface="+mn-ea"/>
+                          <a:cs typeface="+mn-cs"/>
+                        </a:rPr>
+                        <a:t>device_name</a:t>
+                      </a:r>
+                      <a:r>
+                        <a:rPr lang="en-US" altLang="ko-KR" sz="1800" b="0" i="0" kern="1200" baseline="0" dirty="0" smtClean="0">
+                          <a:solidFill>
+                            <a:schemeClr val="tx1"/>
+                          </a:solidFill>
+                          <a:effectLst/>
+                          <a:latin typeface="+mn-lt"/>
+                          <a:ea typeface="+mn-ea"/>
+                          <a:cs typeface="+mn-cs"/>
+                        </a:rPr>
+                        <a:t> (character)</a:t>
+                      </a:r>
+                      <a:endParaRPr lang="en-US" altLang="ko-KR" sz="1800" b="0" i="0" kern="1200" dirty="0" smtClean="0">
+                        <a:solidFill>
+                          <a:schemeClr val="tx1"/>
+                        </a:solidFill>
+                        <a:effectLst/>
+                        <a:latin typeface="+mn-lt"/>
+                        <a:ea typeface="+mn-ea"/>
+                        <a:cs typeface="+mn-cs"/>
+                      </a:endParaRPr>
+                    </a:p>
+                  </a:txBody>
+                  <a:tcPr/>
+                </a:tc>
+              </a:tr>
+              <a:tr h="370840">
+                <a:tc>
+                  <a:txBody>
+                    <a:bodyPr/>
+                    <a:lstStyle/>
+                    <a:p>
+                      <a:endParaRPr lang="en-US" altLang="ko-KR" sz="1800" b="0" i="0" kern="1200" dirty="0">
+                        <a:solidFill>
+                          <a:schemeClr val="tx1"/>
+                        </a:solidFill>
+                        <a:effectLst/>
+                        <a:latin typeface="+mn-lt"/>
+                        <a:ea typeface="+mn-ea"/>
+                        <a:cs typeface="+mn-cs"/>
+                      </a:endParaRPr>
+                    </a:p>
+                  </a:txBody>
+                  <a:tcPr/>
+                </a:tc>
+              </a:tr>
+              <a:tr h="370840">
+                <a:tc>
+                  <a:txBody>
+                    <a:bodyPr/>
+                    <a:lstStyle/>
+                    <a:p>
+                      <a:endParaRPr lang="en-US" altLang="ko-KR" sz="1800" b="0" i="0" kern="1200" dirty="0">
+                        <a:solidFill>
+                          <a:schemeClr val="tx1"/>
+                        </a:solidFill>
+                        <a:effectLst/>
+                        <a:latin typeface="+mn-lt"/>
+                        <a:ea typeface="+mn-ea"/>
+                        <a:cs typeface="+mn-cs"/>
+                      </a:endParaRPr>
+                    </a:p>
+                  </a:txBody>
+                  <a:tcPr/>
+                </a:tc>
+              </a:tr>
+              <a:tr h="370840">
+                <a:tc>
+                  <a:txBody>
+                    <a:bodyPr/>
+                    <a:lstStyle/>
+                    <a:p>
+                      <a:endParaRPr lang="en-US" altLang="ko-KR" sz="1800" b="0" i="0" kern="1200" dirty="0">
+                        <a:solidFill>
+                          <a:schemeClr val="tx1"/>
+                        </a:solidFill>
+                        <a:effectLst/>
+                        <a:latin typeface="+mn-lt"/>
+                        <a:ea typeface="+mn-ea"/>
+                        <a:cs typeface="+mn-cs"/>
+                      </a:endParaRPr>
+                    </a:p>
+                  </a:txBody>
+                  <a:tcPr/>
+                </a:tc>
+              </a:tr>
+              <a:tr h="370840">
+                <a:tc>
+                  <a:txBody>
+                    <a:bodyPr/>
+                    <a:lstStyle/>
+                    <a:p>
+                      <a:endParaRPr lang="en-US" altLang="ko-KR" sz="1800" b="0" i="0" kern="1200" dirty="0">
+                        <a:solidFill>
+                          <a:schemeClr val="tx1"/>
+                        </a:solidFill>
+                        <a:effectLst/>
+                        <a:latin typeface="+mn-lt"/>
+                        <a:ea typeface="+mn-ea"/>
+                        <a:cs typeface="+mn-cs"/>
+                      </a:endParaRPr>
+                    </a:p>
+                  </a:txBody>
+                  <a:tcPr/>
+                </a:tc>
+              </a:tr>
+              <a:tr h="370840">
+                <a:tc>
+                  <a:txBody>
+                    <a:bodyPr/>
+                    <a:lstStyle/>
+                    <a:p>
+                      <a:pPr marL="0" marR="0" lvl="0" indent="0" algn="l" defTabSz="914400" rtl="0" eaLnBrk="1" fontAlgn="auto" latinLnBrk="1" hangingPunct="1">
+                        <a:lnSpc>
+                          <a:spcPct val="100000"/>
+                        </a:lnSpc>
+                        <a:spcBef>
+                          <a:spcPts val="0"/>
+                        </a:spcBef>
+                        <a:spcAft>
+                          <a:spcPts val="0"/>
+                        </a:spcAft>
+                        <a:buClrTx/>
+                        <a:buSzTx/>
+                        <a:buFontTx/>
+                        <a:buNone/>
+                        <a:tabLst/>
+                        <a:defRPr/>
+                      </a:pPr>
+                      <a:endParaRPr lang="en-US" altLang="ko-KR" sz="1800" b="0" i="0" kern="1200" dirty="0" smtClean="0">
+                        <a:solidFill>
+                          <a:schemeClr val="tx1"/>
+                        </a:solidFill>
+                        <a:effectLst/>
+                        <a:latin typeface="+mn-lt"/>
+                        <a:ea typeface="+mn-ea"/>
+                        <a:cs typeface="+mn-cs"/>
+                      </a:endParaRPr>
+                    </a:p>
+                  </a:txBody>
+                  <a:tcPr/>
+                </a:tc>
+              </a:tr>
+              <a:tr h="370840">
+                <a:tc>
+                  <a:txBody>
+                    <a:bodyPr/>
+                    <a:lstStyle/>
+                    <a:p>
+                      <a:pPr marL="0" marR="0" lvl="0" indent="0" algn="l" defTabSz="914400" rtl="0" eaLnBrk="1" fontAlgn="auto" latinLnBrk="1" hangingPunct="1">
+                        <a:lnSpc>
+                          <a:spcPct val="100000"/>
+                        </a:lnSpc>
+                        <a:spcBef>
+                          <a:spcPts val="0"/>
+                        </a:spcBef>
+                        <a:spcAft>
+                          <a:spcPts val="0"/>
+                        </a:spcAft>
+                        <a:buClrTx/>
+                        <a:buSzTx/>
+                        <a:buFontTx/>
+                        <a:buNone/>
+                        <a:tabLst/>
+                        <a:defRPr/>
+                      </a:pPr>
+                      <a:endParaRPr lang="en-US" altLang="ko-KR" sz="1800" b="0" i="0" kern="1200" dirty="0" smtClean="0">
+                        <a:solidFill>
+                          <a:schemeClr val="tx1"/>
+                        </a:solidFill>
+                        <a:effectLst/>
+                        <a:latin typeface="+mn-lt"/>
+                        <a:ea typeface="+mn-ea"/>
+                        <a:cs typeface="+mn-cs"/>
+                      </a:endParaRPr>
+                    </a:p>
+                  </a:txBody>
+                  <a:tcPr/>
+                </a:tc>
+              </a:tr>
+            </a:tbl>
+          </a:graphicData>
+        </a:graphic>
+      </p:graphicFrame>
+      <p:cxnSp>
+        <p:nvCxnSpPr>
+          <p:cNvPr id="8" name="직선 화살표 연결선 7"/>
+          <p:cNvCxnSpPr/>
+          <p:nvPr/>
+        </p:nvCxnSpPr>
+        <p:spPr>
+          <a:xfrm flipH="1" flipV="1">
+            <a:off x="8326633" y="3982453"/>
+            <a:ext cx="1009874" cy="1395664"/>
+          </a:xfrm>
+          <a:prstGeom prst="straightConnector1">
+            <a:avLst/>
+          </a:prstGeom>
+          <a:ln>
+            <a:tailEnd type="triangle"/>
+          </a:ln>
+        </p:spPr>
+        <p:style>
+          <a:lnRef idx="1">
+            <a:schemeClr val="accent1"/>
+          </a:lnRef>
+          <a:fillRef idx="0">
+            <a:schemeClr val="accent1"/>
+          </a:fillRef>
+          <a:effectRef idx="0">
+            <a:schemeClr val="accent1"/>
+          </a:effectRef>
+          <a:fontRef idx="minor">
+            <a:schemeClr val="tx1"/>
+          </a:fontRef>
+        </p:style>
+      </p:cxnSp>
+      <p:cxnSp>
+        <p:nvCxnSpPr>
+          <p:cNvPr id="9" name="직선 화살표 연결선 8"/>
+          <p:cNvCxnSpPr/>
+          <p:nvPr/>
+        </p:nvCxnSpPr>
+        <p:spPr>
+          <a:xfrm flipV="1">
+            <a:off x="3933062" y="4066675"/>
+            <a:ext cx="1320946" cy="1468666"/>
+          </a:xfrm>
+          <a:prstGeom prst="straightConnector1">
+            <a:avLst/>
+          </a:prstGeom>
+          <a:ln>
+            <a:tailEnd type="triangle"/>
+          </a:ln>
+        </p:spPr>
+        <p:style>
+          <a:lnRef idx="1">
+            <a:schemeClr val="accent1"/>
+          </a:lnRef>
+          <a:fillRef idx="0">
+            <a:schemeClr val="accent1"/>
+          </a:fillRef>
+          <a:effectRef idx="0">
+            <a:schemeClr val="accent1"/>
+          </a:effectRef>
+          <a:fontRef idx="minor">
+            <a:schemeClr val="tx1"/>
+          </a:fontRef>
+        </p:style>
+      </p:cxnSp>
+      <p:cxnSp>
+        <p:nvCxnSpPr>
+          <p:cNvPr id="10" name="직선 연결선 9"/>
+          <p:cNvCxnSpPr/>
+          <p:nvPr/>
+        </p:nvCxnSpPr>
+        <p:spPr>
+          <a:xfrm flipH="1" flipV="1">
+            <a:off x="410744" y="5159069"/>
+            <a:ext cx="400495" cy="746772"/>
+          </a:xfrm>
+          <a:prstGeom prst="line">
+            <a:avLst/>
+          </a:prstGeom>
+        </p:spPr>
+        <p:style>
+          <a:lnRef idx="1">
+            <a:schemeClr val="accent1"/>
+          </a:lnRef>
+          <a:fillRef idx="0">
+            <a:schemeClr val="accent1"/>
+          </a:fillRef>
+          <a:effectRef idx="0">
+            <a:schemeClr val="accent1"/>
+          </a:effectRef>
+          <a:fontRef idx="minor">
+            <a:schemeClr val="tx1"/>
+          </a:fontRef>
+        </p:style>
+      </p:cxnSp>
+      <p:cxnSp>
+        <p:nvCxnSpPr>
+          <p:cNvPr id="11" name="직선 연결선 10"/>
+          <p:cNvCxnSpPr/>
+          <p:nvPr/>
+        </p:nvCxnSpPr>
+        <p:spPr>
+          <a:xfrm flipH="1" flipV="1">
+            <a:off x="397042" y="1191127"/>
+            <a:ext cx="6016" cy="3967942"/>
+          </a:xfrm>
+          <a:prstGeom prst="line">
+            <a:avLst/>
+          </a:prstGeom>
+        </p:spPr>
+        <p:style>
+          <a:lnRef idx="1">
+            <a:schemeClr val="accent1"/>
+          </a:lnRef>
+          <a:fillRef idx="0">
+            <a:schemeClr val="accent1"/>
+          </a:fillRef>
+          <a:effectRef idx="0">
+            <a:schemeClr val="accent1"/>
+          </a:effectRef>
+          <a:fontRef idx="minor">
+            <a:schemeClr val="tx1"/>
+          </a:fontRef>
+        </p:style>
+      </p:cxnSp>
+      <p:cxnSp>
+        <p:nvCxnSpPr>
+          <p:cNvPr id="12" name="직선 화살표 연결선 11"/>
+          <p:cNvCxnSpPr/>
+          <p:nvPr/>
+        </p:nvCxnSpPr>
+        <p:spPr>
+          <a:xfrm flipV="1">
+            <a:off x="409074" y="1106905"/>
+            <a:ext cx="493292" cy="108284"/>
+          </a:xfrm>
+          <a:prstGeom prst="straightConnector1">
+            <a:avLst/>
+          </a:prstGeom>
+          <a:ln>
+            <a:tailEnd type="triangle"/>
+          </a:ln>
+        </p:spPr>
+        <p:style>
+          <a:lnRef idx="1">
+            <a:schemeClr val="accent1"/>
+          </a:lnRef>
+          <a:fillRef idx="0">
+            <a:schemeClr val="accent1"/>
+          </a:fillRef>
+          <a:effectRef idx="0">
+            <a:schemeClr val="accent1"/>
+          </a:effectRef>
+          <a:fontRef idx="minor">
+            <a:schemeClr val="tx1"/>
+          </a:fontRef>
+        </p:style>
+      </p:cxnSp>
+      <p:sp>
+        <p:nvSpPr>
+          <p:cNvPr id="13" name="직사각형 12"/>
+          <p:cNvSpPr/>
+          <p:nvPr/>
+        </p:nvSpPr>
+        <p:spPr>
+          <a:xfrm>
+            <a:off x="4841129" y="3697343"/>
+            <a:ext cx="396262" cy="369332"/>
+          </a:xfrm>
+          <a:prstGeom prst="rect">
+            <a:avLst/>
+          </a:prstGeom>
+        </p:spPr>
+        <p:txBody>
+          <a:bodyPr wrap="none">
+            <a:spAutoFit/>
+          </a:bodyPr>
+          <a:lstStyle/>
+          <a:p>
+            <a:r>
+              <a:rPr lang="en-US" altLang="ko-KR" dirty="0" smtClean="0"/>
+              <a:t>M</a:t>
+            </a:r>
+            <a:endParaRPr lang="ko-KR" altLang="en-US"/>
+          </a:p>
+        </p:txBody>
+      </p:sp>
+      <p:sp>
+        <p:nvSpPr>
+          <p:cNvPr id="14" name="직사각형 13"/>
+          <p:cNvSpPr/>
+          <p:nvPr/>
+        </p:nvSpPr>
+        <p:spPr>
+          <a:xfrm>
+            <a:off x="3468486" y="857888"/>
+            <a:ext cx="931665" cy="369332"/>
+          </a:xfrm>
+          <a:prstGeom prst="rect">
+            <a:avLst/>
+          </a:prstGeom>
+        </p:spPr>
+        <p:txBody>
+          <a:bodyPr wrap="none">
+            <a:spAutoFit/>
+          </a:bodyPr>
+          <a:lstStyle/>
+          <a:p>
+            <a:r>
+              <a:rPr lang="en-US" altLang="ko-KR" dirty="0" smtClean="0"/>
+              <a:t>Unique</a:t>
+            </a:r>
+            <a:endParaRPr lang="ko-KR" altLang="en-US"/>
+          </a:p>
+        </p:txBody>
+      </p:sp>
+      <p:sp>
+        <p:nvSpPr>
+          <p:cNvPr id="23" name="직사각형 22"/>
+          <p:cNvSpPr/>
+          <p:nvPr/>
+        </p:nvSpPr>
+        <p:spPr>
+          <a:xfrm>
+            <a:off x="3882491" y="5535340"/>
+            <a:ext cx="412636" cy="369332"/>
+          </a:xfrm>
+          <a:prstGeom prst="rect">
+            <a:avLst/>
+          </a:prstGeom>
+        </p:spPr>
+        <p:txBody>
+          <a:bodyPr wrap="square">
+            <a:spAutoFit/>
+          </a:bodyPr>
+          <a:lstStyle/>
+          <a:p>
+            <a:pPr algn="ctr"/>
+            <a:r>
+              <a:rPr lang="en-US" altLang="ko-KR" dirty="0" smtClean="0"/>
+              <a:t>M</a:t>
+            </a:r>
+            <a:endParaRPr lang="ko-KR" altLang="en-US"/>
+          </a:p>
+        </p:txBody>
+      </p:sp>
+      <p:sp>
+        <p:nvSpPr>
+          <p:cNvPr id="28" name="직사각형 27"/>
+          <p:cNvSpPr/>
+          <p:nvPr/>
+        </p:nvSpPr>
+        <p:spPr>
+          <a:xfrm>
+            <a:off x="286605" y="5720006"/>
+            <a:ext cx="396262" cy="369332"/>
+          </a:xfrm>
+          <a:prstGeom prst="rect">
+            <a:avLst/>
+          </a:prstGeom>
+        </p:spPr>
+        <p:txBody>
+          <a:bodyPr wrap="none">
+            <a:spAutoFit/>
+          </a:bodyPr>
+          <a:lstStyle/>
+          <a:p>
+            <a:r>
+              <a:rPr lang="en-US" altLang="ko-KR" dirty="0" smtClean="0"/>
+              <a:t>M</a:t>
+            </a:r>
+            <a:endParaRPr lang="ko-KR" altLang="en-US"/>
+          </a:p>
+        </p:txBody>
+      </p:sp>
+      <p:sp>
+        <p:nvSpPr>
+          <p:cNvPr id="29" name="직사각형 28"/>
+          <p:cNvSpPr/>
+          <p:nvPr/>
+        </p:nvSpPr>
+        <p:spPr>
+          <a:xfrm>
+            <a:off x="240615" y="714755"/>
+            <a:ext cx="311304" cy="369332"/>
+          </a:xfrm>
+          <a:prstGeom prst="rect">
+            <a:avLst/>
+          </a:prstGeom>
+        </p:spPr>
+        <p:txBody>
+          <a:bodyPr wrap="none">
+            <a:spAutoFit/>
+          </a:bodyPr>
+          <a:lstStyle/>
+          <a:p>
+            <a:r>
+              <a:rPr lang="en-US" altLang="ko-KR" dirty="0" smtClean="0"/>
+              <a:t>1</a:t>
+            </a:r>
+            <a:endParaRPr lang="ko-KR" altLang="en-US"/>
+          </a:p>
+        </p:txBody>
+      </p:sp>
+      <p:pic>
+        <p:nvPicPr>
+          <p:cNvPr id="31" name="그림 30"/>
+          <p:cNvPicPr>
+            <a:picLocks noChangeAspect="1"/>
+          </p:cNvPicPr>
+          <p:nvPr/>
+        </p:nvPicPr>
+        <p:blipFill>
+          <a:blip r:embed="rId2"/>
+          <a:stretch>
+            <a:fillRect/>
+          </a:stretch>
+        </p:blipFill>
+        <p:spPr>
+          <a:xfrm>
+            <a:off x="5354051" y="123031"/>
+            <a:ext cx="2651140" cy="2315755"/>
+          </a:xfrm>
+          <a:prstGeom prst="rect">
+            <a:avLst/>
+          </a:prstGeom>
+        </p:spPr>
+      </p:pic>
+      <p:sp>
+        <p:nvSpPr>
+          <p:cNvPr id="32" name="직사각형 31"/>
+          <p:cNvSpPr/>
+          <p:nvPr/>
+        </p:nvSpPr>
+        <p:spPr>
+          <a:xfrm>
+            <a:off x="8226590" y="3336122"/>
+            <a:ext cx="537327" cy="646331"/>
+          </a:xfrm>
+          <a:prstGeom prst="rect">
+            <a:avLst/>
+          </a:prstGeom>
+        </p:spPr>
+        <p:txBody>
+          <a:bodyPr wrap="none">
+            <a:spAutoFit/>
+          </a:bodyPr>
+          <a:lstStyle/>
+          <a:p>
+            <a:pPr algn="ctr"/>
+            <a:r>
+              <a:rPr lang="en-US" altLang="ko-KR" dirty="0" smtClean="0"/>
+              <a:t>1</a:t>
+            </a:r>
+          </a:p>
+          <a:p>
+            <a:pPr algn="ctr"/>
+            <a:r>
+              <a:rPr lang="en-US" altLang="ko-KR" dirty="0" smtClean="0"/>
+              <a:t>(M)</a:t>
+            </a:r>
+            <a:endParaRPr lang="ko-KR" altLang="en-US"/>
+          </a:p>
+        </p:txBody>
+      </p:sp>
+      <p:sp>
+        <p:nvSpPr>
+          <p:cNvPr id="33" name="직사각형 32"/>
+          <p:cNvSpPr/>
+          <p:nvPr/>
+        </p:nvSpPr>
+        <p:spPr>
+          <a:xfrm>
+            <a:off x="8940246" y="5347789"/>
+            <a:ext cx="396262" cy="369332"/>
+          </a:xfrm>
+          <a:prstGeom prst="rect">
+            <a:avLst/>
+          </a:prstGeom>
+        </p:spPr>
+        <p:txBody>
+          <a:bodyPr wrap="none">
+            <a:spAutoFit/>
+          </a:bodyPr>
+          <a:lstStyle/>
+          <a:p>
+            <a:r>
+              <a:rPr lang="en-US" altLang="ko-KR" dirty="0" smtClean="0"/>
+              <a:t>M</a:t>
+            </a:r>
+            <a:endParaRPr lang="ko-KR" altLang="en-US"/>
+          </a:p>
+        </p:txBody>
+      </p:sp>
+      <p:sp>
+        <p:nvSpPr>
+          <p:cNvPr id="34" name="직사각형 33"/>
+          <p:cNvSpPr/>
+          <p:nvPr/>
+        </p:nvSpPr>
+        <p:spPr>
+          <a:xfrm>
+            <a:off x="4522434" y="4801009"/>
+            <a:ext cx="412636" cy="369332"/>
+          </a:xfrm>
+          <a:prstGeom prst="rect">
+            <a:avLst/>
+          </a:prstGeom>
+        </p:spPr>
+        <p:txBody>
+          <a:bodyPr wrap="square">
+            <a:spAutoFit/>
+          </a:bodyPr>
+          <a:lstStyle/>
+          <a:p>
+            <a:pPr algn="ctr"/>
+            <a:r>
+              <a:rPr lang="en-US" altLang="ko-KR" dirty="0" smtClean="0"/>
+              <a:t>?</a:t>
+            </a:r>
+            <a:endParaRPr lang="ko-KR" altLang="en-US"/>
+          </a:p>
+        </p:txBody>
+      </p:sp>
+    </p:spTree>
+    <p:extLst>
+      <p:ext uri="{BB962C8B-B14F-4D97-AF65-F5344CB8AC3E}">
+        <p14:creationId xmlns:p14="http://schemas.microsoft.com/office/powerpoint/2010/main" val="1175200015"/>
+      </p:ext>
+    </p:extLst>
+  </p:cSld>
+  <p:clrMapOvr>
+    <a:masterClrMapping/>
+  </p:clrMapOvr>
+</p:sld>
+</file>
+
+<file path=ppt/slides/slide4.xml><?xml version="1.0" encoding="utf-8"?>
+<p:sld xmlns:a="http://schemas.openxmlformats.org/drawingml/2006/main" xmlns:r="http://schemas.openxmlformats.org/officeDocument/2006/relationships" xmlns:p="http://schemas.openxmlformats.org/presentationml/2006/main">
+  <p:cSld>
+    <p:spTree>
+      <p:nvGrpSpPr>
+        <p:cNvPr id="1" name=""/>
+        <p:cNvGrpSpPr/>
+        <p:nvPr/>
+      </p:nvGrpSpPr>
+      <p:grpSpPr>
+        <a:xfrm>
+          <a:off x="0" y="0"/>
+          <a:ext cx="0" cy="0"/>
+          <a:chOff x="0" y="0"/>
+          <a:chExt cx="0" cy="0"/>
+        </a:xfrm>
+      </p:grpSpPr>
+      <p:pic>
+        <p:nvPicPr>
+          <p:cNvPr id="5" name="그림 4"/>
+          <p:cNvPicPr>
+            <a:picLocks noChangeAspect="1"/>
+          </p:cNvPicPr>
+          <p:nvPr/>
+        </p:nvPicPr>
+        <p:blipFill>
+          <a:blip r:embed="rId2"/>
+          <a:stretch>
+            <a:fillRect/>
+          </a:stretch>
+        </p:blipFill>
+        <p:spPr>
+          <a:xfrm>
+            <a:off x="1596049" y="858541"/>
+            <a:ext cx="9378591" cy="2329827"/>
+          </a:xfrm>
+          <a:prstGeom prst="rect">
+            <a:avLst/>
+          </a:prstGeom>
+        </p:spPr>
+      </p:pic>
+      <p:sp>
+        <p:nvSpPr>
+          <p:cNvPr id="6" name="직사각형 5"/>
+          <p:cNvSpPr/>
+          <p:nvPr/>
+        </p:nvSpPr>
+        <p:spPr>
+          <a:xfrm>
+            <a:off x="1596049" y="344723"/>
+            <a:ext cx="1228991" cy="369332"/>
+          </a:xfrm>
+          <a:prstGeom prst="rect">
+            <a:avLst/>
+          </a:prstGeom>
+        </p:spPr>
+        <p:txBody>
+          <a:bodyPr wrap="none">
+            <a:spAutoFit/>
+          </a:bodyPr>
+          <a:lstStyle/>
+          <a:p>
+            <a:r>
+              <a:rPr lang="en-US" altLang="ko-KR" dirty="0" err="1"/>
+              <a:t>igem_part</a:t>
+            </a:r>
+            <a:endParaRPr lang="ko-KR" altLang="en-US" dirty="0"/>
+          </a:p>
+        </p:txBody>
+      </p:sp>
+    </p:spTree>
+    <p:extLst>
+      <p:ext uri="{BB962C8B-B14F-4D97-AF65-F5344CB8AC3E}">
+        <p14:creationId xmlns:p14="http://schemas.microsoft.com/office/powerpoint/2010/main" val="2962478389"/>
+      </p:ext>
+    </p:extLst>
+  </p:cSld>
+  <p:clrMapOvr>
+    <a:masterClrMapping/>
+  </p:clrMapOvr>
+</p:sld>
+</file>
+
 <file path=ppt/theme/theme1.xml><?xml version="1.0" encoding="utf-8"?>
 <a:theme xmlns:a="http://schemas.openxmlformats.org/drawingml/2006/main" name="Office 테마">
   <a:themeElements>

--- a/images/images.pptx
+++ b/images/images.pptx
@@ -9,6 +9,7 @@
     <p:sldId id="257" r:id="rId3"/>
     <p:sldId id="258" r:id="rId4"/>
     <p:sldId id="259" r:id="rId5"/>
+    <p:sldId id="260" r:id="rId6"/>
   </p:sldIdLst>
   <p:sldSz cx="12192000" cy="6858000"/>
   <p:notesSz cx="6858000" cy="9144000"/>
@@ -246,7 +247,7 @@
           <a:p>
             <a:fld id="{BC01E4B0-63A6-4851-B76D-9F6DA112B708}" type="datetimeFigureOut">
               <a:rPr lang="ko-KR" altLang="en-US" smtClean="0"/>
-              <a:t>2021-05-13</a:t>
+              <a:t>2021-05-20</a:t>
             </a:fld>
             <a:endParaRPr lang="ko-KR" altLang="en-US"/>
           </a:p>
@@ -416,7 +417,7 @@
           <a:p>
             <a:fld id="{BC01E4B0-63A6-4851-B76D-9F6DA112B708}" type="datetimeFigureOut">
               <a:rPr lang="ko-KR" altLang="en-US" smtClean="0"/>
-              <a:t>2021-05-13</a:t>
+              <a:t>2021-05-20</a:t>
             </a:fld>
             <a:endParaRPr lang="ko-KR" altLang="en-US"/>
           </a:p>
@@ -596,7 +597,7 @@
           <a:p>
             <a:fld id="{BC01E4B0-63A6-4851-B76D-9F6DA112B708}" type="datetimeFigureOut">
               <a:rPr lang="ko-KR" altLang="en-US" smtClean="0"/>
-              <a:t>2021-05-13</a:t>
+              <a:t>2021-05-20</a:t>
             </a:fld>
             <a:endParaRPr lang="ko-KR" altLang="en-US"/>
           </a:p>
@@ -766,7 +767,7 @@
           <a:p>
             <a:fld id="{BC01E4B0-63A6-4851-B76D-9F6DA112B708}" type="datetimeFigureOut">
               <a:rPr lang="ko-KR" altLang="en-US" smtClean="0"/>
-              <a:t>2021-05-13</a:t>
+              <a:t>2021-05-20</a:t>
             </a:fld>
             <a:endParaRPr lang="ko-KR" altLang="en-US"/>
           </a:p>
@@ -1012,7 +1013,7 @@
           <a:p>
             <a:fld id="{BC01E4B0-63A6-4851-B76D-9F6DA112B708}" type="datetimeFigureOut">
               <a:rPr lang="ko-KR" altLang="en-US" smtClean="0"/>
-              <a:t>2021-05-13</a:t>
+              <a:t>2021-05-20</a:t>
             </a:fld>
             <a:endParaRPr lang="ko-KR" altLang="en-US"/>
           </a:p>
@@ -1244,7 +1245,7 @@
           <a:p>
             <a:fld id="{BC01E4B0-63A6-4851-B76D-9F6DA112B708}" type="datetimeFigureOut">
               <a:rPr lang="ko-KR" altLang="en-US" smtClean="0"/>
-              <a:t>2021-05-13</a:t>
+              <a:t>2021-05-20</a:t>
             </a:fld>
             <a:endParaRPr lang="ko-KR" altLang="en-US"/>
           </a:p>
@@ -1611,7 +1612,7 @@
           <a:p>
             <a:fld id="{BC01E4B0-63A6-4851-B76D-9F6DA112B708}" type="datetimeFigureOut">
               <a:rPr lang="ko-KR" altLang="en-US" smtClean="0"/>
-              <a:t>2021-05-13</a:t>
+              <a:t>2021-05-20</a:t>
             </a:fld>
             <a:endParaRPr lang="ko-KR" altLang="en-US"/>
           </a:p>
@@ -1729,7 +1730,7 @@
           <a:p>
             <a:fld id="{BC01E4B0-63A6-4851-B76D-9F6DA112B708}" type="datetimeFigureOut">
               <a:rPr lang="ko-KR" altLang="en-US" smtClean="0"/>
-              <a:t>2021-05-13</a:t>
+              <a:t>2021-05-20</a:t>
             </a:fld>
             <a:endParaRPr lang="ko-KR" altLang="en-US"/>
           </a:p>
@@ -1824,7 +1825,7 @@
           <a:p>
             <a:fld id="{BC01E4B0-63A6-4851-B76D-9F6DA112B708}" type="datetimeFigureOut">
               <a:rPr lang="ko-KR" altLang="en-US" smtClean="0"/>
-              <a:t>2021-05-13</a:t>
+              <a:t>2021-05-20</a:t>
             </a:fld>
             <a:endParaRPr lang="ko-KR" altLang="en-US"/>
           </a:p>
@@ -2101,7 +2102,7 @@
           <a:p>
             <a:fld id="{BC01E4B0-63A6-4851-B76D-9F6DA112B708}" type="datetimeFigureOut">
               <a:rPr lang="ko-KR" altLang="en-US" smtClean="0"/>
-              <a:t>2021-05-13</a:t>
+              <a:t>2021-05-20</a:t>
             </a:fld>
             <a:endParaRPr lang="ko-KR" altLang="en-US"/>
           </a:p>
@@ -2354,7 +2355,7 @@
           <a:p>
             <a:fld id="{BC01E4B0-63A6-4851-B76D-9F6DA112B708}" type="datetimeFigureOut">
               <a:rPr lang="ko-KR" altLang="en-US" smtClean="0"/>
-              <a:t>2021-05-13</a:t>
+              <a:t>2021-05-20</a:t>
             </a:fld>
             <a:endParaRPr lang="ko-KR" altLang="en-US"/>
           </a:p>
@@ -2567,7 +2568,7 @@
           <a:p>
             <a:fld id="{BC01E4B0-63A6-4851-B76D-9F6DA112B708}" type="datetimeFigureOut">
               <a:rPr lang="ko-KR" altLang="en-US" smtClean="0"/>
-              <a:t>2021-05-13</a:t>
+              <a:t>2021-05-20</a:t>
             </a:fld>
             <a:endParaRPr lang="ko-KR" altLang="en-US"/>
           </a:p>
@@ -2997,7 +2998,13 @@
                 <a:tableStyleId>{7E9639D4-E3E2-4D34-9284-5A2195B3D0D7}</a:tableStyleId>
               </a:tblPr>
               <a:tblGrid>
-                <a:gridCol w="2538661"/>
+                <a:gridCol w="2538661">
+                  <a:extLst>
+                    <a:ext uri="{9D8B030D-6E8A-4147-A177-3AD203B41FA5}">
+                      <a16:colId xmlns:a16="http://schemas.microsoft.com/office/drawing/2014/main" val="20000"/>
+                    </a:ext>
+                  </a:extLst>
+                </a:gridCol>
               </a:tblGrid>
               <a:tr h="370840">
                 <a:tc>
@@ -3015,6 +3022,11 @@
                   </a:txBody>
                   <a:tcPr/>
                 </a:tc>
+                <a:extLst>
+                  <a:ext uri="{0D108BD9-81ED-4DB2-BD59-A6C34878D82A}">
+                    <a16:rowId xmlns:a16="http://schemas.microsoft.com/office/drawing/2014/main" val="10000"/>
+                  </a:ext>
+                </a:extLst>
               </a:tr>
               <a:tr h="370840">
                 <a:tc>
@@ -3047,6 +3059,11 @@
                   </a:txBody>
                   <a:tcPr/>
                 </a:tc>
+                <a:extLst>
+                  <a:ext uri="{0D108BD9-81ED-4DB2-BD59-A6C34878D82A}">
+                    <a16:rowId xmlns:a16="http://schemas.microsoft.com/office/drawing/2014/main" val="10001"/>
+                  </a:ext>
+                </a:extLst>
               </a:tr>
               <a:tr h="370840">
                 <a:tc>
@@ -3083,6 +3100,11 @@
                   </a:txBody>
                   <a:tcPr/>
                 </a:tc>
+                <a:extLst>
+                  <a:ext uri="{0D108BD9-81ED-4DB2-BD59-A6C34878D82A}">
+                    <a16:rowId xmlns:a16="http://schemas.microsoft.com/office/drawing/2014/main" val="10002"/>
+                  </a:ext>
+                </a:extLst>
               </a:tr>
               <a:tr h="370840">
                 <a:tc>
@@ -3115,6 +3137,11 @@
                   </a:txBody>
                   <a:tcPr/>
                 </a:tc>
+                <a:extLst>
+                  <a:ext uri="{0D108BD9-81ED-4DB2-BD59-A6C34878D82A}">
+                    <a16:rowId xmlns:a16="http://schemas.microsoft.com/office/drawing/2014/main" val="10003"/>
+                  </a:ext>
+                </a:extLst>
               </a:tr>
               <a:tr h="370840">
                 <a:tc>
@@ -3147,6 +3174,11 @@
                   </a:txBody>
                   <a:tcPr/>
                 </a:tc>
+                <a:extLst>
+                  <a:ext uri="{0D108BD9-81ED-4DB2-BD59-A6C34878D82A}">
+                    <a16:rowId xmlns:a16="http://schemas.microsoft.com/office/drawing/2014/main" val="10004"/>
+                  </a:ext>
+                </a:extLst>
               </a:tr>
               <a:tr h="370840">
                 <a:tc>
@@ -3179,6 +3211,11 @@
                   </a:txBody>
                   <a:tcPr/>
                 </a:tc>
+                <a:extLst>
+                  <a:ext uri="{0D108BD9-81ED-4DB2-BD59-A6C34878D82A}">
+                    <a16:rowId xmlns:a16="http://schemas.microsoft.com/office/drawing/2014/main" val="10005"/>
+                  </a:ext>
+                </a:extLst>
               </a:tr>
             </a:tbl>
           </a:graphicData>
@@ -3209,7 +3246,13 @@
                 <a:tableStyleId>{7E9639D4-E3E2-4D34-9284-5A2195B3D0D7}</a:tableStyleId>
               </a:tblPr>
               <a:tblGrid>
-                <a:gridCol w="2514600"/>
+                <a:gridCol w="2514600">
+                  <a:extLst>
+                    <a:ext uri="{9D8B030D-6E8A-4147-A177-3AD203B41FA5}">
+                      <a16:colId xmlns:a16="http://schemas.microsoft.com/office/drawing/2014/main" val="20000"/>
+                    </a:ext>
+                  </a:extLst>
+                </a:gridCol>
               </a:tblGrid>
               <a:tr h="370840">
                 <a:tc>
@@ -3235,6 +3278,11 @@
                   </a:txBody>
                   <a:tcPr/>
                 </a:tc>
+                <a:extLst>
+                  <a:ext uri="{0D108BD9-81ED-4DB2-BD59-A6C34878D82A}">
+                    <a16:rowId xmlns:a16="http://schemas.microsoft.com/office/drawing/2014/main" val="10000"/>
+                  </a:ext>
+                </a:extLst>
               </a:tr>
               <a:tr h="370840">
                 <a:tc>
@@ -3267,6 +3315,11 @@
                   </a:txBody>
                   <a:tcPr/>
                 </a:tc>
+                <a:extLst>
+                  <a:ext uri="{0D108BD9-81ED-4DB2-BD59-A6C34878D82A}">
+                    <a16:rowId xmlns:a16="http://schemas.microsoft.com/office/drawing/2014/main" val="10001"/>
+                  </a:ext>
+                </a:extLst>
               </a:tr>
               <a:tr h="370840">
                 <a:tc>
@@ -3302,6 +3355,11 @@
                   </a:txBody>
                   <a:tcPr/>
                 </a:tc>
+                <a:extLst>
+                  <a:ext uri="{0D108BD9-81ED-4DB2-BD59-A6C34878D82A}">
+                    <a16:rowId xmlns:a16="http://schemas.microsoft.com/office/drawing/2014/main" val="10002"/>
+                  </a:ext>
+                </a:extLst>
               </a:tr>
               <a:tr h="370840">
                 <a:tc>
@@ -3334,6 +3392,11 @@
                   </a:txBody>
                   <a:tcPr/>
                 </a:tc>
+                <a:extLst>
+                  <a:ext uri="{0D108BD9-81ED-4DB2-BD59-A6C34878D82A}">
+                    <a16:rowId xmlns:a16="http://schemas.microsoft.com/office/drawing/2014/main" val="10003"/>
+                  </a:ext>
+                </a:extLst>
               </a:tr>
               <a:tr h="370840">
                 <a:tc>
@@ -3366,6 +3429,11 @@
                   </a:txBody>
                   <a:tcPr/>
                 </a:tc>
+                <a:extLst>
+                  <a:ext uri="{0D108BD9-81ED-4DB2-BD59-A6C34878D82A}">
+                    <a16:rowId xmlns:a16="http://schemas.microsoft.com/office/drawing/2014/main" val="10004"/>
+                  </a:ext>
+                </a:extLst>
               </a:tr>
               <a:tr h="370840">
                 <a:tc>
@@ -3398,6 +3466,11 @@
                   </a:txBody>
                   <a:tcPr/>
                 </a:tc>
+                <a:extLst>
+                  <a:ext uri="{0D108BD9-81ED-4DB2-BD59-A6C34878D82A}">
+                    <a16:rowId xmlns:a16="http://schemas.microsoft.com/office/drawing/2014/main" val="10005"/>
+                  </a:ext>
+                </a:extLst>
               </a:tr>
               <a:tr h="370840">
                 <a:tc>
@@ -3442,6 +3515,11 @@
                   </a:txBody>
                   <a:tcPr/>
                 </a:tc>
+                <a:extLst>
+                  <a:ext uri="{0D108BD9-81ED-4DB2-BD59-A6C34878D82A}">
+                    <a16:rowId xmlns:a16="http://schemas.microsoft.com/office/drawing/2014/main" val="10006"/>
+                  </a:ext>
+                </a:extLst>
               </a:tr>
               <a:tr h="370840">
                 <a:tc>
@@ -3494,6 +3572,11 @@
                   </a:txBody>
                   <a:tcPr/>
                 </a:tc>
+                <a:extLst>
+                  <a:ext uri="{0D108BD9-81ED-4DB2-BD59-A6C34878D82A}">
+                    <a16:rowId xmlns:a16="http://schemas.microsoft.com/office/drawing/2014/main" val="10007"/>
+                  </a:ext>
+                </a:extLst>
               </a:tr>
               <a:tr h="370840">
                 <a:tc>
@@ -3534,6 +3617,11 @@
                   </a:txBody>
                   <a:tcPr/>
                 </a:tc>
+                <a:extLst>
+                  <a:ext uri="{0D108BD9-81ED-4DB2-BD59-A6C34878D82A}">
+                    <a16:rowId xmlns:a16="http://schemas.microsoft.com/office/drawing/2014/main" val="10008"/>
+                  </a:ext>
+                </a:extLst>
               </a:tr>
             </a:tbl>
           </a:graphicData>
@@ -3564,7 +3652,13 @@
                 <a:tableStyleId>{7E9639D4-E3E2-4D34-9284-5A2195B3D0D7}</a:tableStyleId>
               </a:tblPr>
               <a:tblGrid>
-                <a:gridCol w="2502565"/>
+                <a:gridCol w="2502565">
+                  <a:extLst>
+                    <a:ext uri="{9D8B030D-6E8A-4147-A177-3AD203B41FA5}">
+                      <a16:colId xmlns:a16="http://schemas.microsoft.com/office/drawing/2014/main" val="20000"/>
+                    </a:ext>
+                  </a:extLst>
+                </a:gridCol>
               </a:tblGrid>
               <a:tr h="370840">
                 <a:tc>
@@ -3590,6 +3684,11 @@
                   </a:txBody>
                   <a:tcPr/>
                 </a:tc>
+                <a:extLst>
+                  <a:ext uri="{0D108BD9-81ED-4DB2-BD59-A6C34878D82A}">
+                    <a16:rowId xmlns:a16="http://schemas.microsoft.com/office/drawing/2014/main" val="10000"/>
+                  </a:ext>
+                </a:extLst>
               </a:tr>
               <a:tr h="370840">
                 <a:tc>
@@ -3622,6 +3721,11 @@
                   </a:txBody>
                   <a:tcPr/>
                 </a:tc>
+                <a:extLst>
+                  <a:ext uri="{0D108BD9-81ED-4DB2-BD59-A6C34878D82A}">
+                    <a16:rowId xmlns:a16="http://schemas.microsoft.com/office/drawing/2014/main" val="10001"/>
+                  </a:ext>
+                </a:extLst>
               </a:tr>
               <a:tr h="370840">
                 <a:tc>
@@ -3654,6 +3758,11 @@
                   </a:txBody>
                   <a:tcPr/>
                 </a:tc>
+                <a:extLst>
+                  <a:ext uri="{0D108BD9-81ED-4DB2-BD59-A6C34878D82A}">
+                    <a16:rowId xmlns:a16="http://schemas.microsoft.com/office/drawing/2014/main" val="10002"/>
+                  </a:ext>
+                </a:extLst>
               </a:tr>
               <a:tr h="370840">
                 <a:tc>
@@ -3698,6 +3807,11 @@
                   </a:txBody>
                   <a:tcPr/>
                 </a:tc>
+                <a:extLst>
+                  <a:ext uri="{0D108BD9-81ED-4DB2-BD59-A6C34878D82A}">
+                    <a16:rowId xmlns:a16="http://schemas.microsoft.com/office/drawing/2014/main" val="10003"/>
+                  </a:ext>
+                </a:extLst>
               </a:tr>
               <a:tr h="370840">
                 <a:tc>
@@ -3742,6 +3856,11 @@
                   </a:txBody>
                   <a:tcPr/>
                 </a:tc>
+                <a:extLst>
+                  <a:ext uri="{0D108BD9-81ED-4DB2-BD59-A6C34878D82A}">
+                    <a16:rowId xmlns:a16="http://schemas.microsoft.com/office/drawing/2014/main" val="10004"/>
+                  </a:ext>
+                </a:extLst>
               </a:tr>
               <a:tr h="370840">
                 <a:tc>
@@ -3786,6 +3905,11 @@
                   </a:txBody>
                   <a:tcPr/>
                 </a:tc>
+                <a:extLst>
+                  <a:ext uri="{0D108BD9-81ED-4DB2-BD59-A6C34878D82A}">
+                    <a16:rowId xmlns:a16="http://schemas.microsoft.com/office/drawing/2014/main" val="10005"/>
+                  </a:ext>
+                </a:extLst>
               </a:tr>
               <a:tr h="370840">
                 <a:tc>
@@ -3818,6 +3942,11 @@
                   </a:txBody>
                   <a:tcPr/>
                 </a:tc>
+                <a:extLst>
+                  <a:ext uri="{0D108BD9-81ED-4DB2-BD59-A6C34878D82A}">
+                    <a16:rowId xmlns:a16="http://schemas.microsoft.com/office/drawing/2014/main" val="10006"/>
+                  </a:ext>
+                </a:extLst>
               </a:tr>
               <a:tr h="370840">
                 <a:tc>
@@ -3862,6 +3991,11 @@
                   </a:txBody>
                   <a:tcPr/>
                 </a:tc>
+                <a:extLst>
+                  <a:ext uri="{0D108BD9-81ED-4DB2-BD59-A6C34878D82A}">
+                    <a16:rowId xmlns:a16="http://schemas.microsoft.com/office/drawing/2014/main" val="10007"/>
+                  </a:ext>
+                </a:extLst>
               </a:tr>
               <a:tr h="370840">
                 <a:tc>
@@ -3906,6 +4040,11 @@
                   </a:txBody>
                   <a:tcPr/>
                 </a:tc>
+                <a:extLst>
+                  <a:ext uri="{0D108BD9-81ED-4DB2-BD59-A6C34878D82A}">
+                    <a16:rowId xmlns:a16="http://schemas.microsoft.com/office/drawing/2014/main" val="10008"/>
+                  </a:ext>
+                </a:extLst>
               </a:tr>
               <a:tr h="370840">
                 <a:tc>
@@ -3941,6 +4080,11 @@
                   </a:txBody>
                   <a:tcPr/>
                 </a:tc>
+                <a:extLst>
+                  <a:ext uri="{0D108BD9-81ED-4DB2-BD59-A6C34878D82A}">
+                    <a16:rowId xmlns:a16="http://schemas.microsoft.com/office/drawing/2014/main" val="10009"/>
+                  </a:ext>
+                </a:extLst>
               </a:tr>
               <a:tr h="370840">
                 <a:tc>
@@ -3976,6 +4120,11 @@
                   </a:txBody>
                   <a:tcPr/>
                 </a:tc>
+                <a:extLst>
+                  <a:ext uri="{0D108BD9-81ED-4DB2-BD59-A6C34878D82A}">
+                    <a16:rowId xmlns:a16="http://schemas.microsoft.com/office/drawing/2014/main" val="10010"/>
+                  </a:ext>
+                </a:extLst>
               </a:tr>
               <a:tr h="370840">
                 <a:tc>
@@ -4016,6 +4165,11 @@
                   </a:txBody>
                   <a:tcPr/>
                 </a:tc>
+                <a:extLst>
+                  <a:ext uri="{0D108BD9-81ED-4DB2-BD59-A6C34878D82A}">
+                    <a16:rowId xmlns:a16="http://schemas.microsoft.com/office/drawing/2014/main" val="10011"/>
+                  </a:ext>
+                </a:extLst>
               </a:tr>
             </a:tbl>
           </a:graphicData>
@@ -4136,7 +4290,13 @@
                 <a:tableStyleId>{7E9639D4-E3E2-4D34-9284-5A2195B3D0D7}</a:tableStyleId>
               </a:tblPr>
               <a:tblGrid>
-                <a:gridCol w="2538661"/>
+                <a:gridCol w="2538661">
+                  <a:extLst>
+                    <a:ext uri="{9D8B030D-6E8A-4147-A177-3AD203B41FA5}">
+                      <a16:colId xmlns:a16="http://schemas.microsoft.com/office/drawing/2014/main" val="20000"/>
+                    </a:ext>
+                  </a:extLst>
+                </a:gridCol>
               </a:tblGrid>
               <a:tr h="370840">
                 <a:tc>
@@ -4154,6 +4314,11 @@
                   </a:txBody>
                   <a:tcPr/>
                 </a:tc>
+                <a:extLst>
+                  <a:ext uri="{0D108BD9-81ED-4DB2-BD59-A6C34878D82A}">
+                    <a16:rowId xmlns:a16="http://schemas.microsoft.com/office/drawing/2014/main" val="10000"/>
+                  </a:ext>
+                </a:extLst>
               </a:tr>
               <a:tr h="370840">
                 <a:tc>
@@ -4186,6 +4351,11 @@
                   </a:txBody>
                   <a:tcPr/>
                 </a:tc>
+                <a:extLst>
+                  <a:ext uri="{0D108BD9-81ED-4DB2-BD59-A6C34878D82A}">
+                    <a16:rowId xmlns:a16="http://schemas.microsoft.com/office/drawing/2014/main" val="10001"/>
+                  </a:ext>
+                </a:extLst>
               </a:tr>
               <a:tr h="370840">
                 <a:tc>
@@ -4222,6 +4392,11 @@
                   </a:txBody>
                   <a:tcPr/>
                 </a:tc>
+                <a:extLst>
+                  <a:ext uri="{0D108BD9-81ED-4DB2-BD59-A6C34878D82A}">
+                    <a16:rowId xmlns:a16="http://schemas.microsoft.com/office/drawing/2014/main" val="10002"/>
+                  </a:ext>
+                </a:extLst>
               </a:tr>
               <a:tr h="370840">
                 <a:tc>
@@ -4254,6 +4429,11 @@
                   </a:txBody>
                   <a:tcPr/>
                 </a:tc>
+                <a:extLst>
+                  <a:ext uri="{0D108BD9-81ED-4DB2-BD59-A6C34878D82A}">
+                    <a16:rowId xmlns:a16="http://schemas.microsoft.com/office/drawing/2014/main" val="10003"/>
+                  </a:ext>
+                </a:extLst>
               </a:tr>
               <a:tr h="370840">
                 <a:tc>
@@ -4286,6 +4466,11 @@
                   </a:txBody>
                   <a:tcPr/>
                 </a:tc>
+                <a:extLst>
+                  <a:ext uri="{0D108BD9-81ED-4DB2-BD59-A6C34878D82A}">
+                    <a16:rowId xmlns:a16="http://schemas.microsoft.com/office/drawing/2014/main" val="10004"/>
+                  </a:ext>
+                </a:extLst>
               </a:tr>
               <a:tr h="370840">
                 <a:tc>
@@ -4318,6 +4503,11 @@
                   </a:txBody>
                   <a:tcPr/>
                 </a:tc>
+                <a:extLst>
+                  <a:ext uri="{0D108BD9-81ED-4DB2-BD59-A6C34878D82A}">
+                    <a16:rowId xmlns:a16="http://schemas.microsoft.com/office/drawing/2014/main" val="10005"/>
+                  </a:ext>
+                </a:extLst>
               </a:tr>
             </a:tbl>
           </a:graphicData>
@@ -4348,7 +4538,13 @@
                 <a:tableStyleId>{7E9639D4-E3E2-4D34-9284-5A2195B3D0D7}</a:tableStyleId>
               </a:tblPr>
               <a:tblGrid>
-                <a:gridCol w="3013914"/>
+                <a:gridCol w="3013914">
+                  <a:extLst>
+                    <a:ext uri="{9D8B030D-6E8A-4147-A177-3AD203B41FA5}">
+                      <a16:colId xmlns:a16="http://schemas.microsoft.com/office/drawing/2014/main" val="20000"/>
+                    </a:ext>
+                  </a:extLst>
+                </a:gridCol>
               </a:tblGrid>
               <a:tr h="370840">
                 <a:tc>
@@ -4374,6 +4570,11 @@
                   </a:txBody>
                   <a:tcPr/>
                 </a:tc>
+                <a:extLst>
+                  <a:ext uri="{0D108BD9-81ED-4DB2-BD59-A6C34878D82A}">
+                    <a16:rowId xmlns:a16="http://schemas.microsoft.com/office/drawing/2014/main" val="10000"/>
+                  </a:ext>
+                </a:extLst>
               </a:tr>
               <a:tr h="370840">
                 <a:tc>
@@ -4406,6 +4607,11 @@
                   </a:txBody>
                   <a:tcPr/>
                 </a:tc>
+                <a:extLst>
+                  <a:ext uri="{0D108BD9-81ED-4DB2-BD59-A6C34878D82A}">
+                    <a16:rowId xmlns:a16="http://schemas.microsoft.com/office/drawing/2014/main" val="10001"/>
+                  </a:ext>
+                </a:extLst>
               </a:tr>
               <a:tr h="370840">
                 <a:tc>
@@ -4441,6 +4647,11 @@
                   </a:txBody>
                   <a:tcPr/>
                 </a:tc>
+                <a:extLst>
+                  <a:ext uri="{0D108BD9-81ED-4DB2-BD59-A6C34878D82A}">
+                    <a16:rowId xmlns:a16="http://schemas.microsoft.com/office/drawing/2014/main" val="10002"/>
+                  </a:ext>
+                </a:extLst>
               </a:tr>
               <a:tr h="370840">
                 <a:tc>
@@ -4473,6 +4684,11 @@
                   </a:txBody>
                   <a:tcPr/>
                 </a:tc>
+                <a:extLst>
+                  <a:ext uri="{0D108BD9-81ED-4DB2-BD59-A6C34878D82A}">
+                    <a16:rowId xmlns:a16="http://schemas.microsoft.com/office/drawing/2014/main" val="10003"/>
+                  </a:ext>
+                </a:extLst>
               </a:tr>
               <a:tr h="370840">
                 <a:tc>
@@ -4505,6 +4721,11 @@
                   </a:txBody>
                   <a:tcPr/>
                 </a:tc>
+                <a:extLst>
+                  <a:ext uri="{0D108BD9-81ED-4DB2-BD59-A6C34878D82A}">
+                    <a16:rowId xmlns:a16="http://schemas.microsoft.com/office/drawing/2014/main" val="10004"/>
+                  </a:ext>
+                </a:extLst>
               </a:tr>
               <a:tr h="370840">
                 <a:tc>
@@ -4537,6 +4758,11 @@
                   </a:txBody>
                   <a:tcPr/>
                 </a:tc>
+                <a:extLst>
+                  <a:ext uri="{0D108BD9-81ED-4DB2-BD59-A6C34878D82A}">
+                    <a16:rowId xmlns:a16="http://schemas.microsoft.com/office/drawing/2014/main" val="10005"/>
+                  </a:ext>
+                </a:extLst>
               </a:tr>
               <a:tr h="370840">
                 <a:tc>
@@ -4581,6 +4807,11 @@
                   </a:txBody>
                   <a:tcPr/>
                 </a:tc>
+                <a:extLst>
+                  <a:ext uri="{0D108BD9-81ED-4DB2-BD59-A6C34878D82A}">
+                    <a16:rowId xmlns:a16="http://schemas.microsoft.com/office/drawing/2014/main" val="10006"/>
+                  </a:ext>
+                </a:extLst>
               </a:tr>
               <a:tr h="370840">
                 <a:tc>
@@ -4633,6 +4864,11 @@
                   </a:txBody>
                   <a:tcPr/>
                 </a:tc>
+                <a:extLst>
+                  <a:ext uri="{0D108BD9-81ED-4DB2-BD59-A6C34878D82A}">
+                    <a16:rowId xmlns:a16="http://schemas.microsoft.com/office/drawing/2014/main" val="10007"/>
+                  </a:ext>
+                </a:extLst>
               </a:tr>
               <a:tr h="370840">
                 <a:tc>
@@ -4673,6 +4909,11 @@
                   </a:txBody>
                   <a:tcPr/>
                 </a:tc>
+                <a:extLst>
+                  <a:ext uri="{0D108BD9-81ED-4DB2-BD59-A6C34878D82A}">
+                    <a16:rowId xmlns:a16="http://schemas.microsoft.com/office/drawing/2014/main" val="10008"/>
+                  </a:ext>
+                </a:extLst>
               </a:tr>
             </a:tbl>
           </a:graphicData>
@@ -4703,7 +4944,13 @@
                 <a:tableStyleId>{7E9639D4-E3E2-4D34-9284-5A2195B3D0D7}</a:tableStyleId>
               </a:tblPr>
               <a:tblGrid>
-                <a:gridCol w="2767264"/>
+                <a:gridCol w="2767264">
+                  <a:extLst>
+                    <a:ext uri="{9D8B030D-6E8A-4147-A177-3AD203B41FA5}">
+                      <a16:colId xmlns:a16="http://schemas.microsoft.com/office/drawing/2014/main" val="20000"/>
+                    </a:ext>
+                  </a:extLst>
+                </a:gridCol>
               </a:tblGrid>
               <a:tr h="370840">
                 <a:tc>
@@ -4729,6 +4976,11 @@
                   </a:txBody>
                   <a:tcPr/>
                 </a:tc>
+                <a:extLst>
+                  <a:ext uri="{0D108BD9-81ED-4DB2-BD59-A6C34878D82A}">
+                    <a16:rowId xmlns:a16="http://schemas.microsoft.com/office/drawing/2014/main" val="10000"/>
+                  </a:ext>
+                </a:extLst>
               </a:tr>
               <a:tr h="370840">
                 <a:tc>
@@ -4761,6 +5013,11 @@
                   </a:txBody>
                   <a:tcPr/>
                 </a:tc>
+                <a:extLst>
+                  <a:ext uri="{0D108BD9-81ED-4DB2-BD59-A6C34878D82A}">
+                    <a16:rowId xmlns:a16="http://schemas.microsoft.com/office/drawing/2014/main" val="10001"/>
+                  </a:ext>
+                </a:extLst>
               </a:tr>
               <a:tr h="370840">
                 <a:tc>
@@ -4793,6 +5050,11 @@
                   </a:txBody>
                   <a:tcPr/>
                 </a:tc>
+                <a:extLst>
+                  <a:ext uri="{0D108BD9-81ED-4DB2-BD59-A6C34878D82A}">
+                    <a16:rowId xmlns:a16="http://schemas.microsoft.com/office/drawing/2014/main" val="10002"/>
+                  </a:ext>
+                </a:extLst>
               </a:tr>
               <a:tr h="370840">
                 <a:tc>
@@ -4837,6 +5099,11 @@
                   </a:txBody>
                   <a:tcPr/>
                 </a:tc>
+                <a:extLst>
+                  <a:ext uri="{0D108BD9-81ED-4DB2-BD59-A6C34878D82A}">
+                    <a16:rowId xmlns:a16="http://schemas.microsoft.com/office/drawing/2014/main" val="10003"/>
+                  </a:ext>
+                </a:extLst>
               </a:tr>
               <a:tr h="370840">
                 <a:tc>
@@ -4881,6 +5148,11 @@
                   </a:txBody>
                   <a:tcPr/>
                 </a:tc>
+                <a:extLst>
+                  <a:ext uri="{0D108BD9-81ED-4DB2-BD59-A6C34878D82A}">
+                    <a16:rowId xmlns:a16="http://schemas.microsoft.com/office/drawing/2014/main" val="10004"/>
+                  </a:ext>
+                </a:extLst>
               </a:tr>
               <a:tr h="370840">
                 <a:tc>
@@ -4925,6 +5197,11 @@
                   </a:txBody>
                   <a:tcPr/>
                 </a:tc>
+                <a:extLst>
+                  <a:ext uri="{0D108BD9-81ED-4DB2-BD59-A6C34878D82A}">
+                    <a16:rowId xmlns:a16="http://schemas.microsoft.com/office/drawing/2014/main" val="10005"/>
+                  </a:ext>
+                </a:extLst>
               </a:tr>
               <a:tr h="370840">
                 <a:tc>
@@ -4957,6 +5234,11 @@
                   </a:txBody>
                   <a:tcPr/>
                 </a:tc>
+                <a:extLst>
+                  <a:ext uri="{0D108BD9-81ED-4DB2-BD59-A6C34878D82A}">
+                    <a16:rowId xmlns:a16="http://schemas.microsoft.com/office/drawing/2014/main" val="10006"/>
+                  </a:ext>
+                </a:extLst>
               </a:tr>
               <a:tr h="370840">
                 <a:tc>
@@ -5001,6 +5283,11 @@
                   </a:txBody>
                   <a:tcPr/>
                 </a:tc>
+                <a:extLst>
+                  <a:ext uri="{0D108BD9-81ED-4DB2-BD59-A6C34878D82A}">
+                    <a16:rowId xmlns:a16="http://schemas.microsoft.com/office/drawing/2014/main" val="10007"/>
+                  </a:ext>
+                </a:extLst>
               </a:tr>
               <a:tr h="370840">
                 <a:tc>
@@ -5045,6 +5332,11 @@
                   </a:txBody>
                   <a:tcPr/>
                 </a:tc>
+                <a:extLst>
+                  <a:ext uri="{0D108BD9-81ED-4DB2-BD59-A6C34878D82A}">
+                    <a16:rowId xmlns:a16="http://schemas.microsoft.com/office/drawing/2014/main" val="10008"/>
+                  </a:ext>
+                </a:extLst>
               </a:tr>
               <a:tr h="370840">
                 <a:tc>
@@ -5080,6 +5372,11 @@
                   </a:txBody>
                   <a:tcPr/>
                 </a:tc>
+                <a:extLst>
+                  <a:ext uri="{0D108BD9-81ED-4DB2-BD59-A6C34878D82A}">
+                    <a16:rowId xmlns:a16="http://schemas.microsoft.com/office/drawing/2014/main" val="10009"/>
+                  </a:ext>
+                </a:extLst>
               </a:tr>
               <a:tr h="370840">
                 <a:tc>
@@ -5115,6 +5412,11 @@
                   </a:txBody>
                   <a:tcPr/>
                 </a:tc>
+                <a:extLst>
+                  <a:ext uri="{0D108BD9-81ED-4DB2-BD59-A6C34878D82A}">
+                    <a16:rowId xmlns:a16="http://schemas.microsoft.com/office/drawing/2014/main" val="10010"/>
+                  </a:ext>
+                </a:extLst>
               </a:tr>
               <a:tr h="370840">
                 <a:tc>
@@ -5155,6 +5457,11 @@
                   </a:txBody>
                   <a:tcPr/>
                 </a:tc>
+                <a:extLst>
+                  <a:ext uri="{0D108BD9-81ED-4DB2-BD59-A6C34878D82A}">
+                    <a16:rowId xmlns:a16="http://schemas.microsoft.com/office/drawing/2014/main" val="10011"/>
+                  </a:ext>
+                </a:extLst>
               </a:tr>
             </a:tbl>
           </a:graphicData>
@@ -5185,7 +5492,13 @@
                 <a:tableStyleId>{7E9639D4-E3E2-4D34-9284-5A2195B3D0D7}</a:tableStyleId>
               </a:tblPr>
               <a:tblGrid>
-                <a:gridCol w="2872539"/>
+                <a:gridCol w="2872539">
+                  <a:extLst>
+                    <a:ext uri="{9D8B030D-6E8A-4147-A177-3AD203B41FA5}">
+                      <a16:colId xmlns:a16="http://schemas.microsoft.com/office/drawing/2014/main" val="20000"/>
+                    </a:ext>
+                  </a:extLst>
+                </a:gridCol>
               </a:tblGrid>
               <a:tr h="370840">
                 <a:tc>
@@ -5211,6 +5524,11 @@
                   </a:txBody>
                   <a:tcPr/>
                 </a:tc>
+                <a:extLst>
+                  <a:ext uri="{0D108BD9-81ED-4DB2-BD59-A6C34878D82A}">
+                    <a16:rowId xmlns:a16="http://schemas.microsoft.com/office/drawing/2014/main" val="10000"/>
+                  </a:ext>
+                </a:extLst>
               </a:tr>
               <a:tr h="370840">
                 <a:tc>
@@ -5243,6 +5561,11 @@
                   </a:txBody>
                   <a:tcPr/>
                 </a:tc>
+                <a:extLst>
+                  <a:ext uri="{0D108BD9-81ED-4DB2-BD59-A6C34878D82A}">
+                    <a16:rowId xmlns:a16="http://schemas.microsoft.com/office/drawing/2014/main" val="10001"/>
+                  </a:ext>
+                </a:extLst>
               </a:tr>
               <a:tr h="370840">
                 <a:tc>
@@ -5287,6 +5610,11 @@
                   </a:txBody>
                   <a:tcPr/>
                 </a:tc>
+                <a:extLst>
+                  <a:ext uri="{0D108BD9-81ED-4DB2-BD59-A6C34878D82A}">
+                    <a16:rowId xmlns:a16="http://schemas.microsoft.com/office/drawing/2014/main" val="10002"/>
+                  </a:ext>
+                </a:extLst>
               </a:tr>
               <a:tr h="370840">
                 <a:tc>
@@ -5307,6 +5635,11 @@
                   </a:txBody>
                   <a:tcPr/>
                 </a:tc>
+                <a:extLst>
+                  <a:ext uri="{0D108BD9-81ED-4DB2-BD59-A6C34878D82A}">
+                    <a16:rowId xmlns:a16="http://schemas.microsoft.com/office/drawing/2014/main" val="10003"/>
+                  </a:ext>
+                </a:extLst>
               </a:tr>
               <a:tr h="370840">
                 <a:tc>
@@ -5327,6 +5660,11 @@
                   </a:txBody>
                   <a:tcPr/>
                 </a:tc>
+                <a:extLst>
+                  <a:ext uri="{0D108BD9-81ED-4DB2-BD59-A6C34878D82A}">
+                    <a16:rowId xmlns:a16="http://schemas.microsoft.com/office/drawing/2014/main" val="10004"/>
+                  </a:ext>
+                </a:extLst>
               </a:tr>
               <a:tr h="370840">
                 <a:tc>
@@ -5347,6 +5685,11 @@
                   </a:txBody>
                   <a:tcPr/>
                 </a:tc>
+                <a:extLst>
+                  <a:ext uri="{0D108BD9-81ED-4DB2-BD59-A6C34878D82A}">
+                    <a16:rowId xmlns:a16="http://schemas.microsoft.com/office/drawing/2014/main" val="10005"/>
+                  </a:ext>
+                </a:extLst>
               </a:tr>
               <a:tr h="370840">
                 <a:tc>
@@ -5367,6 +5710,11 @@
                   </a:txBody>
                   <a:tcPr/>
                 </a:tc>
+                <a:extLst>
+                  <a:ext uri="{0D108BD9-81ED-4DB2-BD59-A6C34878D82A}">
+                    <a16:rowId xmlns:a16="http://schemas.microsoft.com/office/drawing/2014/main" val="10006"/>
+                  </a:ext>
+                </a:extLst>
               </a:tr>
               <a:tr h="370840">
                 <a:tc>
@@ -5404,6 +5752,11 @@
                   </a:txBody>
                   <a:tcPr/>
                 </a:tc>
+                <a:extLst>
+                  <a:ext uri="{0D108BD9-81ED-4DB2-BD59-A6C34878D82A}">
+                    <a16:rowId xmlns:a16="http://schemas.microsoft.com/office/drawing/2014/main" val="10007"/>
+                  </a:ext>
+                </a:extLst>
               </a:tr>
               <a:tr h="370840">
                 <a:tc>
@@ -5441,6 +5794,11 @@
                   </a:txBody>
                   <a:tcPr/>
                 </a:tc>
+                <a:extLst>
+                  <a:ext uri="{0D108BD9-81ED-4DB2-BD59-A6C34878D82A}">
+                    <a16:rowId xmlns:a16="http://schemas.microsoft.com/office/drawing/2014/main" val="10008"/>
+                  </a:ext>
+                </a:extLst>
               </a:tr>
             </a:tbl>
           </a:graphicData>
@@ -5712,7 +6070,13 @@
                 <a:tableStyleId>{7E9639D4-E3E2-4D34-9284-5A2195B3D0D7}</a:tableStyleId>
               </a:tblPr>
               <a:tblGrid>
-                <a:gridCol w="2538661"/>
+                <a:gridCol w="2538661">
+                  <a:extLst>
+                    <a:ext uri="{9D8B030D-6E8A-4147-A177-3AD203B41FA5}">
+                      <a16:colId xmlns:a16="http://schemas.microsoft.com/office/drawing/2014/main" val="20000"/>
+                    </a:ext>
+                  </a:extLst>
+                </a:gridCol>
               </a:tblGrid>
               <a:tr h="370840">
                 <a:tc>
@@ -5730,6 +6094,11 @@
                   </a:txBody>
                   <a:tcPr/>
                 </a:tc>
+                <a:extLst>
+                  <a:ext uri="{0D108BD9-81ED-4DB2-BD59-A6C34878D82A}">
+                    <a16:rowId xmlns:a16="http://schemas.microsoft.com/office/drawing/2014/main" val="10000"/>
+                  </a:ext>
+                </a:extLst>
               </a:tr>
               <a:tr h="370840">
                 <a:tc>
@@ -5762,6 +6131,11 @@
                   </a:txBody>
                   <a:tcPr/>
                 </a:tc>
+                <a:extLst>
+                  <a:ext uri="{0D108BD9-81ED-4DB2-BD59-A6C34878D82A}">
+                    <a16:rowId xmlns:a16="http://schemas.microsoft.com/office/drawing/2014/main" val="10001"/>
+                  </a:ext>
+                </a:extLst>
               </a:tr>
               <a:tr h="370840">
                 <a:tc>
@@ -5798,6 +6172,11 @@
                   </a:txBody>
                   <a:tcPr/>
                 </a:tc>
+                <a:extLst>
+                  <a:ext uri="{0D108BD9-81ED-4DB2-BD59-A6C34878D82A}">
+                    <a16:rowId xmlns:a16="http://schemas.microsoft.com/office/drawing/2014/main" val="10002"/>
+                  </a:ext>
+                </a:extLst>
               </a:tr>
               <a:tr h="370840">
                 <a:tc>
@@ -5830,6 +6209,11 @@
                   </a:txBody>
                   <a:tcPr/>
                 </a:tc>
+                <a:extLst>
+                  <a:ext uri="{0D108BD9-81ED-4DB2-BD59-A6C34878D82A}">
+                    <a16:rowId xmlns:a16="http://schemas.microsoft.com/office/drawing/2014/main" val="10003"/>
+                  </a:ext>
+                </a:extLst>
               </a:tr>
               <a:tr h="370840">
                 <a:tc>
@@ -5862,6 +6246,11 @@
                   </a:txBody>
                   <a:tcPr/>
                 </a:tc>
+                <a:extLst>
+                  <a:ext uri="{0D108BD9-81ED-4DB2-BD59-A6C34878D82A}">
+                    <a16:rowId xmlns:a16="http://schemas.microsoft.com/office/drawing/2014/main" val="10004"/>
+                  </a:ext>
+                </a:extLst>
               </a:tr>
               <a:tr h="370840">
                 <a:tc>
@@ -5894,6 +6283,11 @@
                   </a:txBody>
                   <a:tcPr/>
                 </a:tc>
+                <a:extLst>
+                  <a:ext uri="{0D108BD9-81ED-4DB2-BD59-A6C34878D82A}">
+                    <a16:rowId xmlns:a16="http://schemas.microsoft.com/office/drawing/2014/main" val="10005"/>
+                  </a:ext>
+                </a:extLst>
               </a:tr>
             </a:tbl>
           </a:graphicData>
@@ -5924,7 +6318,13 @@
                 <a:tableStyleId>{7E9639D4-E3E2-4D34-9284-5A2195B3D0D7}</a:tableStyleId>
               </a:tblPr>
               <a:tblGrid>
-                <a:gridCol w="3013914"/>
+                <a:gridCol w="3013914">
+                  <a:extLst>
+                    <a:ext uri="{9D8B030D-6E8A-4147-A177-3AD203B41FA5}">
+                      <a16:colId xmlns:a16="http://schemas.microsoft.com/office/drawing/2014/main" val="20000"/>
+                    </a:ext>
+                  </a:extLst>
+                </a:gridCol>
               </a:tblGrid>
               <a:tr h="370840">
                 <a:tc>
@@ -5950,6 +6350,11 @@
                   </a:txBody>
                   <a:tcPr/>
                 </a:tc>
+                <a:extLst>
+                  <a:ext uri="{0D108BD9-81ED-4DB2-BD59-A6C34878D82A}">
+                    <a16:rowId xmlns:a16="http://schemas.microsoft.com/office/drawing/2014/main" val="10000"/>
+                  </a:ext>
+                </a:extLst>
               </a:tr>
               <a:tr h="370840">
                 <a:tc>
@@ -5982,6 +6387,11 @@
                   </a:txBody>
                   <a:tcPr/>
                 </a:tc>
+                <a:extLst>
+                  <a:ext uri="{0D108BD9-81ED-4DB2-BD59-A6C34878D82A}">
+                    <a16:rowId xmlns:a16="http://schemas.microsoft.com/office/drawing/2014/main" val="10001"/>
+                  </a:ext>
+                </a:extLst>
               </a:tr>
               <a:tr h="370840">
                 <a:tc>
@@ -6017,6 +6427,11 @@
                   </a:txBody>
                   <a:tcPr/>
                 </a:tc>
+                <a:extLst>
+                  <a:ext uri="{0D108BD9-81ED-4DB2-BD59-A6C34878D82A}">
+                    <a16:rowId xmlns:a16="http://schemas.microsoft.com/office/drawing/2014/main" val="10002"/>
+                  </a:ext>
+                </a:extLst>
               </a:tr>
               <a:tr h="370840">
                 <a:tc>
@@ -6049,6 +6464,11 @@
                   </a:txBody>
                   <a:tcPr/>
                 </a:tc>
+                <a:extLst>
+                  <a:ext uri="{0D108BD9-81ED-4DB2-BD59-A6C34878D82A}">
+                    <a16:rowId xmlns:a16="http://schemas.microsoft.com/office/drawing/2014/main" val="10003"/>
+                  </a:ext>
+                </a:extLst>
               </a:tr>
               <a:tr h="370840">
                 <a:tc>
@@ -6081,6 +6501,11 @@
                   </a:txBody>
                   <a:tcPr/>
                 </a:tc>
+                <a:extLst>
+                  <a:ext uri="{0D108BD9-81ED-4DB2-BD59-A6C34878D82A}">
+                    <a16:rowId xmlns:a16="http://schemas.microsoft.com/office/drawing/2014/main" val="10004"/>
+                  </a:ext>
+                </a:extLst>
               </a:tr>
               <a:tr h="370840">
                 <a:tc>
@@ -6113,6 +6538,11 @@
                   </a:txBody>
                   <a:tcPr/>
                 </a:tc>
+                <a:extLst>
+                  <a:ext uri="{0D108BD9-81ED-4DB2-BD59-A6C34878D82A}">
+                    <a16:rowId xmlns:a16="http://schemas.microsoft.com/office/drawing/2014/main" val="10005"/>
+                  </a:ext>
+                </a:extLst>
               </a:tr>
               <a:tr h="370840">
                 <a:tc>
@@ -6157,6 +6587,11 @@
                   </a:txBody>
                   <a:tcPr/>
                 </a:tc>
+                <a:extLst>
+                  <a:ext uri="{0D108BD9-81ED-4DB2-BD59-A6C34878D82A}">
+                    <a16:rowId xmlns:a16="http://schemas.microsoft.com/office/drawing/2014/main" val="10006"/>
+                  </a:ext>
+                </a:extLst>
               </a:tr>
               <a:tr h="370840">
                 <a:tc>
@@ -6209,6 +6644,11 @@
                   </a:txBody>
                   <a:tcPr/>
                 </a:tc>
+                <a:extLst>
+                  <a:ext uri="{0D108BD9-81ED-4DB2-BD59-A6C34878D82A}">
+                    <a16:rowId xmlns:a16="http://schemas.microsoft.com/office/drawing/2014/main" val="10007"/>
+                  </a:ext>
+                </a:extLst>
               </a:tr>
               <a:tr h="370840">
                 <a:tc>
@@ -6249,6 +6689,11 @@
                   </a:txBody>
                   <a:tcPr/>
                 </a:tc>
+                <a:extLst>
+                  <a:ext uri="{0D108BD9-81ED-4DB2-BD59-A6C34878D82A}">
+                    <a16:rowId xmlns:a16="http://schemas.microsoft.com/office/drawing/2014/main" val="10008"/>
+                  </a:ext>
+                </a:extLst>
               </a:tr>
             </a:tbl>
           </a:graphicData>
@@ -6279,7 +6724,13 @@
                 <a:tableStyleId>{7E9639D4-E3E2-4D34-9284-5A2195B3D0D7}</a:tableStyleId>
               </a:tblPr>
               <a:tblGrid>
-                <a:gridCol w="2767264"/>
+                <a:gridCol w="2767264">
+                  <a:extLst>
+                    <a:ext uri="{9D8B030D-6E8A-4147-A177-3AD203B41FA5}">
+                      <a16:colId xmlns:a16="http://schemas.microsoft.com/office/drawing/2014/main" val="20000"/>
+                    </a:ext>
+                  </a:extLst>
+                </a:gridCol>
               </a:tblGrid>
               <a:tr h="370840">
                 <a:tc>
@@ -6305,6 +6756,11 @@
                   </a:txBody>
                   <a:tcPr/>
                 </a:tc>
+                <a:extLst>
+                  <a:ext uri="{0D108BD9-81ED-4DB2-BD59-A6C34878D82A}">
+                    <a16:rowId xmlns:a16="http://schemas.microsoft.com/office/drawing/2014/main" val="10000"/>
+                  </a:ext>
+                </a:extLst>
               </a:tr>
               <a:tr h="370840">
                 <a:tc>
@@ -6337,6 +6793,11 @@
                   </a:txBody>
                   <a:tcPr/>
                 </a:tc>
+                <a:extLst>
+                  <a:ext uri="{0D108BD9-81ED-4DB2-BD59-A6C34878D82A}">
+                    <a16:rowId xmlns:a16="http://schemas.microsoft.com/office/drawing/2014/main" val="10001"/>
+                  </a:ext>
+                </a:extLst>
               </a:tr>
               <a:tr h="370840">
                 <a:tc>
@@ -6369,6 +6830,11 @@
                   </a:txBody>
                   <a:tcPr/>
                 </a:tc>
+                <a:extLst>
+                  <a:ext uri="{0D108BD9-81ED-4DB2-BD59-A6C34878D82A}">
+                    <a16:rowId xmlns:a16="http://schemas.microsoft.com/office/drawing/2014/main" val="10002"/>
+                  </a:ext>
+                </a:extLst>
               </a:tr>
               <a:tr h="370840">
                 <a:tc>
@@ -6413,6 +6879,11 @@
                   </a:txBody>
                   <a:tcPr/>
                 </a:tc>
+                <a:extLst>
+                  <a:ext uri="{0D108BD9-81ED-4DB2-BD59-A6C34878D82A}">
+                    <a16:rowId xmlns:a16="http://schemas.microsoft.com/office/drawing/2014/main" val="10003"/>
+                  </a:ext>
+                </a:extLst>
               </a:tr>
               <a:tr h="370840">
                 <a:tc>
@@ -6457,6 +6928,11 @@
                   </a:txBody>
                   <a:tcPr/>
                 </a:tc>
+                <a:extLst>
+                  <a:ext uri="{0D108BD9-81ED-4DB2-BD59-A6C34878D82A}">
+                    <a16:rowId xmlns:a16="http://schemas.microsoft.com/office/drawing/2014/main" val="10004"/>
+                  </a:ext>
+                </a:extLst>
               </a:tr>
               <a:tr h="370840">
                 <a:tc>
@@ -6501,6 +6977,11 @@
                   </a:txBody>
                   <a:tcPr/>
                 </a:tc>
+                <a:extLst>
+                  <a:ext uri="{0D108BD9-81ED-4DB2-BD59-A6C34878D82A}">
+                    <a16:rowId xmlns:a16="http://schemas.microsoft.com/office/drawing/2014/main" val="10005"/>
+                  </a:ext>
+                </a:extLst>
               </a:tr>
               <a:tr h="370840">
                 <a:tc>
@@ -6533,6 +7014,11 @@
                   </a:txBody>
                   <a:tcPr/>
                 </a:tc>
+                <a:extLst>
+                  <a:ext uri="{0D108BD9-81ED-4DB2-BD59-A6C34878D82A}">
+                    <a16:rowId xmlns:a16="http://schemas.microsoft.com/office/drawing/2014/main" val="10006"/>
+                  </a:ext>
+                </a:extLst>
               </a:tr>
               <a:tr h="370840">
                 <a:tc>
@@ -6577,6 +7063,11 @@
                   </a:txBody>
                   <a:tcPr/>
                 </a:tc>
+                <a:extLst>
+                  <a:ext uri="{0D108BD9-81ED-4DB2-BD59-A6C34878D82A}">
+                    <a16:rowId xmlns:a16="http://schemas.microsoft.com/office/drawing/2014/main" val="10007"/>
+                  </a:ext>
+                </a:extLst>
               </a:tr>
               <a:tr h="370840">
                 <a:tc>
@@ -6621,6 +7112,11 @@
                   </a:txBody>
                   <a:tcPr/>
                 </a:tc>
+                <a:extLst>
+                  <a:ext uri="{0D108BD9-81ED-4DB2-BD59-A6C34878D82A}">
+                    <a16:rowId xmlns:a16="http://schemas.microsoft.com/office/drawing/2014/main" val="10008"/>
+                  </a:ext>
+                </a:extLst>
               </a:tr>
               <a:tr h="370840">
                 <a:tc>
@@ -6656,6 +7152,11 @@
                   </a:txBody>
                   <a:tcPr/>
                 </a:tc>
+                <a:extLst>
+                  <a:ext uri="{0D108BD9-81ED-4DB2-BD59-A6C34878D82A}">
+                    <a16:rowId xmlns:a16="http://schemas.microsoft.com/office/drawing/2014/main" val="10009"/>
+                  </a:ext>
+                </a:extLst>
               </a:tr>
               <a:tr h="370840">
                 <a:tc>
@@ -6691,6 +7192,11 @@
                   </a:txBody>
                   <a:tcPr/>
                 </a:tc>
+                <a:extLst>
+                  <a:ext uri="{0D108BD9-81ED-4DB2-BD59-A6C34878D82A}">
+                    <a16:rowId xmlns:a16="http://schemas.microsoft.com/office/drawing/2014/main" val="10010"/>
+                  </a:ext>
+                </a:extLst>
               </a:tr>
               <a:tr h="370840">
                 <a:tc>
@@ -6731,6 +7237,11 @@
                   </a:txBody>
                   <a:tcPr/>
                 </a:tc>
+                <a:extLst>
+                  <a:ext uri="{0D108BD9-81ED-4DB2-BD59-A6C34878D82A}">
+                    <a16:rowId xmlns:a16="http://schemas.microsoft.com/office/drawing/2014/main" val="10011"/>
+                  </a:ext>
+                </a:extLst>
               </a:tr>
             </a:tbl>
           </a:graphicData>
@@ -6761,7 +7272,13 @@
                 <a:tableStyleId>{7E9639D4-E3E2-4D34-9284-5A2195B3D0D7}</a:tableStyleId>
               </a:tblPr>
               <a:tblGrid>
-                <a:gridCol w="2872539"/>
+                <a:gridCol w="2872539">
+                  <a:extLst>
+                    <a:ext uri="{9D8B030D-6E8A-4147-A177-3AD203B41FA5}">
+                      <a16:colId xmlns:a16="http://schemas.microsoft.com/office/drawing/2014/main" val="20000"/>
+                    </a:ext>
+                  </a:extLst>
+                </a:gridCol>
               </a:tblGrid>
               <a:tr h="370840">
                 <a:tc>
@@ -6787,6 +7304,11 @@
                   </a:txBody>
                   <a:tcPr/>
                 </a:tc>
+                <a:extLst>
+                  <a:ext uri="{0D108BD9-81ED-4DB2-BD59-A6C34878D82A}">
+                    <a16:rowId xmlns:a16="http://schemas.microsoft.com/office/drawing/2014/main" val="10000"/>
+                  </a:ext>
+                </a:extLst>
               </a:tr>
               <a:tr h="370840">
                 <a:tc>
@@ -6819,6 +7341,11 @@
                   </a:txBody>
                   <a:tcPr/>
                 </a:tc>
+                <a:extLst>
+                  <a:ext uri="{0D108BD9-81ED-4DB2-BD59-A6C34878D82A}">
+                    <a16:rowId xmlns:a16="http://schemas.microsoft.com/office/drawing/2014/main" val="10001"/>
+                  </a:ext>
+                </a:extLst>
               </a:tr>
               <a:tr h="370840">
                 <a:tc>
@@ -6863,6 +7390,11 @@
                   </a:txBody>
                   <a:tcPr/>
                 </a:tc>
+                <a:extLst>
+                  <a:ext uri="{0D108BD9-81ED-4DB2-BD59-A6C34878D82A}">
+                    <a16:rowId xmlns:a16="http://schemas.microsoft.com/office/drawing/2014/main" val="10002"/>
+                  </a:ext>
+                </a:extLst>
               </a:tr>
               <a:tr h="370840">
                 <a:tc>
@@ -6883,6 +7415,11 @@
                   </a:txBody>
                   <a:tcPr/>
                 </a:tc>
+                <a:extLst>
+                  <a:ext uri="{0D108BD9-81ED-4DB2-BD59-A6C34878D82A}">
+                    <a16:rowId xmlns:a16="http://schemas.microsoft.com/office/drawing/2014/main" val="10003"/>
+                  </a:ext>
+                </a:extLst>
               </a:tr>
               <a:tr h="370840">
                 <a:tc>
@@ -6903,6 +7440,11 @@
                   </a:txBody>
                   <a:tcPr/>
                 </a:tc>
+                <a:extLst>
+                  <a:ext uri="{0D108BD9-81ED-4DB2-BD59-A6C34878D82A}">
+                    <a16:rowId xmlns:a16="http://schemas.microsoft.com/office/drawing/2014/main" val="10004"/>
+                  </a:ext>
+                </a:extLst>
               </a:tr>
               <a:tr h="370840">
                 <a:tc>
@@ -6923,6 +7465,11 @@
                   </a:txBody>
                   <a:tcPr/>
                 </a:tc>
+                <a:extLst>
+                  <a:ext uri="{0D108BD9-81ED-4DB2-BD59-A6C34878D82A}">
+                    <a16:rowId xmlns:a16="http://schemas.microsoft.com/office/drawing/2014/main" val="10005"/>
+                  </a:ext>
+                </a:extLst>
               </a:tr>
               <a:tr h="370840">
                 <a:tc>
@@ -6943,6 +7490,11 @@
                   </a:txBody>
                   <a:tcPr/>
                 </a:tc>
+                <a:extLst>
+                  <a:ext uri="{0D108BD9-81ED-4DB2-BD59-A6C34878D82A}">
+                    <a16:rowId xmlns:a16="http://schemas.microsoft.com/office/drawing/2014/main" val="10006"/>
+                  </a:ext>
+                </a:extLst>
               </a:tr>
               <a:tr h="370840">
                 <a:tc>
@@ -6980,6 +7532,11 @@
                   </a:txBody>
                   <a:tcPr/>
                 </a:tc>
+                <a:extLst>
+                  <a:ext uri="{0D108BD9-81ED-4DB2-BD59-A6C34878D82A}">
+                    <a16:rowId xmlns:a16="http://schemas.microsoft.com/office/drawing/2014/main" val="10007"/>
+                  </a:ext>
+                </a:extLst>
               </a:tr>
               <a:tr h="370840">
                 <a:tc>
@@ -7017,6 +7574,11 @@
                   </a:txBody>
                   <a:tcPr/>
                 </a:tc>
+                <a:extLst>
+                  <a:ext uri="{0D108BD9-81ED-4DB2-BD59-A6C34878D82A}">
+                    <a16:rowId xmlns:a16="http://schemas.microsoft.com/office/drawing/2014/main" val="10008"/>
+                  </a:ext>
+                </a:extLst>
               </a:tr>
             </a:tbl>
           </a:graphicData>
@@ -7343,7 +7905,7 @@
         </p:blipFill>
         <p:spPr>
           <a:xfrm>
-            <a:off x="5354051" y="123031"/>
+            <a:off x="5354051" y="190143"/>
             <a:ext cx="2651140" cy="2315755"/>
           </a:xfrm>
           <a:prstGeom prst="rect">
@@ -7534,6 +8096,2139 @@
     <p:extLst>
       <p:ext uri="{BB962C8B-B14F-4D97-AF65-F5344CB8AC3E}">
         <p14:creationId xmlns:p14="http://schemas.microsoft.com/office/powerpoint/2010/main" val="2962478389"/>
+      </p:ext>
+    </p:extLst>
+  </p:cSld>
+  <p:clrMapOvr>
+    <a:masterClrMapping/>
+  </p:clrMapOvr>
+</p:sld>
+</file>
+
+<file path=ppt/slides/slide5.xml><?xml version="1.0" encoding="utf-8"?>
+<p:sld xmlns:a="http://schemas.openxmlformats.org/drawingml/2006/main" xmlns:r="http://schemas.openxmlformats.org/officeDocument/2006/relationships" xmlns:p="http://schemas.openxmlformats.org/presentationml/2006/main">
+  <p:cSld>
+    <p:spTree>
+      <p:nvGrpSpPr>
+        <p:cNvPr id="1" name=""/>
+        <p:cNvGrpSpPr/>
+        <p:nvPr/>
+      </p:nvGrpSpPr>
+      <p:grpSpPr>
+        <a:xfrm>
+          <a:off x="0" y="0"/>
+          <a:ext cx="0" cy="0"/>
+          <a:chOff x="0" y="0"/>
+          <a:chExt cx="0" cy="0"/>
+        </a:xfrm>
+      </p:grpSpPr>
+      <p:sp>
+        <p:nvSpPr>
+          <p:cNvPr id="22" name="직사각형 21"/>
+          <p:cNvSpPr/>
+          <p:nvPr/>
+        </p:nvSpPr>
+        <p:spPr>
+          <a:xfrm>
+            <a:off x="171450" y="63500"/>
+            <a:ext cx="12020550" cy="6635750"/>
+          </a:xfrm>
+          <a:prstGeom prst="rect">
+            <a:avLst/>
+          </a:prstGeom>
+          <a:solidFill>
+            <a:schemeClr val="bg1"/>
+          </a:solidFill>
+          <a:ln>
+            <a:noFill/>
+          </a:ln>
+        </p:spPr>
+        <p:style>
+          <a:lnRef idx="2">
+            <a:schemeClr val="accent1">
+              <a:shade val="50000"/>
+            </a:schemeClr>
+          </a:lnRef>
+          <a:fillRef idx="1">
+            <a:schemeClr val="accent1"/>
+          </a:fillRef>
+          <a:effectRef idx="0">
+            <a:schemeClr val="accent1"/>
+          </a:effectRef>
+          <a:fontRef idx="minor">
+            <a:schemeClr val="lt1"/>
+          </a:fontRef>
+        </p:style>
+        <p:txBody>
+          <a:bodyPr rtlCol="0" anchor="ctr"/>
+          <a:lstStyle/>
+          <a:p>
+            <a:pPr algn="ctr"/>
+            <a:endParaRPr lang="ko-KR" altLang="en-US"/>
+          </a:p>
+        </p:txBody>
+      </p:sp>
+      <p:graphicFrame>
+        <p:nvGraphicFramePr>
+          <p:cNvPr id="4" name="표 3"/>
+          <p:cNvGraphicFramePr>
+            <a:graphicFrameLocks noGrp="1"/>
+          </p:cNvGraphicFramePr>
+          <p:nvPr/>
+        </p:nvGraphicFramePr>
+        <p:xfrm>
+          <a:off x="902366" y="156291"/>
+          <a:ext cx="2538661" cy="2225040"/>
+        </p:xfrm>
+        <a:graphic>
+          <a:graphicData uri="http://schemas.openxmlformats.org/drawingml/2006/table">
+            <a:tbl>
+              <a:tblPr firstRow="1" bandRow="1">
+                <a:tableStyleId>{7E9639D4-E3E2-4D34-9284-5A2195B3D0D7}</a:tableStyleId>
+              </a:tblPr>
+              <a:tblGrid>
+                <a:gridCol w="2538661">
+                  <a:extLst>
+                    <a:ext uri="{9D8B030D-6E8A-4147-A177-3AD203B41FA5}">
+                      <a16:colId xmlns:a16="http://schemas.microsoft.com/office/drawing/2014/main" val="20000"/>
+                    </a:ext>
+                  </a:extLst>
+                </a:gridCol>
+              </a:tblGrid>
+              <a:tr h="370840">
+                <a:tc>
+                  <a:txBody>
+                    <a:bodyPr/>
+                    <a:lstStyle/>
+                    <a:p>
+                      <a:pPr latinLnBrk="1"/>
+                      <a:r>
+                        <a:rPr lang="en-US" altLang="ko-KR" dirty="0" err="1" smtClean="0"/>
+                        <a:t>igem_team</a:t>
+                      </a:r>
+                      <a:endParaRPr lang="ko-KR" altLang="en-US" dirty="0"/>
+                    </a:p>
+                  </a:txBody>
+                  <a:tcPr/>
+                </a:tc>
+                <a:extLst>
+                  <a:ext uri="{0D108BD9-81ED-4DB2-BD59-A6C34878D82A}">
+                    <a16:rowId xmlns:a16="http://schemas.microsoft.com/office/drawing/2014/main" val="10000"/>
+                  </a:ext>
+                </a:extLst>
+              </a:tr>
+              <a:tr h="370840">
+                <a:tc>
+                  <a:txBody>
+                    <a:bodyPr/>
+                    <a:lstStyle/>
+                    <a:p>
+                      <a:pPr marL="0" marR="0" lvl="0" indent="0" algn="l" defTabSz="914400" rtl="0" eaLnBrk="1" fontAlgn="auto" latinLnBrk="1" hangingPunct="1">
+                        <a:lnSpc>
+                          <a:spcPct val="100000"/>
+                        </a:lnSpc>
+                        <a:spcBef>
+                          <a:spcPts val="0"/>
+                        </a:spcBef>
+                        <a:spcAft>
+                          <a:spcPts val="0"/>
+                        </a:spcAft>
+                        <a:buClrTx/>
+                        <a:buSzTx/>
+                        <a:buFontTx/>
+                        <a:buNone/>
+                        <a:tabLst/>
+                        <a:defRPr/>
+                      </a:pPr>
+                      <a:r>
+                        <a:rPr lang="en-US" altLang="ko-KR" dirty="0" smtClean="0"/>
+                        <a:t>id (character)</a:t>
+                      </a:r>
+                    </a:p>
+                  </a:txBody>
+                  <a:tcPr/>
+                </a:tc>
+                <a:extLst>
+                  <a:ext uri="{0D108BD9-81ED-4DB2-BD59-A6C34878D82A}">
+                    <a16:rowId xmlns:a16="http://schemas.microsoft.com/office/drawing/2014/main" val="10001"/>
+                  </a:ext>
+                </a:extLst>
+              </a:tr>
+              <a:tr h="370840">
+                <a:tc>
+                  <a:txBody>
+                    <a:bodyPr/>
+                    <a:lstStyle/>
+                    <a:p>
+                      <a:pPr marL="0" marR="0" lvl="0" indent="0" algn="l" defTabSz="914400" rtl="0" eaLnBrk="1" fontAlgn="auto" latinLnBrk="1" hangingPunct="1">
+                        <a:lnSpc>
+                          <a:spcPct val="100000"/>
+                        </a:lnSpc>
+                        <a:spcBef>
+                          <a:spcPts val="0"/>
+                        </a:spcBef>
+                        <a:spcAft>
+                          <a:spcPts val="0"/>
+                        </a:spcAft>
+                        <a:buClrTx/>
+                        <a:buSzTx/>
+                        <a:buFontTx/>
+                        <a:buNone/>
+                        <a:tabLst/>
+                        <a:defRPr/>
+                      </a:pPr>
+                      <a:r>
+                        <a:rPr lang="en-US" altLang="ko-KR" dirty="0" err="1" smtClean="0"/>
+                        <a:t>team_name</a:t>
+                      </a:r>
+                      <a:r>
+                        <a:rPr lang="en-US" altLang="ko-KR" dirty="0" smtClean="0"/>
+                        <a:t> (character)</a:t>
+                      </a:r>
+                    </a:p>
+                  </a:txBody>
+                  <a:tcPr/>
+                </a:tc>
+                <a:extLst>
+                  <a:ext uri="{0D108BD9-81ED-4DB2-BD59-A6C34878D82A}">
+                    <a16:rowId xmlns:a16="http://schemas.microsoft.com/office/drawing/2014/main" val="10002"/>
+                  </a:ext>
+                </a:extLst>
+              </a:tr>
+              <a:tr h="370840">
+                <a:tc>
+                  <a:txBody>
+                    <a:bodyPr/>
+                    <a:lstStyle/>
+                    <a:p>
+                      <a:pPr marL="0" marR="0" lvl="0" indent="0" algn="l" defTabSz="914400" rtl="0" eaLnBrk="1" fontAlgn="auto" latinLnBrk="1" hangingPunct="1">
+                        <a:lnSpc>
+                          <a:spcPct val="100000"/>
+                        </a:lnSpc>
+                        <a:spcBef>
+                          <a:spcPts val="0"/>
+                        </a:spcBef>
+                        <a:spcAft>
+                          <a:spcPts val="0"/>
+                        </a:spcAft>
+                        <a:buClrTx/>
+                        <a:buSzTx/>
+                        <a:buFontTx/>
+                        <a:buNone/>
+                        <a:tabLst/>
+                        <a:defRPr/>
+                      </a:pPr>
+                      <a:r>
+                        <a:rPr lang="en-US" altLang="ko-KR" dirty="0" smtClean="0"/>
+                        <a:t>project (character)</a:t>
+                      </a:r>
+                    </a:p>
+                  </a:txBody>
+                  <a:tcPr/>
+                </a:tc>
+                <a:extLst>
+                  <a:ext uri="{0D108BD9-81ED-4DB2-BD59-A6C34878D82A}">
+                    <a16:rowId xmlns:a16="http://schemas.microsoft.com/office/drawing/2014/main" val="10003"/>
+                  </a:ext>
+                </a:extLst>
+              </a:tr>
+              <a:tr h="370840">
+                <a:tc>
+                  <a:txBody>
+                    <a:bodyPr/>
+                    <a:lstStyle/>
+                    <a:p>
+                      <a:pPr marL="0" marR="0" lvl="0" indent="0" algn="l" defTabSz="914400" rtl="0" eaLnBrk="1" fontAlgn="auto" latinLnBrk="1" hangingPunct="1">
+                        <a:lnSpc>
+                          <a:spcPct val="100000"/>
+                        </a:lnSpc>
+                        <a:spcBef>
+                          <a:spcPts val="0"/>
+                        </a:spcBef>
+                        <a:spcAft>
+                          <a:spcPts val="0"/>
+                        </a:spcAft>
+                        <a:buClrTx/>
+                        <a:buSzTx/>
+                        <a:buFontTx/>
+                        <a:buNone/>
+                        <a:tabLst/>
+                        <a:defRPr/>
+                      </a:pPr>
+                      <a:r>
+                        <a:rPr lang="en-US" altLang="ko-KR" dirty="0" smtClean="0"/>
+                        <a:t>year (character)</a:t>
+                      </a:r>
+                    </a:p>
+                  </a:txBody>
+                  <a:tcPr/>
+                </a:tc>
+                <a:extLst>
+                  <a:ext uri="{0D108BD9-81ED-4DB2-BD59-A6C34878D82A}">
+                    <a16:rowId xmlns:a16="http://schemas.microsoft.com/office/drawing/2014/main" val="10004"/>
+                  </a:ext>
+                </a:extLst>
+              </a:tr>
+              <a:tr h="370840">
+                <a:tc>
+                  <a:txBody>
+                    <a:bodyPr/>
+                    <a:lstStyle/>
+                    <a:p>
+                      <a:pPr marL="0" marR="0" lvl="0" indent="0" algn="l" defTabSz="914400" rtl="0" eaLnBrk="1" fontAlgn="auto" latinLnBrk="1" hangingPunct="1">
+                        <a:lnSpc>
+                          <a:spcPct val="100000"/>
+                        </a:lnSpc>
+                        <a:spcBef>
+                          <a:spcPts val="0"/>
+                        </a:spcBef>
+                        <a:spcAft>
+                          <a:spcPts val="0"/>
+                        </a:spcAft>
+                        <a:buClrTx/>
+                        <a:buSzTx/>
+                        <a:buFontTx/>
+                        <a:buNone/>
+                        <a:tabLst/>
+                        <a:defRPr/>
+                      </a:pPr>
+                      <a:r>
+                        <a:rPr lang="en-US" altLang="ko-KR" dirty="0" smtClean="0"/>
+                        <a:t>wiki (character)</a:t>
+                      </a:r>
+                    </a:p>
+                  </a:txBody>
+                  <a:tcPr/>
+                </a:tc>
+                <a:extLst>
+                  <a:ext uri="{0D108BD9-81ED-4DB2-BD59-A6C34878D82A}">
+                    <a16:rowId xmlns:a16="http://schemas.microsoft.com/office/drawing/2014/main" val="10005"/>
+                  </a:ext>
+                </a:extLst>
+              </a:tr>
+            </a:tbl>
+          </a:graphicData>
+        </a:graphic>
+      </p:graphicFrame>
+      <p:graphicFrame>
+        <p:nvGraphicFramePr>
+          <p:cNvPr id="5" name="표 4"/>
+          <p:cNvGraphicFramePr>
+            <a:graphicFrameLocks noGrp="1"/>
+          </p:cNvGraphicFramePr>
+          <p:nvPr>
+            <p:extLst>
+              <p:ext uri="{D42A27DB-BD31-4B8C-83A1-F6EECF244321}">
+                <p14:modId xmlns:p14="http://schemas.microsoft.com/office/powerpoint/2010/main" val="2000901382"/>
+              </p:ext>
+            </p:extLst>
+          </p:nvPr>
+        </p:nvGraphicFramePr>
+        <p:xfrm>
+          <a:off x="811240" y="3112449"/>
+          <a:ext cx="3013914" cy="3337560"/>
+        </p:xfrm>
+        <a:graphic>
+          <a:graphicData uri="http://schemas.openxmlformats.org/drawingml/2006/table">
+            <a:tbl>
+              <a:tblPr firstRow="1" bandRow="1">
+                <a:tableStyleId>{7E9639D4-E3E2-4D34-9284-5A2195B3D0D7}</a:tableStyleId>
+              </a:tblPr>
+              <a:tblGrid>
+                <a:gridCol w="3013914">
+                  <a:extLst>
+                    <a:ext uri="{9D8B030D-6E8A-4147-A177-3AD203B41FA5}">
+                      <a16:colId xmlns:a16="http://schemas.microsoft.com/office/drawing/2014/main" val="20000"/>
+                    </a:ext>
+                  </a:extLst>
+                </a:gridCol>
+              </a:tblGrid>
+              <a:tr h="370840">
+                <a:tc>
+                  <a:txBody>
+                    <a:bodyPr/>
+                    <a:lstStyle/>
+                    <a:p>
+                      <a:pPr latinLnBrk="1"/>
+                      <a:r>
+                        <a:rPr lang="en-US" altLang="ko-KR" sz="1800" b="0" i="0" kern="1200" dirty="0" err="1" smtClean="0">
+                          <a:solidFill>
+                            <a:schemeClr val="bg1"/>
+                          </a:solidFill>
+                          <a:effectLst/>
+                          <a:latin typeface="+mn-lt"/>
+                          <a:ea typeface="+mn-ea"/>
+                          <a:cs typeface="+mn-cs"/>
+                        </a:rPr>
+                        <a:t>igem_part</a:t>
+                      </a:r>
+                      <a:endParaRPr lang="ko-KR" altLang="en-US" dirty="0"/>
+                    </a:p>
+                  </a:txBody>
+                  <a:tcPr/>
+                </a:tc>
+                <a:extLst>
+                  <a:ext uri="{0D108BD9-81ED-4DB2-BD59-A6C34878D82A}">
+                    <a16:rowId xmlns:a16="http://schemas.microsoft.com/office/drawing/2014/main" val="10000"/>
+                  </a:ext>
+                </a:extLst>
+              </a:tr>
+              <a:tr h="370840">
+                <a:tc>
+                  <a:txBody>
+                    <a:bodyPr/>
+                    <a:lstStyle/>
+                    <a:p>
+                      <a:pPr marL="0" marR="0" lvl="0" indent="0" algn="l" defTabSz="914400" rtl="0" eaLnBrk="1" fontAlgn="auto" latinLnBrk="1" hangingPunct="1">
+                        <a:lnSpc>
+                          <a:spcPct val="100000"/>
+                        </a:lnSpc>
+                        <a:spcBef>
+                          <a:spcPts val="0"/>
+                        </a:spcBef>
+                        <a:spcAft>
+                          <a:spcPts val="0"/>
+                        </a:spcAft>
+                        <a:buClrTx/>
+                        <a:buSzTx/>
+                        <a:buFontTx/>
+                        <a:buNone/>
+                        <a:tabLst/>
+                        <a:defRPr/>
+                      </a:pPr>
+                      <a:r>
+                        <a:rPr lang="en-US" altLang="ko-KR" dirty="0" smtClean="0"/>
+                        <a:t>id (character)</a:t>
+                      </a:r>
+                    </a:p>
+                  </a:txBody>
+                  <a:tcPr/>
+                </a:tc>
+                <a:extLst>
+                  <a:ext uri="{0D108BD9-81ED-4DB2-BD59-A6C34878D82A}">
+                    <a16:rowId xmlns:a16="http://schemas.microsoft.com/office/drawing/2014/main" val="10001"/>
+                  </a:ext>
+                </a:extLst>
+              </a:tr>
+              <a:tr h="370840">
+                <a:tc>
+                  <a:txBody>
+                    <a:bodyPr/>
+                    <a:lstStyle/>
+                    <a:p>
+                      <a:r>
+                        <a:rPr lang="en-US" altLang="ko-KR" sz="1800" b="0" i="0" kern="1200" dirty="0" err="1" smtClean="0">
+                          <a:solidFill>
+                            <a:schemeClr val="tx1"/>
+                          </a:solidFill>
+                          <a:effectLst/>
+                          <a:latin typeface="+mn-lt"/>
+                          <a:ea typeface="+mn-ea"/>
+                          <a:cs typeface="+mn-cs"/>
+                        </a:rPr>
+                        <a:t>BBid</a:t>
+                      </a:r>
+                      <a:r>
+                        <a:rPr lang="en-US" altLang="ko-KR" sz="1800" b="0" i="0" kern="1200" dirty="0" smtClean="0">
+                          <a:solidFill>
+                            <a:schemeClr val="tx1"/>
+                          </a:solidFill>
+                          <a:effectLst/>
+                          <a:latin typeface="+mn-lt"/>
+                          <a:ea typeface="+mn-ea"/>
+                          <a:cs typeface="+mn-cs"/>
+                        </a:rPr>
+                        <a:t> (character)</a:t>
+                      </a:r>
+                    </a:p>
+                  </a:txBody>
+                  <a:tcPr/>
+                </a:tc>
+                <a:extLst>
+                  <a:ext uri="{0D108BD9-81ED-4DB2-BD59-A6C34878D82A}">
+                    <a16:rowId xmlns:a16="http://schemas.microsoft.com/office/drawing/2014/main" val="10002"/>
+                  </a:ext>
+                </a:extLst>
+              </a:tr>
+              <a:tr h="370840">
+                <a:tc>
+                  <a:txBody>
+                    <a:bodyPr/>
+                    <a:lstStyle/>
+                    <a:p>
+                      <a:r>
+                        <a:rPr lang="en-US" altLang="ko-KR" sz="1800" b="0" i="0" kern="1200" dirty="0" smtClean="0">
+                          <a:solidFill>
+                            <a:schemeClr val="tx1"/>
+                          </a:solidFill>
+                          <a:effectLst/>
+                          <a:latin typeface="+mn-lt"/>
+                          <a:ea typeface="+mn-ea"/>
+                          <a:cs typeface="+mn-cs"/>
+                        </a:rPr>
+                        <a:t>type (character)</a:t>
+                      </a:r>
+                      <a:endParaRPr lang="en-US" altLang="ko-KR" sz="1800" b="0" i="0" kern="1200" dirty="0">
+                        <a:solidFill>
+                          <a:schemeClr val="tx1"/>
+                        </a:solidFill>
+                        <a:effectLst/>
+                        <a:latin typeface="+mn-lt"/>
+                        <a:ea typeface="+mn-ea"/>
+                        <a:cs typeface="+mn-cs"/>
+                      </a:endParaRPr>
+                    </a:p>
+                  </a:txBody>
+                  <a:tcPr/>
+                </a:tc>
+                <a:extLst>
+                  <a:ext uri="{0D108BD9-81ED-4DB2-BD59-A6C34878D82A}">
+                    <a16:rowId xmlns:a16="http://schemas.microsoft.com/office/drawing/2014/main" val="10003"/>
+                  </a:ext>
+                </a:extLst>
+              </a:tr>
+              <a:tr h="370840">
+                <a:tc>
+                  <a:txBody>
+                    <a:bodyPr/>
+                    <a:lstStyle/>
+                    <a:p>
+                      <a:r>
+                        <a:rPr lang="en-US" altLang="ko-KR" sz="1800" b="0" i="0" kern="1200" dirty="0" smtClean="0">
+                          <a:solidFill>
+                            <a:schemeClr val="tx1"/>
+                          </a:solidFill>
+                          <a:effectLst/>
+                          <a:latin typeface="+mn-lt"/>
+                          <a:ea typeface="+mn-ea"/>
+                          <a:cs typeface="+mn-cs"/>
+                        </a:rPr>
+                        <a:t>link (character)</a:t>
+                      </a:r>
+                      <a:endParaRPr lang="en-US" altLang="ko-KR" sz="1800" b="0" i="0" kern="1200" dirty="0">
+                        <a:solidFill>
+                          <a:schemeClr val="tx1"/>
+                        </a:solidFill>
+                        <a:effectLst/>
+                        <a:latin typeface="+mn-lt"/>
+                        <a:ea typeface="+mn-ea"/>
+                        <a:cs typeface="+mn-cs"/>
+                      </a:endParaRPr>
+                    </a:p>
+                  </a:txBody>
+                  <a:tcPr/>
+                </a:tc>
+                <a:extLst>
+                  <a:ext uri="{0D108BD9-81ED-4DB2-BD59-A6C34878D82A}">
+                    <a16:rowId xmlns:a16="http://schemas.microsoft.com/office/drawing/2014/main" val="10004"/>
+                  </a:ext>
+                </a:extLst>
+              </a:tr>
+              <a:tr h="370840">
+                <a:tc>
+                  <a:txBody>
+                    <a:bodyPr/>
+                    <a:lstStyle/>
+                    <a:p>
+                      <a:r>
+                        <a:rPr lang="en-US" altLang="ko-KR" sz="1800" b="0" i="0" kern="1200" dirty="0" smtClean="0">
+                          <a:solidFill>
+                            <a:schemeClr val="tx1"/>
+                          </a:solidFill>
+                          <a:effectLst/>
+                          <a:latin typeface="+mn-lt"/>
+                          <a:ea typeface="+mn-ea"/>
+                          <a:cs typeface="+mn-cs"/>
+                        </a:rPr>
+                        <a:t>backbone (character)</a:t>
+                      </a:r>
+                      <a:endParaRPr lang="en-US" altLang="ko-KR" sz="1800" b="0" i="0" kern="1200" dirty="0">
+                        <a:solidFill>
+                          <a:schemeClr val="tx1"/>
+                        </a:solidFill>
+                        <a:effectLst/>
+                        <a:latin typeface="+mn-lt"/>
+                        <a:ea typeface="+mn-ea"/>
+                        <a:cs typeface="+mn-cs"/>
+                      </a:endParaRPr>
+                    </a:p>
+                  </a:txBody>
+                  <a:tcPr/>
+                </a:tc>
+                <a:extLst>
+                  <a:ext uri="{0D108BD9-81ED-4DB2-BD59-A6C34878D82A}">
+                    <a16:rowId xmlns:a16="http://schemas.microsoft.com/office/drawing/2014/main" val="10005"/>
+                  </a:ext>
+                </a:extLst>
+              </a:tr>
+              <a:tr h="370840">
+                <a:tc>
+                  <a:txBody>
+                    <a:bodyPr/>
+                    <a:lstStyle/>
+                    <a:p>
+                      <a:r>
+                        <a:rPr lang="en-US" altLang="ko-KR" sz="1800" b="0" i="0" strike="noStrike" kern="1200" dirty="0" err="1" smtClean="0">
+                          <a:solidFill>
+                            <a:srgbClr val="FF0000"/>
+                          </a:solidFill>
+                          <a:effectLst/>
+                          <a:latin typeface="+mn-lt"/>
+                          <a:ea typeface="+mn-ea"/>
+                          <a:cs typeface="+mn-cs"/>
+                        </a:rPr>
+                        <a:t>device_id</a:t>
+                      </a:r>
+                      <a:r>
+                        <a:rPr lang="en-US" altLang="ko-KR" sz="1800" b="0" i="0" strike="noStrike" kern="1200" dirty="0" smtClean="0">
+                          <a:solidFill>
+                            <a:srgbClr val="FF0000"/>
+                          </a:solidFill>
+                          <a:effectLst/>
+                          <a:latin typeface="+mn-lt"/>
+                          <a:ea typeface="+mn-ea"/>
+                          <a:cs typeface="+mn-cs"/>
+                        </a:rPr>
+                        <a:t> </a:t>
+                      </a:r>
+                      <a:r>
+                        <a:rPr lang="en-US" altLang="ko-KR" sz="1800" b="0" i="0" strike="noStrike" kern="1200" dirty="0" smtClean="0">
+                          <a:solidFill>
+                            <a:srgbClr val="FF0000"/>
+                          </a:solidFill>
+                          <a:effectLst/>
+                          <a:latin typeface="+mn-lt"/>
+                          <a:ea typeface="+mn-ea"/>
+                          <a:cs typeface="+mn-cs"/>
+                        </a:rPr>
+                        <a:t>(character)</a:t>
+                      </a:r>
+                      <a:endParaRPr lang="en-US" altLang="ko-KR" sz="1800" b="0" i="0" strike="noStrike" kern="1200" dirty="0">
+                        <a:solidFill>
+                          <a:srgbClr val="FF0000"/>
+                        </a:solidFill>
+                        <a:effectLst/>
+                        <a:latin typeface="+mn-lt"/>
+                        <a:ea typeface="+mn-ea"/>
+                        <a:cs typeface="+mn-cs"/>
+                      </a:endParaRPr>
+                    </a:p>
+                  </a:txBody>
+                  <a:tcPr/>
+                </a:tc>
+                <a:extLst>
+                  <a:ext uri="{0D108BD9-81ED-4DB2-BD59-A6C34878D82A}">
+                    <a16:rowId xmlns:a16="http://schemas.microsoft.com/office/drawing/2014/main" val="10006"/>
+                  </a:ext>
+                </a:extLst>
+              </a:tr>
+              <a:tr h="370840">
+                <a:tc>
+                  <a:txBody>
+                    <a:bodyPr/>
+                    <a:lstStyle/>
+                    <a:p>
+                      <a:pPr marL="0" marR="0" lvl="0" indent="0" algn="l" defTabSz="914400" rtl="0" eaLnBrk="1" fontAlgn="auto" latinLnBrk="1" hangingPunct="1">
+                        <a:lnSpc>
+                          <a:spcPct val="100000"/>
+                        </a:lnSpc>
+                        <a:spcBef>
+                          <a:spcPts val="0"/>
+                        </a:spcBef>
+                        <a:spcAft>
+                          <a:spcPts val="0"/>
+                        </a:spcAft>
+                        <a:buClrTx/>
+                        <a:buSzTx/>
+                        <a:buFontTx/>
+                        <a:buNone/>
+                        <a:tabLst/>
+                        <a:defRPr/>
+                      </a:pPr>
+                      <a:r>
+                        <a:rPr lang="en-US" altLang="ko-KR" sz="1800" b="0" i="0" kern="1200" dirty="0" err="1" smtClean="0">
+                          <a:solidFill>
+                            <a:srgbClr val="FF0000"/>
+                          </a:solidFill>
+                          <a:effectLst/>
+                          <a:latin typeface="+mn-lt"/>
+                          <a:ea typeface="+mn-ea"/>
+                          <a:cs typeface="+mn-cs"/>
+                        </a:rPr>
+                        <a:t>team_id</a:t>
+                      </a:r>
+                      <a:r>
+                        <a:rPr lang="en-US" altLang="ko-KR" sz="1800" b="0" i="0" kern="1200" dirty="0" smtClean="0">
+                          <a:solidFill>
+                            <a:srgbClr val="FF0000"/>
+                          </a:solidFill>
+                          <a:effectLst/>
+                          <a:latin typeface="+mn-lt"/>
+                          <a:ea typeface="+mn-ea"/>
+                          <a:cs typeface="+mn-cs"/>
+                        </a:rPr>
+                        <a:t> </a:t>
+                      </a:r>
+                      <a:r>
+                        <a:rPr lang="en-US" altLang="ko-KR" sz="1800" b="0" i="0" kern="1200" dirty="0" smtClean="0">
+                          <a:solidFill>
+                            <a:srgbClr val="FF0000"/>
+                          </a:solidFill>
+                          <a:effectLst/>
+                          <a:latin typeface="+mn-lt"/>
+                          <a:ea typeface="+mn-ea"/>
+                          <a:cs typeface="+mn-cs"/>
+                        </a:rPr>
+                        <a:t>(character)</a:t>
+                      </a:r>
+                    </a:p>
+                  </a:txBody>
+                  <a:tcPr/>
+                </a:tc>
+                <a:extLst>
+                  <a:ext uri="{0D108BD9-81ED-4DB2-BD59-A6C34878D82A}">
+                    <a16:rowId xmlns:a16="http://schemas.microsoft.com/office/drawing/2014/main" val="10007"/>
+                  </a:ext>
+                </a:extLst>
+              </a:tr>
+              <a:tr h="370840">
+                <a:tc>
+                  <a:txBody>
+                    <a:bodyPr/>
+                    <a:lstStyle/>
+                    <a:p>
+                      <a:pPr marL="0" marR="0" lvl="0" indent="0" algn="l" defTabSz="914400" rtl="0" eaLnBrk="1" fontAlgn="auto" latinLnBrk="1" hangingPunct="1">
+                        <a:lnSpc>
+                          <a:spcPct val="100000"/>
+                        </a:lnSpc>
+                        <a:spcBef>
+                          <a:spcPts val="0"/>
+                        </a:spcBef>
+                        <a:spcAft>
+                          <a:spcPts val="0"/>
+                        </a:spcAft>
+                        <a:buClrTx/>
+                        <a:buSzTx/>
+                        <a:buFontTx/>
+                        <a:buNone/>
+                        <a:tabLst/>
+                        <a:defRPr/>
+                      </a:pPr>
+                      <a:r>
+                        <a:rPr lang="en-US" altLang="ko-KR" sz="1800" b="0" i="0" kern="1200" dirty="0" smtClean="0">
+                          <a:solidFill>
+                            <a:schemeClr val="tx1"/>
+                          </a:solidFill>
+                          <a:effectLst/>
+                          <a:latin typeface="+mn-lt"/>
+                          <a:ea typeface="+mn-ea"/>
+                          <a:cs typeface="+mn-cs"/>
+                        </a:rPr>
+                        <a:t>user (character)</a:t>
+                      </a:r>
+                    </a:p>
+                  </a:txBody>
+                  <a:tcPr/>
+                </a:tc>
+                <a:extLst>
+                  <a:ext uri="{0D108BD9-81ED-4DB2-BD59-A6C34878D82A}">
+                    <a16:rowId xmlns:a16="http://schemas.microsoft.com/office/drawing/2014/main" val="10008"/>
+                  </a:ext>
+                </a:extLst>
+              </a:tr>
+            </a:tbl>
+          </a:graphicData>
+        </a:graphic>
+      </p:graphicFrame>
+      <p:graphicFrame>
+        <p:nvGraphicFramePr>
+          <p:cNvPr id="6" name="표 5"/>
+          <p:cNvGraphicFramePr>
+            <a:graphicFrameLocks noGrp="1"/>
+          </p:cNvGraphicFramePr>
+          <p:nvPr>
+            <p:extLst>
+              <p:ext uri="{D42A27DB-BD31-4B8C-83A1-F6EECF244321}">
+                <p14:modId xmlns:p14="http://schemas.microsoft.com/office/powerpoint/2010/main" val="253919083"/>
+              </p:ext>
+            </p:extLst>
+          </p:nvPr>
+        </p:nvGraphicFramePr>
+        <p:xfrm>
+          <a:off x="9336506" y="1455761"/>
+          <a:ext cx="2767264" cy="4450080"/>
+        </p:xfrm>
+        <a:graphic>
+          <a:graphicData uri="http://schemas.openxmlformats.org/drawingml/2006/table">
+            <a:tbl>
+              <a:tblPr firstRow="1" bandRow="1">
+                <a:tableStyleId>{7E9639D4-E3E2-4D34-9284-5A2195B3D0D7}</a:tableStyleId>
+              </a:tblPr>
+              <a:tblGrid>
+                <a:gridCol w="2767264">
+                  <a:extLst>
+                    <a:ext uri="{9D8B030D-6E8A-4147-A177-3AD203B41FA5}">
+                      <a16:colId xmlns:a16="http://schemas.microsoft.com/office/drawing/2014/main" val="20000"/>
+                    </a:ext>
+                  </a:extLst>
+                </a:gridCol>
+              </a:tblGrid>
+              <a:tr h="370840">
+                <a:tc>
+                  <a:txBody>
+                    <a:bodyPr/>
+                    <a:lstStyle/>
+                    <a:p>
+                      <a:pPr latinLnBrk="1"/>
+                      <a:r>
+                        <a:rPr lang="en-US" altLang="ko-KR" sz="1800" b="0" i="0" kern="1200" dirty="0" err="1" smtClean="0">
+                          <a:solidFill>
+                            <a:schemeClr val="bg1"/>
+                          </a:solidFill>
+                          <a:effectLst/>
+                          <a:latin typeface="+mn-lt"/>
+                          <a:ea typeface="+mn-ea"/>
+                          <a:cs typeface="+mn-cs"/>
+                        </a:rPr>
+                        <a:t>igem_obs</a:t>
+                      </a:r>
+                      <a:endParaRPr lang="ko-KR" altLang="en-US" dirty="0"/>
+                    </a:p>
+                  </a:txBody>
+                  <a:tcPr/>
+                </a:tc>
+                <a:extLst>
+                  <a:ext uri="{0D108BD9-81ED-4DB2-BD59-A6C34878D82A}">
+                    <a16:rowId xmlns:a16="http://schemas.microsoft.com/office/drawing/2014/main" val="10000"/>
+                  </a:ext>
+                </a:extLst>
+              </a:tr>
+              <a:tr h="370840">
+                <a:tc>
+                  <a:txBody>
+                    <a:bodyPr/>
+                    <a:lstStyle/>
+                    <a:p>
+                      <a:pPr marL="0" marR="0" lvl="0" indent="0" algn="l" defTabSz="914400" rtl="0" eaLnBrk="1" fontAlgn="auto" latinLnBrk="1" hangingPunct="1">
+                        <a:lnSpc>
+                          <a:spcPct val="100000"/>
+                        </a:lnSpc>
+                        <a:spcBef>
+                          <a:spcPts val="0"/>
+                        </a:spcBef>
+                        <a:spcAft>
+                          <a:spcPts val="0"/>
+                        </a:spcAft>
+                        <a:buClrTx/>
+                        <a:buSzTx/>
+                        <a:buFontTx/>
+                        <a:buNone/>
+                        <a:tabLst/>
+                        <a:defRPr/>
+                      </a:pPr>
+                      <a:r>
+                        <a:rPr lang="en-US" altLang="ko-KR" dirty="0" smtClean="0"/>
+                        <a:t>id (character)</a:t>
+                      </a:r>
+                    </a:p>
+                  </a:txBody>
+                  <a:tcPr/>
+                </a:tc>
+                <a:extLst>
+                  <a:ext uri="{0D108BD9-81ED-4DB2-BD59-A6C34878D82A}">
+                    <a16:rowId xmlns:a16="http://schemas.microsoft.com/office/drawing/2014/main" val="10001"/>
+                  </a:ext>
+                </a:extLst>
+              </a:tr>
+              <a:tr h="370840">
+                <a:tc>
+                  <a:txBody>
+                    <a:bodyPr/>
+                    <a:lstStyle/>
+                    <a:p>
+                      <a:r>
+                        <a:rPr lang="en-US" altLang="ko-KR" sz="1800" b="0" i="0" kern="1200" dirty="0" smtClean="0">
+                          <a:solidFill>
+                            <a:schemeClr val="tx1"/>
+                          </a:solidFill>
+                          <a:effectLst/>
+                          <a:latin typeface="+mn-lt"/>
+                          <a:ea typeface="+mn-ea"/>
+                          <a:cs typeface="+mn-cs"/>
+                        </a:rPr>
+                        <a:t>strain (character)</a:t>
+                      </a:r>
+                      <a:endParaRPr lang="en-US" altLang="ko-KR" sz="1800" b="0" i="0" kern="1200" dirty="0">
+                        <a:solidFill>
+                          <a:schemeClr val="tx1"/>
+                        </a:solidFill>
+                        <a:effectLst/>
+                        <a:latin typeface="+mn-lt"/>
+                        <a:ea typeface="+mn-ea"/>
+                        <a:cs typeface="+mn-cs"/>
+                      </a:endParaRPr>
+                    </a:p>
+                  </a:txBody>
+                  <a:tcPr/>
+                </a:tc>
+                <a:extLst>
+                  <a:ext uri="{0D108BD9-81ED-4DB2-BD59-A6C34878D82A}">
+                    <a16:rowId xmlns:a16="http://schemas.microsoft.com/office/drawing/2014/main" val="10002"/>
+                  </a:ext>
+                </a:extLst>
+              </a:tr>
+              <a:tr h="370840">
+                <a:tc>
+                  <a:txBody>
+                    <a:bodyPr/>
+                    <a:lstStyle/>
+                    <a:p>
+                      <a:r>
+                        <a:rPr lang="en-US" altLang="ko-KR" sz="1800" b="0" i="0" kern="1200" dirty="0" err="1" smtClean="0">
+                          <a:solidFill>
+                            <a:schemeClr val="tx1"/>
+                          </a:solidFill>
+                          <a:effectLst/>
+                          <a:latin typeface="+mn-lt"/>
+                          <a:ea typeface="+mn-ea"/>
+                          <a:cs typeface="+mn-cs"/>
+                        </a:rPr>
+                        <a:t>indc</a:t>
+                      </a:r>
+                      <a:r>
+                        <a:rPr lang="en-US" altLang="ko-KR" sz="1800" b="0" i="0" kern="1200" dirty="0" smtClean="0">
+                          <a:solidFill>
+                            <a:schemeClr val="tx1"/>
+                          </a:solidFill>
+                          <a:effectLst/>
+                          <a:latin typeface="+mn-lt"/>
+                          <a:ea typeface="+mn-ea"/>
+                          <a:cs typeface="+mn-cs"/>
+                        </a:rPr>
+                        <a:t> (character)</a:t>
+                      </a:r>
+                      <a:endParaRPr lang="en-US" altLang="ko-KR" sz="1800" b="0" i="0" kern="1200" dirty="0">
+                        <a:solidFill>
+                          <a:schemeClr val="tx1"/>
+                        </a:solidFill>
+                        <a:effectLst/>
+                        <a:latin typeface="+mn-lt"/>
+                        <a:ea typeface="+mn-ea"/>
+                        <a:cs typeface="+mn-cs"/>
+                      </a:endParaRPr>
+                    </a:p>
+                  </a:txBody>
+                  <a:tcPr/>
+                </a:tc>
+                <a:extLst>
+                  <a:ext uri="{0D108BD9-81ED-4DB2-BD59-A6C34878D82A}">
+                    <a16:rowId xmlns:a16="http://schemas.microsoft.com/office/drawing/2014/main" val="10003"/>
+                  </a:ext>
+                </a:extLst>
+              </a:tr>
+              <a:tr h="370840">
+                <a:tc>
+                  <a:txBody>
+                    <a:bodyPr/>
+                    <a:lstStyle/>
+                    <a:p>
+                      <a:r>
+                        <a:rPr lang="en-US" altLang="ko-KR" sz="1800" b="0" i="0" kern="1200" dirty="0" err="1" smtClean="0">
+                          <a:solidFill>
+                            <a:schemeClr val="tx1"/>
+                          </a:solidFill>
+                          <a:effectLst/>
+                          <a:latin typeface="+mn-lt"/>
+                          <a:ea typeface="+mn-ea"/>
+                          <a:cs typeface="+mn-cs"/>
+                        </a:rPr>
+                        <a:t>conc</a:t>
+                      </a:r>
+                      <a:r>
+                        <a:rPr lang="en-US" altLang="ko-KR" sz="1800" b="0" i="0" kern="1200" dirty="0" smtClean="0">
+                          <a:solidFill>
+                            <a:schemeClr val="tx1"/>
+                          </a:solidFill>
+                          <a:effectLst/>
+                          <a:latin typeface="+mn-lt"/>
+                          <a:ea typeface="+mn-ea"/>
+                          <a:cs typeface="+mn-cs"/>
+                        </a:rPr>
+                        <a:t> (numeric)</a:t>
+                      </a:r>
+                      <a:endParaRPr lang="en-US" altLang="ko-KR" sz="1800" b="0" i="0" kern="1200" dirty="0">
+                        <a:solidFill>
+                          <a:schemeClr val="tx1"/>
+                        </a:solidFill>
+                        <a:effectLst/>
+                        <a:latin typeface="+mn-lt"/>
+                        <a:ea typeface="+mn-ea"/>
+                        <a:cs typeface="+mn-cs"/>
+                      </a:endParaRPr>
+                    </a:p>
+                  </a:txBody>
+                  <a:tcPr/>
+                </a:tc>
+                <a:extLst>
+                  <a:ext uri="{0D108BD9-81ED-4DB2-BD59-A6C34878D82A}">
+                    <a16:rowId xmlns:a16="http://schemas.microsoft.com/office/drawing/2014/main" val="10004"/>
+                  </a:ext>
+                </a:extLst>
+              </a:tr>
+              <a:tr h="370840">
+                <a:tc>
+                  <a:txBody>
+                    <a:bodyPr/>
+                    <a:lstStyle/>
+                    <a:p>
+                      <a:r>
+                        <a:rPr lang="en-US" altLang="ko-KR" sz="1800" b="0" i="0" kern="1200" dirty="0" err="1" smtClean="0">
+                          <a:solidFill>
+                            <a:schemeClr val="tx1"/>
+                          </a:solidFill>
+                          <a:effectLst/>
+                          <a:latin typeface="+mn-lt"/>
+                          <a:ea typeface="+mn-ea"/>
+                          <a:cs typeface="+mn-cs"/>
+                        </a:rPr>
+                        <a:t>concunit</a:t>
+                      </a:r>
+                      <a:r>
+                        <a:rPr lang="en-US" altLang="ko-KR" sz="1800" b="0" i="0" kern="1200" dirty="0" smtClean="0">
+                          <a:solidFill>
+                            <a:schemeClr val="tx1"/>
+                          </a:solidFill>
+                          <a:effectLst/>
+                          <a:latin typeface="+mn-lt"/>
+                          <a:ea typeface="+mn-ea"/>
+                          <a:cs typeface="+mn-cs"/>
+                        </a:rPr>
+                        <a:t> (character)</a:t>
+                      </a:r>
+                      <a:endParaRPr lang="en-US" altLang="ko-KR" sz="1800" b="0" i="0" kern="1200" dirty="0">
+                        <a:solidFill>
+                          <a:schemeClr val="tx1"/>
+                        </a:solidFill>
+                        <a:effectLst/>
+                        <a:latin typeface="+mn-lt"/>
+                        <a:ea typeface="+mn-ea"/>
+                        <a:cs typeface="+mn-cs"/>
+                      </a:endParaRPr>
+                    </a:p>
+                  </a:txBody>
+                  <a:tcPr/>
+                </a:tc>
+                <a:extLst>
+                  <a:ext uri="{0D108BD9-81ED-4DB2-BD59-A6C34878D82A}">
+                    <a16:rowId xmlns:a16="http://schemas.microsoft.com/office/drawing/2014/main" val="10005"/>
+                  </a:ext>
+                </a:extLst>
+              </a:tr>
+              <a:tr h="370840">
+                <a:tc>
+                  <a:txBody>
+                    <a:bodyPr/>
+                    <a:lstStyle/>
+                    <a:p>
+                      <a:r>
+                        <a:rPr lang="en-US" altLang="ko-KR" sz="1800" b="0" i="0" kern="1200" dirty="0" smtClean="0">
+                          <a:solidFill>
+                            <a:schemeClr val="tx1"/>
+                          </a:solidFill>
+                          <a:effectLst/>
+                          <a:latin typeface="+mn-lt"/>
+                          <a:ea typeface="+mn-ea"/>
+                          <a:cs typeface="+mn-cs"/>
+                        </a:rPr>
+                        <a:t>value (numeric)</a:t>
+                      </a:r>
+                      <a:endParaRPr lang="en-US" altLang="ko-KR" sz="1800" b="0" i="0" kern="1200" dirty="0">
+                        <a:solidFill>
+                          <a:schemeClr val="tx1"/>
+                        </a:solidFill>
+                        <a:effectLst/>
+                        <a:latin typeface="+mn-lt"/>
+                        <a:ea typeface="+mn-ea"/>
+                        <a:cs typeface="+mn-cs"/>
+                      </a:endParaRPr>
+                    </a:p>
+                  </a:txBody>
+                  <a:tcPr/>
+                </a:tc>
+                <a:extLst>
+                  <a:ext uri="{0D108BD9-81ED-4DB2-BD59-A6C34878D82A}">
+                    <a16:rowId xmlns:a16="http://schemas.microsoft.com/office/drawing/2014/main" val="10006"/>
+                  </a:ext>
+                </a:extLst>
+              </a:tr>
+              <a:tr h="370840">
+                <a:tc>
+                  <a:txBody>
+                    <a:bodyPr/>
+                    <a:lstStyle/>
+                    <a:p>
+                      <a:r>
+                        <a:rPr lang="en-US" altLang="ko-KR" sz="1800" b="0" i="0" kern="1200" dirty="0" err="1" smtClean="0">
+                          <a:solidFill>
+                            <a:schemeClr val="tx1"/>
+                          </a:solidFill>
+                          <a:effectLst/>
+                          <a:latin typeface="+mn-lt"/>
+                          <a:ea typeface="+mn-ea"/>
+                          <a:cs typeface="+mn-cs"/>
+                        </a:rPr>
+                        <a:t>valunit</a:t>
+                      </a:r>
+                      <a:r>
+                        <a:rPr lang="en-US" altLang="ko-KR" sz="1800" b="0" i="0" kern="1200" dirty="0" smtClean="0">
+                          <a:solidFill>
+                            <a:schemeClr val="tx1"/>
+                          </a:solidFill>
+                          <a:effectLst/>
+                          <a:latin typeface="+mn-lt"/>
+                          <a:ea typeface="+mn-ea"/>
+                          <a:cs typeface="+mn-cs"/>
+                        </a:rPr>
+                        <a:t> (character)</a:t>
+                      </a:r>
+                      <a:endParaRPr lang="en-US" altLang="ko-KR" sz="1800" b="0" i="0" kern="1200" dirty="0">
+                        <a:solidFill>
+                          <a:schemeClr val="tx1"/>
+                        </a:solidFill>
+                        <a:effectLst/>
+                        <a:latin typeface="+mn-lt"/>
+                        <a:ea typeface="+mn-ea"/>
+                        <a:cs typeface="+mn-cs"/>
+                      </a:endParaRPr>
+                    </a:p>
+                  </a:txBody>
+                  <a:tcPr/>
+                </a:tc>
+                <a:extLst>
+                  <a:ext uri="{0D108BD9-81ED-4DB2-BD59-A6C34878D82A}">
+                    <a16:rowId xmlns:a16="http://schemas.microsoft.com/office/drawing/2014/main" val="10007"/>
+                  </a:ext>
+                </a:extLst>
+              </a:tr>
+              <a:tr h="370840">
+                <a:tc>
+                  <a:txBody>
+                    <a:bodyPr/>
+                    <a:lstStyle/>
+                    <a:p>
+                      <a:r>
+                        <a:rPr lang="en-US" altLang="ko-KR" sz="1800" b="0" i="0" kern="1200" dirty="0" err="1" smtClean="0">
+                          <a:solidFill>
+                            <a:schemeClr val="tx1"/>
+                          </a:solidFill>
+                          <a:effectLst/>
+                          <a:latin typeface="+mn-lt"/>
+                          <a:ea typeface="+mn-ea"/>
+                          <a:cs typeface="+mn-cs"/>
+                        </a:rPr>
+                        <a:t>incubhr</a:t>
+                      </a:r>
+                      <a:r>
+                        <a:rPr lang="en-US" altLang="ko-KR" sz="1800" b="0" i="0" kern="1200" dirty="0" smtClean="0">
+                          <a:solidFill>
+                            <a:schemeClr val="tx1"/>
+                          </a:solidFill>
+                          <a:effectLst/>
+                          <a:latin typeface="+mn-lt"/>
+                          <a:ea typeface="+mn-ea"/>
+                          <a:cs typeface="+mn-cs"/>
+                        </a:rPr>
+                        <a:t> (numeric)</a:t>
+                      </a:r>
+                      <a:endParaRPr lang="en-US" altLang="ko-KR" sz="1800" b="0" i="0" kern="1200" dirty="0">
+                        <a:solidFill>
+                          <a:schemeClr val="tx1"/>
+                        </a:solidFill>
+                        <a:effectLst/>
+                        <a:latin typeface="+mn-lt"/>
+                        <a:ea typeface="+mn-ea"/>
+                        <a:cs typeface="+mn-cs"/>
+                      </a:endParaRPr>
+                    </a:p>
+                  </a:txBody>
+                  <a:tcPr/>
+                </a:tc>
+                <a:extLst>
+                  <a:ext uri="{0D108BD9-81ED-4DB2-BD59-A6C34878D82A}">
+                    <a16:rowId xmlns:a16="http://schemas.microsoft.com/office/drawing/2014/main" val="10008"/>
+                  </a:ext>
+                </a:extLst>
+              </a:tr>
+              <a:tr h="370840">
+                <a:tc>
+                  <a:txBody>
+                    <a:bodyPr/>
+                    <a:lstStyle/>
+                    <a:p>
+                      <a:r>
+                        <a:rPr lang="en-US" altLang="ko-KR" sz="1800" b="0" i="0" kern="1200" dirty="0" err="1" smtClean="0">
+                          <a:solidFill>
+                            <a:schemeClr val="tx1"/>
+                          </a:solidFill>
+                          <a:effectLst/>
+                          <a:latin typeface="+mn-lt"/>
+                          <a:ea typeface="+mn-ea"/>
+                          <a:cs typeface="+mn-cs"/>
+                        </a:rPr>
+                        <a:t>incubtemps</a:t>
+                      </a:r>
+                      <a:r>
+                        <a:rPr lang="en-US" altLang="ko-KR" sz="1800" b="0" i="0" kern="1200" dirty="0" smtClean="0">
+                          <a:solidFill>
+                            <a:schemeClr val="tx1"/>
+                          </a:solidFill>
+                          <a:effectLst/>
+                          <a:latin typeface="+mn-lt"/>
+                          <a:ea typeface="+mn-ea"/>
+                          <a:cs typeface="+mn-cs"/>
+                        </a:rPr>
+                        <a:t> (character)</a:t>
+                      </a:r>
+                    </a:p>
+                  </a:txBody>
+                  <a:tcPr/>
+                </a:tc>
+                <a:extLst>
+                  <a:ext uri="{0D108BD9-81ED-4DB2-BD59-A6C34878D82A}">
+                    <a16:rowId xmlns:a16="http://schemas.microsoft.com/office/drawing/2014/main" val="10009"/>
+                  </a:ext>
+                </a:extLst>
+              </a:tr>
+              <a:tr h="370840">
+                <a:tc>
+                  <a:txBody>
+                    <a:bodyPr/>
+                    <a:lstStyle/>
+                    <a:p>
+                      <a:r>
+                        <a:rPr lang="en-US" altLang="ko-KR" sz="1800" b="0" i="0" kern="1200" dirty="0" err="1" smtClean="0">
+                          <a:solidFill>
+                            <a:srgbClr val="FF0000"/>
+                          </a:solidFill>
+                          <a:effectLst/>
+                          <a:latin typeface="+mn-lt"/>
+                          <a:ea typeface="+mn-ea"/>
+                          <a:cs typeface="+mn-cs"/>
+                        </a:rPr>
+                        <a:t>device_id</a:t>
+                      </a:r>
+                      <a:r>
+                        <a:rPr lang="en-US" altLang="ko-KR" sz="1800" b="0" i="0" kern="1200" dirty="0" smtClean="0">
+                          <a:solidFill>
+                            <a:srgbClr val="FF0000"/>
+                          </a:solidFill>
+                          <a:effectLst/>
+                          <a:latin typeface="+mn-lt"/>
+                          <a:ea typeface="+mn-ea"/>
+                          <a:cs typeface="+mn-cs"/>
+                        </a:rPr>
+                        <a:t> (character</a:t>
+                      </a:r>
+                      <a:r>
+                        <a:rPr lang="en-US" altLang="ko-KR" sz="1800" b="0" i="0" kern="1200" dirty="0" smtClean="0">
+                          <a:solidFill>
+                            <a:srgbClr val="FF0000"/>
+                          </a:solidFill>
+                          <a:effectLst/>
+                          <a:latin typeface="+mn-lt"/>
+                          <a:ea typeface="+mn-ea"/>
+                          <a:cs typeface="+mn-cs"/>
+                        </a:rPr>
+                        <a:t>)</a:t>
+                      </a:r>
+                    </a:p>
+                  </a:txBody>
+                  <a:tcPr/>
+                </a:tc>
+                <a:extLst>
+                  <a:ext uri="{0D108BD9-81ED-4DB2-BD59-A6C34878D82A}">
+                    <a16:rowId xmlns:a16="http://schemas.microsoft.com/office/drawing/2014/main" val="10010"/>
+                  </a:ext>
+                </a:extLst>
+              </a:tr>
+              <a:tr h="370840">
+                <a:tc>
+                  <a:txBody>
+                    <a:bodyPr/>
+                    <a:lstStyle/>
+                    <a:p>
+                      <a:pPr marL="0" marR="0" lvl="0" indent="0" algn="l" defTabSz="914400" rtl="0" eaLnBrk="1" fontAlgn="auto" latinLnBrk="1" hangingPunct="1">
+                        <a:lnSpc>
+                          <a:spcPct val="100000"/>
+                        </a:lnSpc>
+                        <a:spcBef>
+                          <a:spcPts val="0"/>
+                        </a:spcBef>
+                        <a:spcAft>
+                          <a:spcPts val="0"/>
+                        </a:spcAft>
+                        <a:buClrTx/>
+                        <a:buSzTx/>
+                        <a:buFontTx/>
+                        <a:buNone/>
+                        <a:tabLst/>
+                        <a:defRPr/>
+                      </a:pPr>
+                      <a:r>
+                        <a:rPr lang="en-US" altLang="ko-KR" sz="1800" b="0" i="0" kern="1200" dirty="0" smtClean="0">
+                          <a:solidFill>
+                            <a:schemeClr val="tx1"/>
+                          </a:solidFill>
+                          <a:effectLst/>
+                          <a:latin typeface="+mn-lt"/>
+                          <a:ea typeface="+mn-ea"/>
+                          <a:cs typeface="+mn-cs"/>
+                        </a:rPr>
+                        <a:t>link (character)</a:t>
+                      </a:r>
+                    </a:p>
+                  </a:txBody>
+                  <a:tcPr/>
+                </a:tc>
+                <a:extLst>
+                  <a:ext uri="{0D108BD9-81ED-4DB2-BD59-A6C34878D82A}">
+                    <a16:rowId xmlns:a16="http://schemas.microsoft.com/office/drawing/2014/main" val="10011"/>
+                  </a:ext>
+                </a:extLst>
+              </a:tr>
+            </a:tbl>
+          </a:graphicData>
+        </a:graphic>
+      </p:graphicFrame>
+      <p:graphicFrame>
+        <p:nvGraphicFramePr>
+          <p:cNvPr id="7" name="표 6"/>
+          <p:cNvGraphicFramePr>
+            <a:graphicFrameLocks noGrp="1"/>
+          </p:cNvGraphicFramePr>
+          <p:nvPr>
+            <p:extLst>
+              <p:ext uri="{D42A27DB-BD31-4B8C-83A1-F6EECF244321}">
+                <p14:modId xmlns:p14="http://schemas.microsoft.com/office/powerpoint/2010/main" val="1590051718"/>
+              </p:ext>
+            </p:extLst>
+          </p:nvPr>
+        </p:nvGraphicFramePr>
+        <p:xfrm>
+          <a:off x="5152875" y="1709718"/>
+          <a:ext cx="2939177" cy="1752600"/>
+        </p:xfrm>
+        <a:graphic>
+          <a:graphicData uri="http://schemas.openxmlformats.org/drawingml/2006/table">
+            <a:tbl>
+              <a:tblPr firstRow="1" bandRow="1">
+                <a:tableStyleId>{7E9639D4-E3E2-4D34-9284-5A2195B3D0D7}</a:tableStyleId>
+              </a:tblPr>
+              <a:tblGrid>
+                <a:gridCol w="2939177">
+                  <a:extLst>
+                    <a:ext uri="{9D8B030D-6E8A-4147-A177-3AD203B41FA5}">
+                      <a16:colId xmlns:a16="http://schemas.microsoft.com/office/drawing/2014/main" val="20000"/>
+                    </a:ext>
+                  </a:extLst>
+                </a:gridCol>
+              </a:tblGrid>
+              <a:tr h="370840">
+                <a:tc>
+                  <a:txBody>
+                    <a:bodyPr/>
+                    <a:lstStyle/>
+                    <a:p>
+                      <a:pPr latinLnBrk="1"/>
+                      <a:r>
+                        <a:rPr lang="en-US" altLang="ko-KR" sz="1800" b="0" i="0" kern="1200" dirty="0" err="1" smtClean="0">
+                          <a:solidFill>
+                            <a:schemeClr val="bg1"/>
+                          </a:solidFill>
+                          <a:effectLst/>
+                          <a:latin typeface="+mn-lt"/>
+                          <a:ea typeface="+mn-ea"/>
+                          <a:cs typeface="+mn-cs"/>
+                        </a:rPr>
+                        <a:t>igem_device</a:t>
+                      </a:r>
+                      <a:endParaRPr lang="ko-KR" altLang="en-US" dirty="0"/>
+                    </a:p>
+                  </a:txBody>
+                  <a:tcPr/>
+                </a:tc>
+                <a:extLst>
+                  <a:ext uri="{0D108BD9-81ED-4DB2-BD59-A6C34878D82A}">
+                    <a16:rowId xmlns:a16="http://schemas.microsoft.com/office/drawing/2014/main" val="10000"/>
+                  </a:ext>
+                </a:extLst>
+              </a:tr>
+              <a:tr h="370840">
+                <a:tc>
+                  <a:txBody>
+                    <a:bodyPr/>
+                    <a:lstStyle/>
+                    <a:p>
+                      <a:pPr marL="0" marR="0" lvl="0" indent="0" algn="l" defTabSz="914400" rtl="0" eaLnBrk="1" fontAlgn="auto" latinLnBrk="1" hangingPunct="1">
+                        <a:lnSpc>
+                          <a:spcPct val="100000"/>
+                        </a:lnSpc>
+                        <a:spcBef>
+                          <a:spcPts val="0"/>
+                        </a:spcBef>
+                        <a:spcAft>
+                          <a:spcPts val="0"/>
+                        </a:spcAft>
+                        <a:buClrTx/>
+                        <a:buSzTx/>
+                        <a:buFontTx/>
+                        <a:buNone/>
+                        <a:tabLst/>
+                        <a:defRPr/>
+                      </a:pPr>
+                      <a:r>
+                        <a:rPr lang="en-US" altLang="ko-KR" dirty="0" smtClean="0"/>
+                        <a:t>id (character)</a:t>
+                      </a:r>
+                    </a:p>
+                  </a:txBody>
+                  <a:tcPr/>
+                </a:tc>
+                <a:extLst>
+                  <a:ext uri="{0D108BD9-81ED-4DB2-BD59-A6C34878D82A}">
+                    <a16:rowId xmlns:a16="http://schemas.microsoft.com/office/drawing/2014/main" val="10001"/>
+                  </a:ext>
+                </a:extLst>
+              </a:tr>
+              <a:tr h="370840">
+                <a:tc>
+                  <a:txBody>
+                    <a:bodyPr/>
+                    <a:lstStyle/>
+                    <a:p>
+                      <a:r>
+                        <a:rPr lang="en-US" altLang="ko-KR" sz="1800" b="0" i="0" kern="1200" dirty="0" err="1" smtClean="0">
+                          <a:solidFill>
+                            <a:schemeClr val="tx1"/>
+                          </a:solidFill>
+                          <a:effectLst/>
+                          <a:latin typeface="+mn-lt"/>
+                          <a:ea typeface="+mn-ea"/>
+                          <a:cs typeface="+mn-cs"/>
+                        </a:rPr>
+                        <a:t>device_name</a:t>
+                      </a:r>
+                      <a:r>
+                        <a:rPr lang="en-US" altLang="ko-KR" sz="1800" b="0" i="0" kern="1200" baseline="0" dirty="0" smtClean="0">
+                          <a:solidFill>
+                            <a:schemeClr val="tx1"/>
+                          </a:solidFill>
+                          <a:effectLst/>
+                          <a:latin typeface="+mn-lt"/>
+                          <a:ea typeface="+mn-ea"/>
+                          <a:cs typeface="+mn-cs"/>
+                        </a:rPr>
+                        <a:t> (character)</a:t>
+                      </a:r>
+                      <a:endParaRPr lang="en-US" altLang="ko-KR" sz="1800" b="0" i="0" kern="1200" dirty="0" smtClean="0">
+                        <a:solidFill>
+                          <a:schemeClr val="tx1"/>
+                        </a:solidFill>
+                        <a:effectLst/>
+                        <a:latin typeface="+mn-lt"/>
+                        <a:ea typeface="+mn-ea"/>
+                        <a:cs typeface="+mn-cs"/>
+                      </a:endParaRPr>
+                    </a:p>
+                  </a:txBody>
+                  <a:tcPr/>
+                </a:tc>
+                <a:extLst>
+                  <a:ext uri="{0D108BD9-81ED-4DB2-BD59-A6C34878D82A}">
+                    <a16:rowId xmlns:a16="http://schemas.microsoft.com/office/drawing/2014/main" val="10002"/>
+                  </a:ext>
+                </a:extLst>
+              </a:tr>
+              <a:tr h="370840">
+                <a:tc>
+                  <a:txBody>
+                    <a:bodyPr/>
+                    <a:lstStyle/>
+                    <a:p>
+                      <a:pPr marL="0" marR="0" indent="0" algn="l" defTabSz="914400" rtl="0" eaLnBrk="1" fontAlgn="auto" latinLnBrk="1" hangingPunct="1">
+                        <a:lnSpc>
+                          <a:spcPct val="100000"/>
+                        </a:lnSpc>
+                        <a:spcBef>
+                          <a:spcPts val="0"/>
+                        </a:spcBef>
+                        <a:spcAft>
+                          <a:spcPts val="0"/>
+                        </a:spcAft>
+                        <a:buClrTx/>
+                        <a:buSzTx/>
+                        <a:buFontTx/>
+                        <a:buNone/>
+                        <a:tabLst/>
+                        <a:defRPr/>
+                      </a:pPr>
+                      <a:r>
+                        <a:rPr lang="en-US" altLang="ko-KR" sz="1800" b="0" i="0" kern="1200" dirty="0" err="1" smtClean="0">
+                          <a:solidFill>
+                            <a:srgbClr val="FF0000"/>
+                          </a:solidFill>
+                          <a:effectLst/>
+                          <a:latin typeface="+mn-lt"/>
+                          <a:ea typeface="+mn-ea"/>
+                          <a:cs typeface="+mn-cs"/>
+                        </a:rPr>
+                        <a:t>part_combination</a:t>
+                      </a:r>
+                      <a:r>
+                        <a:rPr lang="en-US" altLang="ko-KR" sz="1800" b="0" i="0" kern="1200" dirty="0" smtClean="0">
+                          <a:solidFill>
+                            <a:srgbClr val="FF0000"/>
+                          </a:solidFill>
+                          <a:effectLst/>
+                          <a:latin typeface="+mn-lt"/>
+                          <a:ea typeface="+mn-ea"/>
+                          <a:cs typeface="+mn-cs"/>
+                        </a:rPr>
+                        <a:t> </a:t>
+                      </a:r>
+                      <a:r>
+                        <a:rPr lang="en-US" altLang="ko-KR" sz="1800" b="0" i="0" kern="1200" baseline="0" dirty="0" smtClean="0">
+                          <a:solidFill>
+                            <a:srgbClr val="FF0000"/>
+                          </a:solidFill>
+                          <a:effectLst/>
+                          <a:latin typeface="+mn-lt"/>
+                          <a:ea typeface="+mn-ea"/>
+                          <a:cs typeface="+mn-cs"/>
+                        </a:rPr>
+                        <a:t>(character)</a:t>
+                      </a:r>
+                      <a:endParaRPr lang="en-US" altLang="ko-KR" sz="1800" b="0" i="0" kern="1200" dirty="0" smtClean="0">
+                        <a:solidFill>
+                          <a:srgbClr val="FF0000"/>
+                        </a:solidFill>
+                        <a:effectLst/>
+                        <a:latin typeface="+mn-lt"/>
+                        <a:ea typeface="+mn-ea"/>
+                        <a:cs typeface="+mn-cs"/>
+                      </a:endParaRPr>
+                    </a:p>
+                  </a:txBody>
+                  <a:tcPr/>
+                </a:tc>
+                <a:extLst>
+                  <a:ext uri="{0D108BD9-81ED-4DB2-BD59-A6C34878D82A}">
+                    <a16:rowId xmlns:a16="http://schemas.microsoft.com/office/drawing/2014/main" val="10003"/>
+                  </a:ext>
+                </a:extLst>
+              </a:tr>
+            </a:tbl>
+          </a:graphicData>
+        </a:graphic>
+      </p:graphicFrame>
+      <p:cxnSp>
+        <p:nvCxnSpPr>
+          <p:cNvPr id="8" name="직선 화살표 연결선 7"/>
+          <p:cNvCxnSpPr/>
+          <p:nvPr/>
+        </p:nvCxnSpPr>
+        <p:spPr>
+          <a:xfrm flipH="1" flipV="1">
+            <a:off x="8103493" y="2202110"/>
+            <a:ext cx="1233014" cy="3176007"/>
+          </a:xfrm>
+          <a:prstGeom prst="straightConnector1">
+            <a:avLst/>
+          </a:prstGeom>
+          <a:ln>
+            <a:tailEnd type="triangle"/>
+          </a:ln>
+        </p:spPr>
+        <p:style>
+          <a:lnRef idx="1">
+            <a:schemeClr val="accent1"/>
+          </a:lnRef>
+          <a:fillRef idx="0">
+            <a:schemeClr val="accent1"/>
+          </a:fillRef>
+          <a:effectRef idx="0">
+            <a:schemeClr val="accent1"/>
+          </a:effectRef>
+          <a:fontRef idx="minor">
+            <a:schemeClr val="tx1"/>
+          </a:fontRef>
+        </p:style>
+      </p:cxnSp>
+      <p:cxnSp>
+        <p:nvCxnSpPr>
+          <p:cNvPr id="9" name="직선 화살표 연결선 8"/>
+          <p:cNvCxnSpPr/>
+          <p:nvPr/>
+        </p:nvCxnSpPr>
+        <p:spPr>
+          <a:xfrm flipV="1">
+            <a:off x="3933062" y="2273417"/>
+            <a:ext cx="1115115" cy="3261924"/>
+          </a:xfrm>
+          <a:prstGeom prst="straightConnector1">
+            <a:avLst/>
+          </a:prstGeom>
+          <a:ln>
+            <a:tailEnd type="triangle"/>
+          </a:ln>
+        </p:spPr>
+        <p:style>
+          <a:lnRef idx="1">
+            <a:schemeClr val="accent1"/>
+          </a:lnRef>
+          <a:fillRef idx="0">
+            <a:schemeClr val="accent1"/>
+          </a:fillRef>
+          <a:effectRef idx="0">
+            <a:schemeClr val="accent1"/>
+          </a:effectRef>
+          <a:fontRef idx="minor">
+            <a:schemeClr val="tx1"/>
+          </a:fontRef>
+        </p:style>
+      </p:cxnSp>
+      <p:cxnSp>
+        <p:nvCxnSpPr>
+          <p:cNvPr id="10" name="직선 연결선 9"/>
+          <p:cNvCxnSpPr/>
+          <p:nvPr/>
+        </p:nvCxnSpPr>
+        <p:spPr>
+          <a:xfrm flipH="1" flipV="1">
+            <a:off x="410744" y="5159069"/>
+            <a:ext cx="400495" cy="746772"/>
+          </a:xfrm>
+          <a:prstGeom prst="line">
+            <a:avLst/>
+          </a:prstGeom>
+        </p:spPr>
+        <p:style>
+          <a:lnRef idx="1">
+            <a:schemeClr val="accent1"/>
+          </a:lnRef>
+          <a:fillRef idx="0">
+            <a:schemeClr val="accent1"/>
+          </a:fillRef>
+          <a:effectRef idx="0">
+            <a:schemeClr val="accent1"/>
+          </a:effectRef>
+          <a:fontRef idx="minor">
+            <a:schemeClr val="tx1"/>
+          </a:fontRef>
+        </p:style>
+      </p:cxnSp>
+      <p:cxnSp>
+        <p:nvCxnSpPr>
+          <p:cNvPr id="11" name="직선 연결선 10"/>
+          <p:cNvCxnSpPr/>
+          <p:nvPr/>
+        </p:nvCxnSpPr>
+        <p:spPr>
+          <a:xfrm flipH="1" flipV="1">
+            <a:off x="397042" y="1191127"/>
+            <a:ext cx="6016" cy="3967942"/>
+          </a:xfrm>
+          <a:prstGeom prst="line">
+            <a:avLst/>
+          </a:prstGeom>
+        </p:spPr>
+        <p:style>
+          <a:lnRef idx="1">
+            <a:schemeClr val="accent1"/>
+          </a:lnRef>
+          <a:fillRef idx="0">
+            <a:schemeClr val="accent1"/>
+          </a:fillRef>
+          <a:effectRef idx="0">
+            <a:schemeClr val="accent1"/>
+          </a:effectRef>
+          <a:fontRef idx="minor">
+            <a:schemeClr val="tx1"/>
+          </a:fontRef>
+        </p:style>
+      </p:cxnSp>
+      <p:cxnSp>
+        <p:nvCxnSpPr>
+          <p:cNvPr id="12" name="직선 화살표 연결선 11"/>
+          <p:cNvCxnSpPr/>
+          <p:nvPr/>
+        </p:nvCxnSpPr>
+        <p:spPr>
+          <a:xfrm flipV="1">
+            <a:off x="409074" y="1106905"/>
+            <a:ext cx="493292" cy="108284"/>
+          </a:xfrm>
+          <a:prstGeom prst="straightConnector1">
+            <a:avLst/>
+          </a:prstGeom>
+          <a:ln>
+            <a:tailEnd type="triangle"/>
+          </a:ln>
+        </p:spPr>
+        <p:style>
+          <a:lnRef idx="1">
+            <a:schemeClr val="accent1"/>
+          </a:lnRef>
+          <a:fillRef idx="0">
+            <a:schemeClr val="accent1"/>
+          </a:fillRef>
+          <a:effectRef idx="0">
+            <a:schemeClr val="accent1"/>
+          </a:effectRef>
+          <a:fontRef idx="minor">
+            <a:schemeClr val="tx1"/>
+          </a:fontRef>
+        </p:style>
+      </p:cxnSp>
+      <p:sp>
+        <p:nvSpPr>
+          <p:cNvPr id="13" name="직사각형 12"/>
+          <p:cNvSpPr/>
+          <p:nvPr/>
+        </p:nvSpPr>
+        <p:spPr>
+          <a:xfrm>
+            <a:off x="4544565" y="1975066"/>
+            <a:ext cx="396262" cy="369332"/>
+          </a:xfrm>
+          <a:prstGeom prst="rect">
+            <a:avLst/>
+          </a:prstGeom>
+        </p:spPr>
+        <p:txBody>
+          <a:bodyPr wrap="none">
+            <a:spAutoFit/>
+          </a:bodyPr>
+          <a:lstStyle/>
+          <a:p>
+            <a:r>
+              <a:rPr lang="en-US" altLang="ko-KR" dirty="0" smtClean="0"/>
+              <a:t>M</a:t>
+            </a:r>
+            <a:endParaRPr lang="ko-KR" altLang="en-US" dirty="0"/>
+          </a:p>
+        </p:txBody>
+      </p:sp>
+      <p:sp>
+        <p:nvSpPr>
+          <p:cNvPr id="14" name="직사각형 13"/>
+          <p:cNvSpPr/>
+          <p:nvPr/>
+        </p:nvSpPr>
+        <p:spPr>
+          <a:xfrm>
+            <a:off x="5162345" y="5014162"/>
+            <a:ext cx="3551934" cy="646331"/>
+          </a:xfrm>
+          <a:prstGeom prst="rect">
+            <a:avLst/>
+          </a:prstGeom>
+        </p:spPr>
+        <p:txBody>
+          <a:bodyPr wrap="none">
+            <a:spAutoFit/>
+          </a:bodyPr>
+          <a:lstStyle/>
+          <a:p>
+            <a:r>
+              <a:rPr lang="en-US" altLang="ko-KR" dirty="0" smtClean="0"/>
+              <a:t>A, B, C, D</a:t>
+            </a:r>
+            <a:r>
+              <a:rPr lang="ko-KR" altLang="en-US" dirty="0" smtClean="0"/>
+              <a:t>가 </a:t>
+            </a:r>
+            <a:r>
+              <a:rPr lang="en-US" altLang="ko-KR" dirty="0" err="1" smtClean="0"/>
+              <a:t>igem_part</a:t>
+            </a:r>
+            <a:r>
+              <a:rPr lang="en-US" altLang="ko-KR" dirty="0" smtClean="0"/>
+              <a:t> </a:t>
+            </a:r>
+            <a:r>
+              <a:rPr lang="ko-KR" altLang="en-US" dirty="0" smtClean="0"/>
+              <a:t>테이블의</a:t>
+            </a:r>
+            <a:endParaRPr lang="en-US" altLang="ko-KR" dirty="0" smtClean="0"/>
+          </a:p>
+          <a:p>
+            <a:r>
+              <a:rPr lang="en-US" altLang="ko-KR" dirty="0" smtClean="0"/>
+              <a:t>1, 3, 5, 6 id</a:t>
+            </a:r>
+            <a:r>
+              <a:rPr lang="ko-KR" altLang="en-US" dirty="0" smtClean="0"/>
+              <a:t>를 가지고 있으면</a:t>
+            </a:r>
+            <a:endParaRPr lang="ko-KR" altLang="en-US" dirty="0"/>
+          </a:p>
+        </p:txBody>
+      </p:sp>
+      <p:sp>
+        <p:nvSpPr>
+          <p:cNvPr id="23" name="직사각형 22"/>
+          <p:cNvSpPr/>
+          <p:nvPr/>
+        </p:nvSpPr>
+        <p:spPr>
+          <a:xfrm>
+            <a:off x="3882491" y="5535340"/>
+            <a:ext cx="412636" cy="369332"/>
+          </a:xfrm>
+          <a:prstGeom prst="rect">
+            <a:avLst/>
+          </a:prstGeom>
+        </p:spPr>
+        <p:txBody>
+          <a:bodyPr wrap="square">
+            <a:spAutoFit/>
+          </a:bodyPr>
+          <a:lstStyle/>
+          <a:p>
+            <a:pPr algn="ctr"/>
+            <a:r>
+              <a:rPr lang="en-US" altLang="ko-KR" dirty="0" smtClean="0"/>
+              <a:t>M</a:t>
+            </a:r>
+            <a:endParaRPr lang="ko-KR" altLang="en-US"/>
+          </a:p>
+        </p:txBody>
+      </p:sp>
+      <p:sp>
+        <p:nvSpPr>
+          <p:cNvPr id="29" name="직사각형 28"/>
+          <p:cNvSpPr/>
+          <p:nvPr/>
+        </p:nvSpPr>
+        <p:spPr>
+          <a:xfrm>
+            <a:off x="240615" y="714755"/>
+            <a:ext cx="311304" cy="369332"/>
+          </a:xfrm>
+          <a:prstGeom prst="rect">
+            <a:avLst/>
+          </a:prstGeom>
+        </p:spPr>
+        <p:txBody>
+          <a:bodyPr wrap="none">
+            <a:spAutoFit/>
+          </a:bodyPr>
+          <a:lstStyle/>
+          <a:p>
+            <a:r>
+              <a:rPr lang="en-US" altLang="ko-KR" dirty="0" smtClean="0"/>
+              <a:t>1</a:t>
+            </a:r>
+            <a:endParaRPr lang="ko-KR" altLang="en-US"/>
+          </a:p>
+        </p:txBody>
+      </p:sp>
+      <p:sp>
+        <p:nvSpPr>
+          <p:cNvPr id="32" name="직사각형 31"/>
+          <p:cNvSpPr/>
+          <p:nvPr/>
+        </p:nvSpPr>
+        <p:spPr>
+          <a:xfrm>
+            <a:off x="8119886" y="1975066"/>
+            <a:ext cx="396262" cy="369332"/>
+          </a:xfrm>
+          <a:prstGeom prst="rect">
+            <a:avLst/>
+          </a:prstGeom>
+        </p:spPr>
+        <p:txBody>
+          <a:bodyPr wrap="none">
+            <a:spAutoFit/>
+          </a:bodyPr>
+          <a:lstStyle/>
+          <a:p>
+            <a:pPr algn="ctr"/>
+            <a:r>
+              <a:rPr lang="en-US" altLang="ko-KR" dirty="0" smtClean="0"/>
+              <a:t>M</a:t>
+            </a:r>
+            <a:endParaRPr lang="ko-KR" altLang="en-US" dirty="0"/>
+          </a:p>
+        </p:txBody>
+      </p:sp>
+      <p:sp>
+        <p:nvSpPr>
+          <p:cNvPr id="33" name="직사각형 32"/>
+          <p:cNvSpPr/>
+          <p:nvPr/>
+        </p:nvSpPr>
+        <p:spPr>
+          <a:xfrm>
+            <a:off x="8940246" y="5347789"/>
+            <a:ext cx="396262" cy="369332"/>
+          </a:xfrm>
+          <a:prstGeom prst="rect">
+            <a:avLst/>
+          </a:prstGeom>
+        </p:spPr>
+        <p:txBody>
+          <a:bodyPr wrap="none">
+            <a:spAutoFit/>
+          </a:bodyPr>
+          <a:lstStyle/>
+          <a:p>
+            <a:r>
+              <a:rPr lang="en-US" altLang="ko-KR" dirty="0" smtClean="0"/>
+              <a:t>M</a:t>
+            </a:r>
+            <a:endParaRPr lang="ko-KR" altLang="en-US"/>
+          </a:p>
+        </p:txBody>
+      </p:sp>
+      <p:sp>
+        <p:nvSpPr>
+          <p:cNvPr id="24" name="직사각형 23"/>
+          <p:cNvSpPr/>
+          <p:nvPr/>
+        </p:nvSpPr>
+        <p:spPr>
+          <a:xfrm>
+            <a:off x="5098748" y="3793169"/>
+            <a:ext cx="1626536" cy="1200329"/>
+          </a:xfrm>
+          <a:prstGeom prst="rect">
+            <a:avLst/>
+          </a:prstGeom>
+        </p:spPr>
+        <p:txBody>
+          <a:bodyPr wrap="none">
+            <a:spAutoFit/>
+          </a:bodyPr>
+          <a:lstStyle/>
+          <a:p>
+            <a:r>
+              <a:rPr lang="ko-KR" altLang="en-US" dirty="0" smtClean="0"/>
+              <a:t>프로모터 </a:t>
+            </a:r>
+            <a:r>
+              <a:rPr lang="en-US" altLang="ko-KR" dirty="0" smtClean="0"/>
+              <a:t>A, </a:t>
+            </a:r>
+          </a:p>
+          <a:p>
+            <a:r>
+              <a:rPr lang="en-US" altLang="ko-KR" dirty="0" smtClean="0"/>
+              <a:t>RBS B</a:t>
+            </a:r>
+          </a:p>
+          <a:p>
+            <a:r>
+              <a:rPr lang="en-US" altLang="ko-KR" dirty="0" smtClean="0"/>
+              <a:t>CDS C</a:t>
+            </a:r>
+          </a:p>
+          <a:p>
+            <a:r>
+              <a:rPr lang="en-US" altLang="ko-KR" dirty="0" smtClean="0"/>
+              <a:t>Terminator </a:t>
+            </a:r>
+            <a:r>
+              <a:rPr lang="en-US" altLang="ko-KR" dirty="0" smtClean="0"/>
+              <a:t>D </a:t>
+            </a:r>
+            <a:endParaRPr lang="ko-KR" altLang="en-US" dirty="0"/>
+          </a:p>
+        </p:txBody>
+      </p:sp>
+      <p:sp>
+        <p:nvSpPr>
+          <p:cNvPr id="25" name="직사각형 24"/>
+          <p:cNvSpPr/>
+          <p:nvPr/>
+        </p:nvSpPr>
+        <p:spPr>
+          <a:xfrm>
+            <a:off x="6833314" y="4208667"/>
+            <a:ext cx="1420582" cy="369332"/>
+          </a:xfrm>
+          <a:prstGeom prst="rect">
+            <a:avLst/>
+          </a:prstGeom>
+        </p:spPr>
+        <p:txBody>
+          <a:bodyPr wrap="none">
+            <a:spAutoFit/>
+          </a:bodyPr>
+          <a:lstStyle/>
+          <a:p>
+            <a:r>
+              <a:rPr lang="ko-KR" altLang="en-US" dirty="0" smtClean="0"/>
+              <a:t>조합의 경우</a:t>
+            </a:r>
+            <a:endParaRPr lang="ko-KR" altLang="en-US" dirty="0"/>
+          </a:p>
+        </p:txBody>
+      </p:sp>
+      <p:sp>
+        <p:nvSpPr>
+          <p:cNvPr id="17" name="오른쪽 중괄호 16"/>
+          <p:cNvSpPr/>
+          <p:nvPr/>
+        </p:nvSpPr>
+        <p:spPr>
+          <a:xfrm>
+            <a:off x="6605726" y="3992191"/>
+            <a:ext cx="164231" cy="813756"/>
+          </a:xfrm>
+          <a:prstGeom prst="rightBrace">
+            <a:avLst/>
+          </a:prstGeom>
+        </p:spPr>
+        <p:style>
+          <a:lnRef idx="1">
+            <a:schemeClr val="accent1"/>
+          </a:lnRef>
+          <a:fillRef idx="0">
+            <a:schemeClr val="accent1"/>
+          </a:fillRef>
+          <a:effectRef idx="0">
+            <a:schemeClr val="accent1"/>
+          </a:effectRef>
+          <a:fontRef idx="minor">
+            <a:schemeClr val="tx1"/>
+          </a:fontRef>
+        </p:style>
+        <p:txBody>
+          <a:bodyPr rtlCol="0" anchor="ctr"/>
+          <a:lstStyle/>
+          <a:p>
+            <a:pPr algn="ctr"/>
+            <a:endParaRPr lang="ko-KR" altLang="en-US"/>
+          </a:p>
+        </p:txBody>
+      </p:sp>
+      <p:sp>
+        <p:nvSpPr>
+          <p:cNvPr id="27" name="직사각형 26"/>
+          <p:cNvSpPr/>
+          <p:nvPr/>
+        </p:nvSpPr>
+        <p:spPr>
+          <a:xfrm>
+            <a:off x="5014144" y="5922460"/>
+            <a:ext cx="2420856" cy="369332"/>
+          </a:xfrm>
+          <a:prstGeom prst="rect">
+            <a:avLst/>
+          </a:prstGeom>
+        </p:spPr>
+        <p:txBody>
+          <a:bodyPr wrap="none">
+            <a:spAutoFit/>
+          </a:bodyPr>
+          <a:lstStyle/>
+          <a:p>
+            <a:r>
+              <a:rPr lang="en-US" altLang="ko-KR" dirty="0" smtClean="0">
+                <a:solidFill>
+                  <a:srgbClr val="FF0000"/>
+                </a:solidFill>
+              </a:rPr>
+              <a:t>“1,3,5,6” </a:t>
+            </a:r>
+            <a:r>
+              <a:rPr lang="ko-KR" altLang="en-US" dirty="0" smtClean="0">
+                <a:solidFill>
+                  <a:srgbClr val="FF0000"/>
+                </a:solidFill>
+              </a:rPr>
+              <a:t>이라고 입력</a:t>
+            </a:r>
+            <a:endParaRPr lang="ko-KR" altLang="en-US" dirty="0">
+              <a:solidFill>
+                <a:srgbClr val="FF0000"/>
+              </a:solidFill>
+            </a:endParaRPr>
+          </a:p>
+        </p:txBody>
+      </p:sp>
+      <p:cxnSp>
+        <p:nvCxnSpPr>
+          <p:cNvPr id="19" name="직선 연결선 18"/>
+          <p:cNvCxnSpPr>
+            <a:stCxn id="27" idx="1"/>
+          </p:cNvCxnSpPr>
+          <p:nvPr/>
+        </p:nvCxnSpPr>
+        <p:spPr>
+          <a:xfrm flipH="1" flipV="1">
+            <a:off x="4676862" y="4971781"/>
+            <a:ext cx="337282" cy="1135345"/>
+          </a:xfrm>
+          <a:prstGeom prst="line">
+            <a:avLst/>
+          </a:prstGeom>
+        </p:spPr>
+        <p:style>
+          <a:lnRef idx="1">
+            <a:schemeClr val="accent1"/>
+          </a:lnRef>
+          <a:fillRef idx="0">
+            <a:schemeClr val="accent1"/>
+          </a:fillRef>
+          <a:effectRef idx="0">
+            <a:schemeClr val="accent1"/>
+          </a:effectRef>
+          <a:fontRef idx="minor">
+            <a:schemeClr val="tx1"/>
+          </a:fontRef>
+        </p:style>
+      </p:cxnSp>
+      <p:cxnSp>
+        <p:nvCxnSpPr>
+          <p:cNvPr id="21" name="직선 화살표 연결선 20"/>
+          <p:cNvCxnSpPr/>
+          <p:nvPr/>
+        </p:nvCxnSpPr>
+        <p:spPr>
+          <a:xfrm flipV="1">
+            <a:off x="4676574" y="3510793"/>
+            <a:ext cx="526789" cy="1482705"/>
+          </a:xfrm>
+          <a:prstGeom prst="straightConnector1">
+            <a:avLst/>
+          </a:prstGeom>
+          <a:ln>
+            <a:tailEnd type="triangle"/>
+          </a:ln>
+        </p:spPr>
+        <p:style>
+          <a:lnRef idx="1">
+            <a:schemeClr val="accent1"/>
+          </a:lnRef>
+          <a:fillRef idx="0">
+            <a:schemeClr val="accent1"/>
+          </a:fillRef>
+          <a:effectRef idx="0">
+            <a:schemeClr val="accent1"/>
+          </a:effectRef>
+          <a:fontRef idx="minor">
+            <a:schemeClr val="tx1"/>
+          </a:fontRef>
+        </p:style>
+      </p:cxnSp>
+    </p:spTree>
+    <p:extLst>
+      <p:ext uri="{BB962C8B-B14F-4D97-AF65-F5344CB8AC3E}">
+        <p14:creationId xmlns:p14="http://schemas.microsoft.com/office/powerpoint/2010/main" val="2677192911"/>
       </p:ext>
     </p:extLst>
   </p:cSld>
